--- a/ppt/Redis_Sharing.pptx
+++ b/ppt/Redis_Sharing.pptx
@@ -8,25 +8,26 @@
     <p:sldId id="256" r:id="rId2"/>
     <p:sldId id="267" r:id="rId3"/>
     <p:sldId id="288" r:id="rId4"/>
-    <p:sldId id="257" r:id="rId5"/>
-    <p:sldId id="287" r:id="rId6"/>
-    <p:sldId id="259" r:id="rId7"/>
-    <p:sldId id="289" r:id="rId8"/>
-    <p:sldId id="261" r:id="rId9"/>
-    <p:sldId id="290" r:id="rId10"/>
-    <p:sldId id="291" r:id="rId11"/>
-    <p:sldId id="260" r:id="rId12"/>
-    <p:sldId id="292" r:id="rId13"/>
-    <p:sldId id="294" r:id="rId14"/>
-    <p:sldId id="295" r:id="rId15"/>
-    <p:sldId id="293" r:id="rId16"/>
-    <p:sldId id="264" r:id="rId17"/>
-    <p:sldId id="300" r:id="rId18"/>
-    <p:sldId id="271" r:id="rId19"/>
-    <p:sldId id="297" r:id="rId20"/>
-    <p:sldId id="298" r:id="rId21"/>
-    <p:sldId id="299" r:id="rId22"/>
-    <p:sldId id="301" r:id="rId23"/>
+    <p:sldId id="302" r:id="rId5"/>
+    <p:sldId id="257" r:id="rId6"/>
+    <p:sldId id="287" r:id="rId7"/>
+    <p:sldId id="259" r:id="rId8"/>
+    <p:sldId id="289" r:id="rId9"/>
+    <p:sldId id="261" r:id="rId10"/>
+    <p:sldId id="290" r:id="rId11"/>
+    <p:sldId id="291" r:id="rId12"/>
+    <p:sldId id="260" r:id="rId13"/>
+    <p:sldId id="292" r:id="rId14"/>
+    <p:sldId id="294" r:id="rId15"/>
+    <p:sldId id="295" r:id="rId16"/>
+    <p:sldId id="293" r:id="rId17"/>
+    <p:sldId id="264" r:id="rId18"/>
+    <p:sldId id="300" r:id="rId19"/>
+    <p:sldId id="271" r:id="rId20"/>
+    <p:sldId id="297" r:id="rId21"/>
+    <p:sldId id="298" r:id="rId22"/>
+    <p:sldId id="299" r:id="rId23"/>
+    <p:sldId id="301" r:id="rId24"/>
   </p:sldIdLst>
   <p:sldSz cx="12192000" cy="6858000"/>
   <p:notesSz cx="6858000" cy="9144000"/>
@@ -10450,6 +10451,881 @@
       </p:grpSpPr>
       <p:sp>
         <p:nvSpPr>
+          <p:cNvPr id="2" name="Arrow: Pentagon 1">
+            <a:extLst>
+              <a:ext uri="{FF2B5EF4-FFF2-40B4-BE49-F238E27FC236}">
+                <a16:creationId xmlns:a16="http://schemas.microsoft.com/office/drawing/2014/main" id="{A887C8AB-ED58-41CA-82A1-7E11B08AB979}"/>
+              </a:ext>
+            </a:extLst>
+          </p:cNvPr>
+          <p:cNvSpPr/>
+          <p:nvPr/>
+        </p:nvSpPr>
+        <p:spPr>
+          <a:xfrm>
+            <a:off x="0" y="2380342"/>
+            <a:ext cx="4601029" cy="928914"/>
+          </a:xfrm>
+          <a:prstGeom prst="homePlate">
+            <a:avLst/>
+          </a:prstGeom>
+          <a:solidFill>
+            <a:srgbClr val="747F83"/>
+          </a:solidFill>
+          <a:ln>
+            <a:noFill/>
+          </a:ln>
+        </p:spPr>
+        <p:style>
+          <a:lnRef idx="2">
+            <a:schemeClr val="accent1">
+              <a:shade val="50000"/>
+            </a:schemeClr>
+          </a:lnRef>
+          <a:fillRef idx="1">
+            <a:schemeClr val="accent1"/>
+          </a:fillRef>
+          <a:effectRef idx="0">
+            <a:schemeClr val="accent1"/>
+          </a:effectRef>
+          <a:fontRef idx="minor">
+            <a:schemeClr val="lt1"/>
+          </a:fontRef>
+        </p:style>
+        <p:txBody>
+          <a:bodyPr rtlCol="0" anchor="ctr"/>
+          <a:lstStyle/>
+          <a:p>
+            <a:pPr algn="ctr"/>
+            <a:endParaRPr lang="en-US"/>
+          </a:p>
+        </p:txBody>
+      </p:sp>
+      <p:sp>
+        <p:nvSpPr>
+          <p:cNvPr id="3" name="Arrow: Pentagon 2">
+            <a:extLst>
+              <a:ext uri="{FF2B5EF4-FFF2-40B4-BE49-F238E27FC236}">
+                <a16:creationId xmlns:a16="http://schemas.microsoft.com/office/drawing/2014/main" id="{0A585EC1-6695-4E14-AE23-26214ECD367E}"/>
+              </a:ext>
+            </a:extLst>
+          </p:cNvPr>
+          <p:cNvSpPr/>
+          <p:nvPr/>
+        </p:nvSpPr>
+        <p:spPr>
+          <a:xfrm>
+            <a:off x="0" y="3367312"/>
+            <a:ext cx="5268686" cy="928914"/>
+          </a:xfrm>
+          <a:prstGeom prst="homePlate">
+            <a:avLst/>
+          </a:prstGeom>
+          <a:solidFill>
+            <a:srgbClr val="949494"/>
+          </a:solidFill>
+          <a:ln>
+            <a:noFill/>
+          </a:ln>
+        </p:spPr>
+        <p:style>
+          <a:lnRef idx="2">
+            <a:schemeClr val="accent1">
+              <a:shade val="50000"/>
+            </a:schemeClr>
+          </a:lnRef>
+          <a:fillRef idx="1">
+            <a:schemeClr val="accent1"/>
+          </a:fillRef>
+          <a:effectRef idx="0">
+            <a:schemeClr val="accent1"/>
+          </a:effectRef>
+          <a:fontRef idx="minor">
+            <a:schemeClr val="lt1"/>
+          </a:fontRef>
+        </p:style>
+        <p:txBody>
+          <a:bodyPr rtlCol="0" anchor="ctr"/>
+          <a:lstStyle/>
+          <a:p>
+            <a:pPr algn="ctr"/>
+            <a:endParaRPr lang="en-US"/>
+          </a:p>
+        </p:txBody>
+      </p:sp>
+      <p:pic>
+        <p:nvPicPr>
+          <p:cNvPr id="5" name="Graphic 4" descr="Bullseye">
+            <a:extLst>
+              <a:ext uri="{FF2B5EF4-FFF2-40B4-BE49-F238E27FC236}">
+                <a16:creationId xmlns:a16="http://schemas.microsoft.com/office/drawing/2014/main" id="{BA3FDB71-9471-4D03-83FA-9D0752C87B1D}"/>
+              </a:ext>
+            </a:extLst>
+          </p:cNvPr>
+          <p:cNvPicPr>
+            <a:picLocks noChangeAspect="1"/>
+          </p:cNvPicPr>
+          <p:nvPr/>
+        </p:nvPicPr>
+        <p:blipFill>
+          <a:blip r:embed="rId2">
+            <a:extLst>
+              <a:ext uri="{28A0092B-C50C-407E-A947-70E740481C1C}">
+                <a14:useLocalDpi xmlns:a14="http://schemas.microsoft.com/office/drawing/2010/main" val="0"/>
+              </a:ext>
+              <a:ext uri="{96DAC541-7B7A-43D3-8B79-37D633B846F1}">
+                <asvg:svgBlip xmlns:asvg="http://schemas.microsoft.com/office/drawing/2016/SVG/main" r:embed="rId3"/>
+              </a:ext>
+            </a:extLst>
+          </a:blip>
+          <a:stretch>
+            <a:fillRect/>
+          </a:stretch>
+        </p:blipFill>
+        <p:spPr>
+          <a:xfrm>
+            <a:off x="151739" y="2556545"/>
+            <a:ext cx="630934" cy="630934"/>
+          </a:xfrm>
+          <a:prstGeom prst="rect">
+            <a:avLst/>
+          </a:prstGeom>
+        </p:spPr>
+      </p:pic>
+      <p:pic>
+        <p:nvPicPr>
+          <p:cNvPr id="7" name="Graphic 6" descr="Money">
+            <a:extLst>
+              <a:ext uri="{FF2B5EF4-FFF2-40B4-BE49-F238E27FC236}">
+                <a16:creationId xmlns:a16="http://schemas.microsoft.com/office/drawing/2014/main" id="{DC5C7688-C4AE-4EE7-A84E-22AC3037BFF1}"/>
+              </a:ext>
+            </a:extLst>
+          </p:cNvPr>
+          <p:cNvPicPr>
+            <a:picLocks noChangeAspect="1"/>
+          </p:cNvPicPr>
+          <p:nvPr/>
+        </p:nvPicPr>
+        <p:blipFill>
+          <a:blip r:embed="rId4">
+            <a:extLst>
+              <a:ext uri="{28A0092B-C50C-407E-A947-70E740481C1C}">
+                <a14:useLocalDpi xmlns:a14="http://schemas.microsoft.com/office/drawing/2010/main" val="0"/>
+              </a:ext>
+              <a:ext uri="{96DAC541-7B7A-43D3-8B79-37D633B846F1}">
+                <asvg:svgBlip xmlns:asvg="http://schemas.microsoft.com/office/drawing/2016/SVG/main" r:embed="rId5"/>
+              </a:ext>
+            </a:extLst>
+          </a:blip>
+          <a:stretch>
+            <a:fillRect/>
+          </a:stretch>
+        </p:blipFill>
+        <p:spPr>
+          <a:xfrm>
+            <a:off x="151739" y="3526676"/>
+            <a:ext cx="630934" cy="630934"/>
+          </a:xfrm>
+          <a:prstGeom prst="rect">
+            <a:avLst/>
+          </a:prstGeom>
+        </p:spPr>
+      </p:pic>
+      <p:sp>
+        <p:nvSpPr>
+          <p:cNvPr id="8" name="Rectangle 7">
+            <a:extLst>
+              <a:ext uri="{FF2B5EF4-FFF2-40B4-BE49-F238E27FC236}">
+                <a16:creationId xmlns:a16="http://schemas.microsoft.com/office/drawing/2014/main" id="{66CBD1F4-8412-4A0A-9105-21F6E6BDD263}"/>
+              </a:ext>
+            </a:extLst>
+          </p:cNvPr>
+          <p:cNvSpPr/>
+          <p:nvPr/>
+        </p:nvSpPr>
+        <p:spPr>
+          <a:xfrm>
+            <a:off x="1177827" y="3635112"/>
+            <a:ext cx="3210406" cy="372346"/>
+          </a:xfrm>
+          <a:prstGeom prst="rect">
+            <a:avLst/>
+          </a:prstGeom>
+        </p:spPr>
+        <p:txBody>
+          <a:bodyPr wrap="square">
+            <a:spAutoFit/>
+          </a:bodyPr>
+          <a:lstStyle/>
+          <a:p>
+            <a:pPr algn="ctr">
+              <a:lnSpc>
+                <a:spcPct val="107000"/>
+              </a:lnSpc>
+              <a:spcAft>
+                <a:spcPts val="800"/>
+              </a:spcAft>
+            </a:pPr>
+            <a:r>
+              <a:rPr lang="en-US" altLang="zh-CN" dirty="0">
+                <a:solidFill>
+                  <a:schemeClr val="bg1"/>
+                </a:solidFill>
+                <a:latin typeface="Roboto" panose="02000000000000000000" pitchFamily="2" charset="0"/>
+                <a:ea typeface="Roboto" panose="02000000000000000000" pitchFamily="2" charset="0"/>
+                <a:cs typeface="Times New Roman" panose="02020603050405020304" pitchFamily="18" charset="0"/>
+              </a:rPr>
+              <a:t>spring-boot-starter-data-</a:t>
+            </a:r>
+            <a:r>
+              <a:rPr lang="en-US" altLang="zh-CN" dirty="0" err="1">
+                <a:solidFill>
+                  <a:schemeClr val="bg1"/>
+                </a:solidFill>
+                <a:latin typeface="Roboto" panose="02000000000000000000" pitchFamily="2" charset="0"/>
+                <a:ea typeface="Roboto" panose="02000000000000000000" pitchFamily="2" charset="0"/>
+                <a:cs typeface="Times New Roman" panose="02020603050405020304" pitchFamily="18" charset="0"/>
+              </a:rPr>
+              <a:t>redis</a:t>
+            </a:r>
+            <a:endParaRPr lang="en-US" dirty="0">
+              <a:solidFill>
+                <a:schemeClr val="bg1"/>
+              </a:solidFill>
+              <a:latin typeface="Roboto" panose="02000000000000000000" pitchFamily="2" charset="0"/>
+              <a:ea typeface="Roboto" panose="02000000000000000000" pitchFamily="2" charset="0"/>
+              <a:cs typeface="Times New Roman" panose="02020603050405020304" pitchFamily="18" charset="0"/>
+            </a:endParaRPr>
+          </a:p>
+        </p:txBody>
+      </p:sp>
+      <p:sp>
+        <p:nvSpPr>
+          <p:cNvPr id="11" name="TextBox 10">
+            <a:extLst>
+              <a:ext uri="{FF2B5EF4-FFF2-40B4-BE49-F238E27FC236}">
+                <a16:creationId xmlns:a16="http://schemas.microsoft.com/office/drawing/2014/main" id="{BD27E0AD-8F02-4B9E-ABBD-29BAC24D6AF2}"/>
+              </a:ext>
+            </a:extLst>
+          </p:cNvPr>
+          <p:cNvSpPr txBox="1"/>
+          <p:nvPr/>
+        </p:nvSpPr>
+        <p:spPr>
+          <a:xfrm>
+            <a:off x="3575600" y="0"/>
+            <a:ext cx="4483786" cy="830997"/>
+          </a:xfrm>
+          <a:prstGeom prst="rect">
+            <a:avLst/>
+          </a:prstGeom>
+          <a:noFill/>
+        </p:spPr>
+        <p:txBody>
+          <a:bodyPr wrap="square" rtlCol="0">
+            <a:spAutoFit/>
+          </a:bodyPr>
+          <a:lstStyle/>
+          <a:p>
+            <a:pPr algn="ctr"/>
+            <a:r>
+              <a:rPr lang="zh-CN" altLang="en-US" sz="4800" dirty="0">
+                <a:solidFill>
+                  <a:srgbClr val="747F83"/>
+                </a:solidFill>
+                <a:latin typeface="Roboto Medium" panose="02000000000000000000" pitchFamily="2" charset="0"/>
+                <a:ea typeface="Roboto Medium" panose="02000000000000000000" pitchFamily="2" charset="0"/>
+              </a:rPr>
+              <a:t>基础整合</a:t>
+            </a:r>
+            <a:endParaRPr lang="en-US" sz="4800" dirty="0">
+              <a:solidFill>
+                <a:srgbClr val="747F83"/>
+              </a:solidFill>
+              <a:latin typeface="Roboto Medium" panose="02000000000000000000" pitchFamily="2" charset="0"/>
+              <a:ea typeface="Roboto Medium" panose="02000000000000000000" pitchFamily="2" charset="0"/>
+            </a:endParaRPr>
+          </a:p>
+        </p:txBody>
+      </p:sp>
+      <p:cxnSp>
+        <p:nvCxnSpPr>
+          <p:cNvPr id="12" name="Straight Connector 11">
+            <a:extLst>
+              <a:ext uri="{FF2B5EF4-FFF2-40B4-BE49-F238E27FC236}">
+                <a16:creationId xmlns:a16="http://schemas.microsoft.com/office/drawing/2014/main" id="{857195B2-9DBA-44B2-A489-436A38773E9B}"/>
+              </a:ext>
+            </a:extLst>
+          </p:cNvPr>
+          <p:cNvCxnSpPr>
+            <a:cxnSpLocks/>
+          </p:cNvCxnSpPr>
+          <p:nvPr/>
+        </p:nvCxnSpPr>
+        <p:spPr>
+          <a:xfrm>
+            <a:off x="3699961" y="951039"/>
+            <a:ext cx="4235064" cy="0"/>
+          </a:xfrm>
+          <a:prstGeom prst="line">
+            <a:avLst/>
+          </a:prstGeom>
+          <a:ln w="38100">
+            <a:solidFill>
+              <a:srgbClr val="747F83"/>
+            </a:solidFill>
+          </a:ln>
+        </p:spPr>
+        <p:style>
+          <a:lnRef idx="1">
+            <a:schemeClr val="accent1"/>
+          </a:lnRef>
+          <a:fillRef idx="0">
+            <a:schemeClr val="accent1"/>
+          </a:fillRef>
+          <a:effectRef idx="0">
+            <a:schemeClr val="accent1"/>
+          </a:effectRef>
+          <a:fontRef idx="minor">
+            <a:schemeClr val="tx1"/>
+          </a:fontRef>
+        </p:style>
+      </p:cxnSp>
+      <p:sp>
+        <p:nvSpPr>
+          <p:cNvPr id="14" name="Subtitle 2">
+            <a:extLst>
+              <a:ext uri="{FF2B5EF4-FFF2-40B4-BE49-F238E27FC236}">
+                <a16:creationId xmlns:a16="http://schemas.microsoft.com/office/drawing/2014/main" id="{A0322042-169C-4684-B2CF-0BF56144951E}"/>
+              </a:ext>
+            </a:extLst>
+          </p:cNvPr>
+          <p:cNvSpPr txBox="1">
+            <a:spLocks/>
+          </p:cNvSpPr>
+          <p:nvPr/>
+        </p:nvSpPr>
+        <p:spPr>
+          <a:xfrm>
+            <a:off x="0" y="1893583"/>
+            <a:ext cx="2355654" cy="347617"/>
+          </a:xfrm>
+          <a:prstGeom prst="rect">
+            <a:avLst/>
+          </a:prstGeom>
+        </p:spPr>
+        <p:txBody>
+          <a:bodyPr vert="horz" lIns="91440" tIns="45720" rIns="91440" bIns="45720" rtlCol="0">
+            <a:noAutofit/>
+          </a:bodyPr>
+          <a:lstStyle>
+            <a:lvl1pPr marL="0" indent="0" algn="ctr" defTabSz="914400" rtl="0" eaLnBrk="1" latinLnBrk="0" hangingPunct="1">
+              <a:lnSpc>
+                <a:spcPct val="90000"/>
+              </a:lnSpc>
+              <a:spcBef>
+                <a:spcPts val="1000"/>
+              </a:spcBef>
+              <a:buFont typeface="Arial" panose="020B0604020202020204" pitchFamily="34" charset="0"/>
+              <a:buNone/>
+              <a:defRPr sz="2400" kern="1200">
+                <a:solidFill>
+                  <a:schemeClr val="tx1"/>
+                </a:solidFill>
+                <a:latin typeface="+mn-lt"/>
+                <a:ea typeface="+mn-ea"/>
+                <a:cs typeface="+mn-cs"/>
+              </a:defRPr>
+            </a:lvl1pPr>
+            <a:lvl2pPr marL="457200" indent="0" algn="ctr" defTabSz="914400" rtl="0" eaLnBrk="1" latinLnBrk="0" hangingPunct="1">
+              <a:lnSpc>
+                <a:spcPct val="90000"/>
+              </a:lnSpc>
+              <a:spcBef>
+                <a:spcPts val="500"/>
+              </a:spcBef>
+              <a:buFont typeface="Arial" panose="020B0604020202020204" pitchFamily="34" charset="0"/>
+              <a:buNone/>
+              <a:defRPr sz="2000" kern="1200">
+                <a:solidFill>
+                  <a:schemeClr val="tx1"/>
+                </a:solidFill>
+                <a:latin typeface="+mn-lt"/>
+                <a:ea typeface="+mn-ea"/>
+                <a:cs typeface="+mn-cs"/>
+              </a:defRPr>
+            </a:lvl2pPr>
+            <a:lvl3pPr marL="914400" indent="0" algn="ctr" defTabSz="914400" rtl="0" eaLnBrk="1" latinLnBrk="0" hangingPunct="1">
+              <a:lnSpc>
+                <a:spcPct val="90000"/>
+              </a:lnSpc>
+              <a:spcBef>
+                <a:spcPts val="500"/>
+              </a:spcBef>
+              <a:buFont typeface="Arial" panose="020B0604020202020204" pitchFamily="34" charset="0"/>
+              <a:buNone/>
+              <a:defRPr sz="1800" kern="1200">
+                <a:solidFill>
+                  <a:schemeClr val="tx1"/>
+                </a:solidFill>
+                <a:latin typeface="+mn-lt"/>
+                <a:ea typeface="+mn-ea"/>
+                <a:cs typeface="+mn-cs"/>
+              </a:defRPr>
+            </a:lvl3pPr>
+            <a:lvl4pPr marL="1371600" indent="0" algn="ctr" defTabSz="914400" rtl="0" eaLnBrk="1" latinLnBrk="0" hangingPunct="1">
+              <a:lnSpc>
+                <a:spcPct val="90000"/>
+              </a:lnSpc>
+              <a:spcBef>
+                <a:spcPts val="500"/>
+              </a:spcBef>
+              <a:buFont typeface="Arial" panose="020B0604020202020204" pitchFamily="34" charset="0"/>
+              <a:buNone/>
+              <a:defRPr sz="1600" kern="1200">
+                <a:solidFill>
+                  <a:schemeClr val="tx1"/>
+                </a:solidFill>
+                <a:latin typeface="+mn-lt"/>
+                <a:ea typeface="+mn-ea"/>
+                <a:cs typeface="+mn-cs"/>
+              </a:defRPr>
+            </a:lvl4pPr>
+            <a:lvl5pPr marL="1828800" indent="0" algn="ctr" defTabSz="914400" rtl="0" eaLnBrk="1" latinLnBrk="0" hangingPunct="1">
+              <a:lnSpc>
+                <a:spcPct val="90000"/>
+              </a:lnSpc>
+              <a:spcBef>
+                <a:spcPts val="500"/>
+              </a:spcBef>
+              <a:buFont typeface="Arial" panose="020B0604020202020204" pitchFamily="34" charset="0"/>
+              <a:buNone/>
+              <a:defRPr sz="1600" kern="1200">
+                <a:solidFill>
+                  <a:schemeClr val="tx1"/>
+                </a:solidFill>
+                <a:latin typeface="+mn-lt"/>
+                <a:ea typeface="+mn-ea"/>
+                <a:cs typeface="+mn-cs"/>
+              </a:defRPr>
+            </a:lvl5pPr>
+            <a:lvl6pPr marL="2286000" indent="0" algn="ctr" defTabSz="914400" rtl="0" eaLnBrk="1" latinLnBrk="0" hangingPunct="1">
+              <a:lnSpc>
+                <a:spcPct val="90000"/>
+              </a:lnSpc>
+              <a:spcBef>
+                <a:spcPts val="500"/>
+              </a:spcBef>
+              <a:buFont typeface="Arial" panose="020B0604020202020204" pitchFamily="34" charset="0"/>
+              <a:buNone/>
+              <a:defRPr sz="1600" kern="1200">
+                <a:solidFill>
+                  <a:schemeClr val="tx1"/>
+                </a:solidFill>
+                <a:latin typeface="+mn-lt"/>
+                <a:ea typeface="+mn-ea"/>
+                <a:cs typeface="+mn-cs"/>
+              </a:defRPr>
+            </a:lvl6pPr>
+            <a:lvl7pPr marL="2743200" indent="0" algn="ctr" defTabSz="914400" rtl="0" eaLnBrk="1" latinLnBrk="0" hangingPunct="1">
+              <a:lnSpc>
+                <a:spcPct val="90000"/>
+              </a:lnSpc>
+              <a:spcBef>
+                <a:spcPts val="500"/>
+              </a:spcBef>
+              <a:buFont typeface="Arial" panose="020B0604020202020204" pitchFamily="34" charset="0"/>
+              <a:buNone/>
+              <a:defRPr sz="1600" kern="1200">
+                <a:solidFill>
+                  <a:schemeClr val="tx1"/>
+                </a:solidFill>
+                <a:latin typeface="+mn-lt"/>
+                <a:ea typeface="+mn-ea"/>
+                <a:cs typeface="+mn-cs"/>
+              </a:defRPr>
+            </a:lvl7pPr>
+            <a:lvl8pPr marL="3200400" indent="0" algn="ctr" defTabSz="914400" rtl="0" eaLnBrk="1" latinLnBrk="0" hangingPunct="1">
+              <a:lnSpc>
+                <a:spcPct val="90000"/>
+              </a:lnSpc>
+              <a:spcBef>
+                <a:spcPts val="500"/>
+              </a:spcBef>
+              <a:buFont typeface="Arial" panose="020B0604020202020204" pitchFamily="34" charset="0"/>
+              <a:buNone/>
+              <a:defRPr sz="1600" kern="1200">
+                <a:solidFill>
+                  <a:schemeClr val="tx1"/>
+                </a:solidFill>
+                <a:latin typeface="+mn-lt"/>
+                <a:ea typeface="+mn-ea"/>
+                <a:cs typeface="+mn-cs"/>
+              </a:defRPr>
+            </a:lvl8pPr>
+            <a:lvl9pPr marL="3657600" indent="0" algn="ctr" defTabSz="914400" rtl="0" eaLnBrk="1" latinLnBrk="0" hangingPunct="1">
+              <a:lnSpc>
+                <a:spcPct val="90000"/>
+              </a:lnSpc>
+              <a:spcBef>
+                <a:spcPts val="500"/>
+              </a:spcBef>
+              <a:buFont typeface="Arial" panose="020B0604020202020204" pitchFamily="34" charset="0"/>
+              <a:buNone/>
+              <a:defRPr sz="1600" kern="1200">
+                <a:solidFill>
+                  <a:schemeClr val="tx1"/>
+                </a:solidFill>
+                <a:latin typeface="+mn-lt"/>
+                <a:ea typeface="+mn-ea"/>
+                <a:cs typeface="+mn-cs"/>
+              </a:defRPr>
+            </a:lvl9pPr>
+          </a:lstStyle>
+          <a:p>
+            <a:pPr algn="l"/>
+            <a:r>
+              <a:rPr lang="zh-CN" altLang="en-US" b="1" dirty="0">
+                <a:solidFill>
+                  <a:srgbClr val="747F83"/>
+                </a:solidFill>
+                <a:latin typeface="Roboto Medium" panose="02000000000000000000" pitchFamily="2" charset="0"/>
+                <a:ea typeface="Roboto Medium" panose="02000000000000000000" pitchFamily="2" charset="0"/>
+              </a:rPr>
+              <a:t>基础库：</a:t>
+            </a:r>
+            <a:endParaRPr lang="en-US" b="1" dirty="0">
+              <a:solidFill>
+                <a:srgbClr val="747F83"/>
+              </a:solidFill>
+              <a:latin typeface="Roboto Medium" panose="02000000000000000000" pitchFamily="2" charset="0"/>
+              <a:ea typeface="Roboto Medium" panose="02000000000000000000" pitchFamily="2" charset="0"/>
+            </a:endParaRPr>
+          </a:p>
+        </p:txBody>
+      </p:sp>
+      <p:sp>
+        <p:nvSpPr>
+          <p:cNvPr id="17" name="Rectangle 16">
+            <a:extLst>
+              <a:ext uri="{FF2B5EF4-FFF2-40B4-BE49-F238E27FC236}">
+                <a16:creationId xmlns:a16="http://schemas.microsoft.com/office/drawing/2014/main" id="{51EE87E0-4F6C-4CA0-8B66-1C50D9856C0A}"/>
+              </a:ext>
+            </a:extLst>
+          </p:cNvPr>
+          <p:cNvSpPr/>
+          <p:nvPr/>
+        </p:nvSpPr>
+        <p:spPr>
+          <a:xfrm>
+            <a:off x="920586" y="2658626"/>
+            <a:ext cx="3210406" cy="372346"/>
+          </a:xfrm>
+          <a:prstGeom prst="rect">
+            <a:avLst/>
+          </a:prstGeom>
+        </p:spPr>
+        <p:txBody>
+          <a:bodyPr wrap="square">
+            <a:spAutoFit/>
+          </a:bodyPr>
+          <a:lstStyle/>
+          <a:p>
+            <a:pPr algn="ctr">
+              <a:lnSpc>
+                <a:spcPct val="107000"/>
+              </a:lnSpc>
+              <a:spcAft>
+                <a:spcPts val="800"/>
+              </a:spcAft>
+            </a:pPr>
+            <a:r>
+              <a:rPr lang="en-US" altLang="zh-CN" dirty="0">
+                <a:solidFill>
+                  <a:schemeClr val="bg1"/>
+                </a:solidFill>
+                <a:latin typeface="Roboto" panose="02000000000000000000" pitchFamily="2" charset="0"/>
+                <a:ea typeface="Roboto" panose="02000000000000000000" pitchFamily="2" charset="0"/>
+                <a:cs typeface="Times New Roman" panose="02020603050405020304" pitchFamily="18" charset="0"/>
+              </a:rPr>
+              <a:t>redis.clients:jedis:2.9.0</a:t>
+            </a:r>
+            <a:endParaRPr lang="en-US" dirty="0">
+              <a:solidFill>
+                <a:schemeClr val="bg1"/>
+              </a:solidFill>
+              <a:latin typeface="Roboto" panose="02000000000000000000" pitchFamily="2" charset="0"/>
+              <a:ea typeface="Roboto" panose="02000000000000000000" pitchFamily="2" charset="0"/>
+              <a:cs typeface="Times New Roman" panose="02020603050405020304" pitchFamily="18" charset="0"/>
+            </a:endParaRPr>
+          </a:p>
+        </p:txBody>
+      </p:sp>
+      <p:pic>
+        <p:nvPicPr>
+          <p:cNvPr id="21" name="Picture 20">
+            <a:extLst>
+              <a:ext uri="{FF2B5EF4-FFF2-40B4-BE49-F238E27FC236}">
+                <a16:creationId xmlns:a16="http://schemas.microsoft.com/office/drawing/2014/main" id="{9B518DA0-8919-4A0B-996D-423697CA49E1}"/>
+              </a:ext>
+            </a:extLst>
+          </p:cNvPr>
+          <p:cNvPicPr>
+            <a:picLocks noChangeAspect="1"/>
+          </p:cNvPicPr>
+          <p:nvPr/>
+        </p:nvPicPr>
+        <p:blipFill>
+          <a:blip r:embed="rId6">
+            <a:extLst>
+              <a:ext uri="{28A0092B-C50C-407E-A947-70E740481C1C}">
+                <a14:useLocalDpi xmlns:a14="http://schemas.microsoft.com/office/drawing/2010/main" val="0"/>
+              </a:ext>
+            </a:extLst>
+          </a:blip>
+          <a:stretch>
+            <a:fillRect/>
+          </a:stretch>
+        </p:blipFill>
+        <p:spPr>
+          <a:xfrm>
+            <a:off x="6096000" y="1621191"/>
+            <a:ext cx="4343392" cy="2074869"/>
+          </a:xfrm>
+          <a:prstGeom prst="rect">
+            <a:avLst/>
+          </a:prstGeom>
+        </p:spPr>
+      </p:pic>
+      <p:grpSp>
+        <p:nvGrpSpPr>
+          <p:cNvPr id="25" name="Group 24">
+            <a:extLst>
+              <a:ext uri="{FF2B5EF4-FFF2-40B4-BE49-F238E27FC236}">
+                <a16:creationId xmlns:a16="http://schemas.microsoft.com/office/drawing/2014/main" id="{695A0379-7F4C-47C0-BEB1-65C5B0FE9745}"/>
+              </a:ext>
+            </a:extLst>
+          </p:cNvPr>
+          <p:cNvGrpSpPr/>
+          <p:nvPr/>
+        </p:nvGrpSpPr>
+        <p:grpSpPr>
+          <a:xfrm>
+            <a:off x="2651519" y="1639935"/>
+            <a:ext cx="9052690" cy="4267026"/>
+            <a:chOff x="2723342" y="1754356"/>
+            <a:chExt cx="9052690" cy="4267026"/>
+          </a:xfrm>
+        </p:grpSpPr>
+        <p:pic>
+          <p:nvPicPr>
+            <p:cNvPr id="22" name="Picture 21">
+              <a:extLst>
+                <a:ext uri="{FF2B5EF4-FFF2-40B4-BE49-F238E27FC236}">
+                  <a16:creationId xmlns:a16="http://schemas.microsoft.com/office/drawing/2014/main" id="{CBDAAF35-04F0-4732-A814-9AED01901A37}"/>
+                </a:ext>
+              </a:extLst>
+            </p:cNvPr>
+            <p:cNvPicPr>
+              <a:picLocks noChangeAspect="1"/>
+            </p:cNvPicPr>
+            <p:nvPr/>
+          </p:nvPicPr>
+          <p:blipFill>
+            <a:blip r:embed="rId7"/>
+            <a:stretch>
+              <a:fillRect/>
+            </a:stretch>
+          </p:blipFill>
+          <p:spPr>
+            <a:xfrm>
+              <a:off x="2723342" y="4157610"/>
+              <a:ext cx="3552825" cy="1857375"/>
+            </a:xfrm>
+            <a:prstGeom prst="rect">
+              <a:avLst/>
+            </a:prstGeom>
+          </p:spPr>
+        </p:pic>
+        <p:pic>
+          <p:nvPicPr>
+            <p:cNvPr id="23" name="Picture 22">
+              <a:extLst>
+                <a:ext uri="{FF2B5EF4-FFF2-40B4-BE49-F238E27FC236}">
+                  <a16:creationId xmlns:a16="http://schemas.microsoft.com/office/drawing/2014/main" id="{4A062AFC-33B4-4012-A9DC-78C1607236D2}"/>
+                </a:ext>
+              </a:extLst>
+            </p:cNvPr>
+            <p:cNvPicPr>
+              <a:picLocks noChangeAspect="1"/>
+            </p:cNvPicPr>
+            <p:nvPr/>
+          </p:nvPicPr>
+          <p:blipFill>
+            <a:blip r:embed="rId8"/>
+            <a:stretch>
+              <a:fillRect/>
+            </a:stretch>
+          </p:blipFill>
+          <p:spPr>
+            <a:xfrm>
+              <a:off x="6288680" y="1754356"/>
+              <a:ext cx="4371975" cy="1057275"/>
+            </a:xfrm>
+            <a:prstGeom prst="rect">
+              <a:avLst/>
+            </a:prstGeom>
+          </p:spPr>
+        </p:pic>
+        <p:pic>
+          <p:nvPicPr>
+            <p:cNvPr id="24" name="Picture 23">
+              <a:extLst>
+                <a:ext uri="{FF2B5EF4-FFF2-40B4-BE49-F238E27FC236}">
+                  <a16:creationId xmlns:a16="http://schemas.microsoft.com/office/drawing/2014/main" id="{24B709E0-8F9E-4A0D-89FF-D27CF7F3FE16}"/>
+                </a:ext>
+              </a:extLst>
+            </p:cNvPr>
+            <p:cNvPicPr>
+              <a:picLocks noChangeAspect="1"/>
+            </p:cNvPicPr>
+            <p:nvPr/>
+          </p:nvPicPr>
+          <p:blipFill>
+            <a:blip r:embed="rId9"/>
+            <a:stretch>
+              <a:fillRect/>
+            </a:stretch>
+          </p:blipFill>
+          <p:spPr>
+            <a:xfrm>
+              <a:off x="6288680" y="2783761"/>
+              <a:ext cx="5487352" cy="3237621"/>
+            </a:xfrm>
+            <a:prstGeom prst="rect">
+              <a:avLst/>
+            </a:prstGeom>
+          </p:spPr>
+        </p:pic>
+      </p:grpSp>
+    </p:spTree>
+    <p:extLst>
+      <p:ext uri="{BB962C8B-B14F-4D97-AF65-F5344CB8AC3E}">
+        <p14:creationId xmlns:p14="http://schemas.microsoft.com/office/powerpoint/2010/main" val="816926098"/>
+      </p:ext>
+    </p:extLst>
+  </p:cSld>
+  <p:clrMapOvr>
+    <a:masterClrMapping/>
+  </p:clrMapOvr>
+  <p:transition>
+    <p:fade/>
+  </p:transition>
+  <p:timing>
+    <p:tnLst>
+      <p:par>
+        <p:cTn id="1" dur="indefinite" restart="never" nodeType="tmRoot">
+          <p:childTnLst>
+            <p:seq concurrent="1" nextAc="seek">
+              <p:cTn id="2" dur="indefinite" nodeType="mainSeq">
+                <p:childTnLst>
+                  <p:par>
+                    <p:cTn id="3" fill="hold">
+                      <p:stCondLst>
+                        <p:cond delay="indefinite"/>
+                      </p:stCondLst>
+                      <p:childTnLst>
+                        <p:par>
+                          <p:cTn id="4" fill="hold">
+                            <p:stCondLst>
+                              <p:cond delay="0"/>
+                            </p:stCondLst>
+                            <p:childTnLst>
+                              <p:par>
+                                <p:cTn id="5" presetID="10" presetClass="entr" presetSubtype="0" fill="hold" nodeType="clickEffect">
+                                  <p:stCondLst>
+                                    <p:cond delay="0"/>
+                                  </p:stCondLst>
+                                  <p:childTnLst>
+                                    <p:set>
+                                      <p:cBhvr>
+                                        <p:cTn id="6" dur="1" fill="hold">
+                                          <p:stCondLst>
+                                            <p:cond delay="0"/>
+                                          </p:stCondLst>
+                                        </p:cTn>
+                                        <p:tgtEl>
+                                          <p:spTgt spid="25"/>
+                                        </p:tgtEl>
+                                        <p:attrNameLst>
+                                          <p:attrName>style.visibility</p:attrName>
+                                        </p:attrNameLst>
+                                      </p:cBhvr>
+                                      <p:to>
+                                        <p:strVal val="visible"/>
+                                      </p:to>
+                                    </p:set>
+                                    <p:animEffect transition="in" filter="fade">
+                                      <p:cBhvr>
+                                        <p:cTn id="7" dur="500"/>
+                                        <p:tgtEl>
+                                          <p:spTgt spid="25"/>
+                                        </p:tgtEl>
+                                      </p:cBhvr>
+                                    </p:animEffect>
+                                  </p:childTnLst>
+                                </p:cTn>
+                              </p:par>
+                            </p:childTnLst>
+                          </p:cTn>
+                        </p:par>
+                      </p:childTnLst>
+                    </p:cTn>
+                  </p:par>
+                </p:childTnLst>
+              </p:cTn>
+              <p:prevCondLst>
+                <p:cond evt="onPrev" delay="0">
+                  <p:tgtEl>
+                    <p:sldTgt/>
+                  </p:tgtEl>
+                </p:cond>
+              </p:prevCondLst>
+              <p:nextCondLst>
+                <p:cond evt="onNext" delay="0">
+                  <p:tgtEl>
+                    <p:sldTgt/>
+                  </p:tgtEl>
+                </p:cond>
+              </p:nextCondLst>
+            </p:seq>
+          </p:childTnLst>
+        </p:cTn>
+      </p:par>
+    </p:tnLst>
+  </p:timing>
+</p:sld>
+</file>
+
+<file path=ppt/slides/slide11.xml><?xml version="1.0" encoding="utf-8"?>
+<p:sld xmlns:a="http://schemas.openxmlformats.org/drawingml/2006/main" xmlns:r="http://schemas.openxmlformats.org/officeDocument/2006/relationships" xmlns:p="http://schemas.openxmlformats.org/presentationml/2006/main">
+  <p:cSld>
+    <p:spTree>
+      <p:nvGrpSpPr>
+        <p:cNvPr id="1" name=""/>
+        <p:cNvGrpSpPr/>
+        <p:nvPr/>
+      </p:nvGrpSpPr>
+      <p:grpSpPr>
+        <a:xfrm>
+          <a:off x="0" y="0"/>
+          <a:ext cx="0" cy="0"/>
+          <a:chOff x="0" y="0"/>
+          <a:chExt cx="0" cy="0"/>
+        </a:xfrm>
+      </p:grpSpPr>
+      <p:sp>
+        <p:nvSpPr>
           <p:cNvPr id="4" name="TextBox 3">
             <a:extLst>
               <a:ext uri="{FF2B5EF4-FFF2-40B4-BE49-F238E27FC236}">
@@ -11972,6 +12848,9 @@
   <p:clrMapOvr>
     <a:masterClrMapping/>
   </p:clrMapOvr>
+  <p:transition>
+    <p:fade/>
+  </p:transition>
   <p:timing>
     <p:tnLst>
       <p:par>
@@ -12283,7 +13162,7 @@
 </p:sld>
 </file>
 
-<file path=ppt/slides/slide11.xml><?xml version="1.0" encoding="utf-8"?>
+<file path=ppt/slides/slide12.xml><?xml version="1.0" encoding="utf-8"?>
 <p:sld xmlns:a="http://schemas.openxmlformats.org/drawingml/2006/main" xmlns:r="http://schemas.openxmlformats.org/officeDocument/2006/relationships" xmlns:p="http://schemas.openxmlformats.org/presentationml/2006/main">
   <p:cSld>
     <p:spTree>
@@ -13451,10 +14330,13 @@
   <p:clrMapOvr>
     <a:masterClrMapping/>
   </p:clrMapOvr>
+  <p:transition>
+    <p:fade/>
+  </p:transition>
 </p:sld>
 </file>
 
-<file path=ppt/slides/slide12.xml><?xml version="1.0" encoding="utf-8"?>
+<file path=ppt/slides/slide13.xml><?xml version="1.0" encoding="utf-8"?>
 <p:sld xmlns:a="http://schemas.openxmlformats.org/drawingml/2006/main" xmlns:r="http://schemas.openxmlformats.org/officeDocument/2006/relationships" xmlns:p="http://schemas.openxmlformats.org/presentationml/2006/main">
   <p:cSld>
     <p:spTree>
@@ -15235,6 +16117,9 @@
   <p:clrMapOvr>
     <a:masterClrMapping/>
   </p:clrMapOvr>
+  <p:transition>
+    <p:fade/>
+  </p:transition>
   <p:timing>
     <p:tnLst>
       <p:par>
@@ -15321,7 +16206,7 @@
 </p:sld>
 </file>
 
-<file path=ppt/slides/slide13.xml><?xml version="1.0" encoding="utf-8"?>
+<file path=ppt/slides/slide14.xml><?xml version="1.0" encoding="utf-8"?>
 <p:sld xmlns:a="http://schemas.openxmlformats.org/drawingml/2006/main" xmlns:r="http://schemas.openxmlformats.org/officeDocument/2006/relationships" xmlns:p="http://schemas.openxmlformats.org/presentationml/2006/main">
   <p:cSld>
     <p:spTree>
@@ -18078,10 +18963,13 @@
   <p:clrMapOvr>
     <a:masterClrMapping/>
   </p:clrMapOvr>
+  <p:transition>
+    <p:fade/>
+  </p:transition>
 </p:sld>
 </file>
 
-<file path=ppt/slides/slide14.xml><?xml version="1.0" encoding="utf-8"?>
+<file path=ppt/slides/slide15.xml><?xml version="1.0" encoding="utf-8"?>
 <p:sld xmlns:a="http://schemas.openxmlformats.org/drawingml/2006/main" xmlns:r="http://schemas.openxmlformats.org/officeDocument/2006/relationships" xmlns:p="http://schemas.openxmlformats.org/presentationml/2006/main">
   <p:cSld>
     <p:spTree>
@@ -19416,10 +20304,13 @@
   <p:clrMapOvr>
     <a:masterClrMapping/>
   </p:clrMapOvr>
+  <p:transition>
+    <p:fade/>
+  </p:transition>
 </p:sld>
 </file>
 
-<file path=ppt/slides/slide15.xml><?xml version="1.0" encoding="utf-8"?>
+<file path=ppt/slides/slide16.xml><?xml version="1.0" encoding="utf-8"?>
 <p:sld xmlns:a="http://schemas.openxmlformats.org/drawingml/2006/main" xmlns:r="http://schemas.openxmlformats.org/officeDocument/2006/relationships" xmlns:p="http://schemas.openxmlformats.org/presentationml/2006/main">
   <p:cSld>
     <p:spTree>
@@ -20001,10 +20892,13 @@
   <p:clrMapOvr>
     <a:masterClrMapping/>
   </p:clrMapOvr>
+  <p:transition>
+    <p:fade/>
+  </p:transition>
 </p:sld>
 </file>
 
-<file path=ppt/slides/slide16.xml><?xml version="1.0" encoding="utf-8"?>
+<file path=ppt/slides/slide17.xml><?xml version="1.0" encoding="utf-8"?>
 <p:sld xmlns:a="http://schemas.openxmlformats.org/drawingml/2006/main" xmlns:r="http://schemas.openxmlformats.org/officeDocument/2006/relationships" xmlns:p="http://schemas.openxmlformats.org/presentationml/2006/main">
   <p:cSld>
     <p:spTree>
@@ -21138,10 +22032,13 @@
   <p:clrMapOvr>
     <a:masterClrMapping/>
   </p:clrMapOvr>
+  <p:transition>
+    <p:fade/>
+  </p:transition>
 </p:sld>
 </file>
 
-<file path=ppt/slides/slide17.xml><?xml version="1.0" encoding="utf-8"?>
+<file path=ppt/slides/slide18.xml><?xml version="1.0" encoding="utf-8"?>
 <p:sld xmlns:a="http://schemas.openxmlformats.org/drawingml/2006/main" xmlns:r="http://schemas.openxmlformats.org/officeDocument/2006/relationships" xmlns:p="http://schemas.openxmlformats.org/presentationml/2006/main">
   <p:cSld>
     <p:spTree>
@@ -22368,10 +23265,13 @@
   <p:clrMapOvr>
     <a:masterClrMapping/>
   </p:clrMapOvr>
+  <p:transition>
+    <p:fade/>
+  </p:transition>
 </p:sld>
 </file>
 
-<file path=ppt/slides/slide18.xml><?xml version="1.0" encoding="utf-8"?>
+<file path=ppt/slides/slide19.xml><?xml version="1.0" encoding="utf-8"?>
 <p:sld xmlns:a="http://schemas.openxmlformats.org/drawingml/2006/main" xmlns:r="http://schemas.openxmlformats.org/officeDocument/2006/relationships" xmlns:p="http://schemas.openxmlformats.org/presentationml/2006/main">
   <p:cSld>
     <p:spTree>
@@ -24282,808 +25182,9 @@
   <p:clrMapOvr>
     <a:masterClrMapping/>
   </p:clrMapOvr>
-</p:sld>
-</file>
-
-<file path=ppt/slides/slide19.xml><?xml version="1.0" encoding="utf-8"?>
-<p:sld xmlns:a="http://schemas.openxmlformats.org/drawingml/2006/main" xmlns:r="http://schemas.openxmlformats.org/officeDocument/2006/relationships" xmlns:p="http://schemas.openxmlformats.org/presentationml/2006/main">
-  <p:cSld>
-    <p:spTree>
-      <p:nvGrpSpPr>
-        <p:cNvPr id="1" name=""/>
-        <p:cNvGrpSpPr/>
-        <p:nvPr/>
-      </p:nvGrpSpPr>
-      <p:grpSpPr>
-        <a:xfrm>
-          <a:off x="0" y="0"/>
-          <a:ext cx="0" cy="0"/>
-          <a:chOff x="0" y="0"/>
-          <a:chExt cx="0" cy="0"/>
-        </a:xfrm>
-      </p:grpSpPr>
-      <p:sp>
-        <p:nvSpPr>
-          <p:cNvPr id="39" name="Freeform 17">
-            <a:extLst>
-              <a:ext uri="{FF2B5EF4-FFF2-40B4-BE49-F238E27FC236}">
-                <a16:creationId xmlns:a16="http://schemas.microsoft.com/office/drawing/2014/main" id="{C180FDAF-8D9F-428B-8D6E-159F5E616E8B}"/>
-              </a:ext>
-            </a:extLst>
-          </p:cNvPr>
-          <p:cNvSpPr>
-            <a:spLocks/>
-          </p:cNvSpPr>
-          <p:nvPr/>
-        </p:nvSpPr>
-        <p:spPr bwMode="auto">
-          <a:xfrm>
-            <a:off x="0" y="0"/>
-            <a:ext cx="2652713" cy="2641600"/>
-          </a:xfrm>
-          <a:custGeom>
-            <a:avLst/>
-            <a:gdLst>
-              <a:gd name="T0" fmla="*/ 969 w 1031"/>
-              <a:gd name="T1" fmla="*/ 628 h 1031"/>
-              <a:gd name="T2" fmla="*/ 628 w 1031"/>
-              <a:gd name="T3" fmla="*/ 969 h 1031"/>
-              <a:gd name="T4" fmla="*/ 403 w 1031"/>
-              <a:gd name="T5" fmla="*/ 969 h 1031"/>
-              <a:gd name="T6" fmla="*/ 62 w 1031"/>
-              <a:gd name="T7" fmla="*/ 628 h 1031"/>
-              <a:gd name="T8" fmla="*/ 62 w 1031"/>
-              <a:gd name="T9" fmla="*/ 403 h 1031"/>
-              <a:gd name="T10" fmla="*/ 403 w 1031"/>
-              <a:gd name="T11" fmla="*/ 62 h 1031"/>
-              <a:gd name="T12" fmla="*/ 628 w 1031"/>
-              <a:gd name="T13" fmla="*/ 62 h 1031"/>
-              <a:gd name="T14" fmla="*/ 969 w 1031"/>
-              <a:gd name="T15" fmla="*/ 403 h 1031"/>
-              <a:gd name="T16" fmla="*/ 969 w 1031"/>
-              <a:gd name="T17" fmla="*/ 628 h 1031"/>
-            </a:gdLst>
-            <a:ahLst/>
-            <a:cxnLst>
-              <a:cxn ang="0">
-                <a:pos x="T0" y="T1"/>
-              </a:cxn>
-              <a:cxn ang="0">
-                <a:pos x="T2" y="T3"/>
-              </a:cxn>
-              <a:cxn ang="0">
-                <a:pos x="T4" y="T5"/>
-              </a:cxn>
-              <a:cxn ang="0">
-                <a:pos x="T6" y="T7"/>
-              </a:cxn>
-              <a:cxn ang="0">
-                <a:pos x="T8" y="T9"/>
-              </a:cxn>
-              <a:cxn ang="0">
-                <a:pos x="T10" y="T11"/>
-              </a:cxn>
-              <a:cxn ang="0">
-                <a:pos x="T12" y="T13"/>
-              </a:cxn>
-              <a:cxn ang="0">
-                <a:pos x="T14" y="T15"/>
-              </a:cxn>
-              <a:cxn ang="0">
-                <a:pos x="T16" y="T17"/>
-              </a:cxn>
-            </a:cxnLst>
-            <a:rect l="0" t="0" r="r" b="b"/>
-            <a:pathLst>
-              <a:path w="1031" h="1031">
-                <a:moveTo>
-                  <a:pt x="969" y="628"/>
-                </a:moveTo>
-                <a:cubicBezTo>
-                  <a:pt x="628" y="969"/>
-                  <a:pt x="628" y="969"/>
-                  <a:pt x="628" y="969"/>
-                </a:cubicBezTo>
-                <a:cubicBezTo>
-                  <a:pt x="566" y="1031"/>
-                  <a:pt x="465" y="1031"/>
-                  <a:pt x="403" y="969"/>
-                </a:cubicBezTo>
-                <a:cubicBezTo>
-                  <a:pt x="62" y="628"/>
-                  <a:pt x="62" y="628"/>
-                  <a:pt x="62" y="628"/>
-                </a:cubicBezTo>
-                <a:cubicBezTo>
-                  <a:pt x="0" y="566"/>
-                  <a:pt x="0" y="465"/>
-                  <a:pt x="62" y="403"/>
-                </a:cubicBezTo>
-                <a:cubicBezTo>
-                  <a:pt x="403" y="62"/>
-                  <a:pt x="403" y="62"/>
-                  <a:pt x="403" y="62"/>
-                </a:cubicBezTo>
-                <a:cubicBezTo>
-                  <a:pt x="465" y="0"/>
-                  <a:pt x="566" y="0"/>
-                  <a:pt x="628" y="62"/>
-                </a:cubicBezTo>
-                <a:cubicBezTo>
-                  <a:pt x="969" y="403"/>
-                  <a:pt x="969" y="403"/>
-                  <a:pt x="969" y="403"/>
-                </a:cubicBezTo>
-                <a:cubicBezTo>
-                  <a:pt x="1031" y="465"/>
-                  <a:pt x="1031" y="566"/>
-                  <a:pt x="969" y="628"/>
-                </a:cubicBezTo>
-                <a:close/>
-              </a:path>
-            </a:pathLst>
-          </a:custGeom>
-          <a:solidFill>
-            <a:srgbClr val="949494"/>
-          </a:solidFill>
-          <a:ln>
-            <a:noFill/>
-          </a:ln>
-        </p:spPr>
-        <p:txBody>
-          <a:bodyPr vert="horz" wrap="square" lIns="91440" tIns="45720" rIns="91440" bIns="45720" numCol="1" anchor="t" anchorCtr="0" compatLnSpc="1">
-            <a:prstTxWarp prst="textNoShape">
-              <a:avLst/>
-            </a:prstTxWarp>
-          </a:bodyPr>
-          <a:lstStyle/>
-          <a:p>
-            <a:endParaRPr lang="en-US"/>
-          </a:p>
-        </p:txBody>
-      </p:sp>
-      <p:sp>
-        <p:nvSpPr>
-          <p:cNvPr id="25" name="Subtitle 2">
-            <a:extLst>
-              <a:ext uri="{FF2B5EF4-FFF2-40B4-BE49-F238E27FC236}">
-                <a16:creationId xmlns:a16="http://schemas.microsoft.com/office/drawing/2014/main" id="{6D3022F7-558A-4CF2-B833-4654332C6F65}"/>
-              </a:ext>
-            </a:extLst>
-          </p:cNvPr>
-          <p:cNvSpPr txBox="1">
-            <a:spLocks/>
-          </p:cNvSpPr>
-          <p:nvPr/>
-        </p:nvSpPr>
-        <p:spPr>
-          <a:xfrm>
-            <a:off x="-1" y="1044686"/>
-            <a:ext cx="2652713" cy="276114"/>
-          </a:xfrm>
-          <a:prstGeom prst="rect">
-            <a:avLst/>
-          </a:prstGeom>
-        </p:spPr>
-        <p:txBody>
-          <a:bodyPr vert="horz" lIns="91440" tIns="45720" rIns="91440" bIns="45720" rtlCol="0">
-            <a:noAutofit/>
-          </a:bodyPr>
-          <a:lstStyle>
-            <a:lvl1pPr marL="0" indent="0" algn="ctr" defTabSz="914400" rtl="0" eaLnBrk="1" latinLnBrk="0" hangingPunct="1">
-              <a:lnSpc>
-                <a:spcPct val="90000"/>
-              </a:lnSpc>
-              <a:spcBef>
-                <a:spcPts val="1000"/>
-              </a:spcBef>
-              <a:buFont typeface="Arial" panose="020B0604020202020204" pitchFamily="34" charset="0"/>
-              <a:buNone/>
-              <a:defRPr sz="2400" kern="1200">
-                <a:solidFill>
-                  <a:schemeClr val="tx1"/>
-                </a:solidFill>
-                <a:latin typeface="+mn-lt"/>
-                <a:ea typeface="+mn-ea"/>
-                <a:cs typeface="+mn-cs"/>
-              </a:defRPr>
-            </a:lvl1pPr>
-            <a:lvl2pPr marL="457200" indent="0" algn="ctr" defTabSz="914400" rtl="0" eaLnBrk="1" latinLnBrk="0" hangingPunct="1">
-              <a:lnSpc>
-                <a:spcPct val="90000"/>
-              </a:lnSpc>
-              <a:spcBef>
-                <a:spcPts val="500"/>
-              </a:spcBef>
-              <a:buFont typeface="Arial" panose="020B0604020202020204" pitchFamily="34" charset="0"/>
-              <a:buNone/>
-              <a:defRPr sz="2000" kern="1200">
-                <a:solidFill>
-                  <a:schemeClr val="tx1"/>
-                </a:solidFill>
-                <a:latin typeface="+mn-lt"/>
-                <a:ea typeface="+mn-ea"/>
-                <a:cs typeface="+mn-cs"/>
-              </a:defRPr>
-            </a:lvl2pPr>
-            <a:lvl3pPr marL="914400" indent="0" algn="ctr" defTabSz="914400" rtl="0" eaLnBrk="1" latinLnBrk="0" hangingPunct="1">
-              <a:lnSpc>
-                <a:spcPct val="90000"/>
-              </a:lnSpc>
-              <a:spcBef>
-                <a:spcPts val="500"/>
-              </a:spcBef>
-              <a:buFont typeface="Arial" panose="020B0604020202020204" pitchFamily="34" charset="0"/>
-              <a:buNone/>
-              <a:defRPr sz="1800" kern="1200">
-                <a:solidFill>
-                  <a:schemeClr val="tx1"/>
-                </a:solidFill>
-                <a:latin typeface="+mn-lt"/>
-                <a:ea typeface="+mn-ea"/>
-                <a:cs typeface="+mn-cs"/>
-              </a:defRPr>
-            </a:lvl3pPr>
-            <a:lvl4pPr marL="1371600" indent="0" algn="ctr" defTabSz="914400" rtl="0" eaLnBrk="1" latinLnBrk="0" hangingPunct="1">
-              <a:lnSpc>
-                <a:spcPct val="90000"/>
-              </a:lnSpc>
-              <a:spcBef>
-                <a:spcPts val="500"/>
-              </a:spcBef>
-              <a:buFont typeface="Arial" panose="020B0604020202020204" pitchFamily="34" charset="0"/>
-              <a:buNone/>
-              <a:defRPr sz="1600" kern="1200">
-                <a:solidFill>
-                  <a:schemeClr val="tx1"/>
-                </a:solidFill>
-                <a:latin typeface="+mn-lt"/>
-                <a:ea typeface="+mn-ea"/>
-                <a:cs typeface="+mn-cs"/>
-              </a:defRPr>
-            </a:lvl4pPr>
-            <a:lvl5pPr marL="1828800" indent="0" algn="ctr" defTabSz="914400" rtl="0" eaLnBrk="1" latinLnBrk="0" hangingPunct="1">
-              <a:lnSpc>
-                <a:spcPct val="90000"/>
-              </a:lnSpc>
-              <a:spcBef>
-                <a:spcPts val="500"/>
-              </a:spcBef>
-              <a:buFont typeface="Arial" panose="020B0604020202020204" pitchFamily="34" charset="0"/>
-              <a:buNone/>
-              <a:defRPr sz="1600" kern="1200">
-                <a:solidFill>
-                  <a:schemeClr val="tx1"/>
-                </a:solidFill>
-                <a:latin typeface="+mn-lt"/>
-                <a:ea typeface="+mn-ea"/>
-                <a:cs typeface="+mn-cs"/>
-              </a:defRPr>
-            </a:lvl5pPr>
-            <a:lvl6pPr marL="2286000" indent="0" algn="ctr" defTabSz="914400" rtl="0" eaLnBrk="1" latinLnBrk="0" hangingPunct="1">
-              <a:lnSpc>
-                <a:spcPct val="90000"/>
-              </a:lnSpc>
-              <a:spcBef>
-                <a:spcPts val="500"/>
-              </a:spcBef>
-              <a:buFont typeface="Arial" panose="020B0604020202020204" pitchFamily="34" charset="0"/>
-              <a:buNone/>
-              <a:defRPr sz="1600" kern="1200">
-                <a:solidFill>
-                  <a:schemeClr val="tx1"/>
-                </a:solidFill>
-                <a:latin typeface="+mn-lt"/>
-                <a:ea typeface="+mn-ea"/>
-                <a:cs typeface="+mn-cs"/>
-              </a:defRPr>
-            </a:lvl6pPr>
-            <a:lvl7pPr marL="2743200" indent="0" algn="ctr" defTabSz="914400" rtl="0" eaLnBrk="1" latinLnBrk="0" hangingPunct="1">
-              <a:lnSpc>
-                <a:spcPct val="90000"/>
-              </a:lnSpc>
-              <a:spcBef>
-                <a:spcPts val="500"/>
-              </a:spcBef>
-              <a:buFont typeface="Arial" panose="020B0604020202020204" pitchFamily="34" charset="0"/>
-              <a:buNone/>
-              <a:defRPr sz="1600" kern="1200">
-                <a:solidFill>
-                  <a:schemeClr val="tx1"/>
-                </a:solidFill>
-                <a:latin typeface="+mn-lt"/>
-                <a:ea typeface="+mn-ea"/>
-                <a:cs typeface="+mn-cs"/>
-              </a:defRPr>
-            </a:lvl7pPr>
-            <a:lvl8pPr marL="3200400" indent="0" algn="ctr" defTabSz="914400" rtl="0" eaLnBrk="1" latinLnBrk="0" hangingPunct="1">
-              <a:lnSpc>
-                <a:spcPct val="90000"/>
-              </a:lnSpc>
-              <a:spcBef>
-                <a:spcPts val="500"/>
-              </a:spcBef>
-              <a:buFont typeface="Arial" panose="020B0604020202020204" pitchFamily="34" charset="0"/>
-              <a:buNone/>
-              <a:defRPr sz="1600" kern="1200">
-                <a:solidFill>
-                  <a:schemeClr val="tx1"/>
-                </a:solidFill>
-                <a:latin typeface="+mn-lt"/>
-                <a:ea typeface="+mn-ea"/>
-                <a:cs typeface="+mn-cs"/>
-              </a:defRPr>
-            </a:lvl8pPr>
-            <a:lvl9pPr marL="3657600" indent="0" algn="ctr" defTabSz="914400" rtl="0" eaLnBrk="1" latinLnBrk="0" hangingPunct="1">
-              <a:lnSpc>
-                <a:spcPct val="90000"/>
-              </a:lnSpc>
-              <a:spcBef>
-                <a:spcPts val="500"/>
-              </a:spcBef>
-              <a:buFont typeface="Arial" panose="020B0604020202020204" pitchFamily="34" charset="0"/>
-              <a:buNone/>
-              <a:defRPr sz="1600" kern="1200">
-                <a:solidFill>
-                  <a:schemeClr val="tx1"/>
-                </a:solidFill>
-                <a:latin typeface="+mn-lt"/>
-                <a:ea typeface="+mn-ea"/>
-                <a:cs typeface="+mn-cs"/>
-              </a:defRPr>
-            </a:lvl9pPr>
-          </a:lstStyle>
-          <a:p>
-            <a:r>
-              <a:rPr lang="zh-CN" altLang="en-US" dirty="0">
-                <a:solidFill>
-                  <a:schemeClr val="bg1"/>
-                </a:solidFill>
-                <a:latin typeface="Roboto Medium" panose="02000000000000000000" pitchFamily="2" charset="0"/>
-                <a:ea typeface="Roboto Medium" panose="02000000000000000000" pitchFamily="2" charset="0"/>
-              </a:rPr>
-              <a:t>写</a:t>
-            </a:r>
-            <a:r>
-              <a:rPr lang="en-US" altLang="zh-CN" dirty="0">
-                <a:solidFill>
-                  <a:schemeClr val="bg1"/>
-                </a:solidFill>
-                <a:latin typeface="Roboto Medium" panose="02000000000000000000" pitchFamily="2" charset="0"/>
-                <a:ea typeface="Roboto Medium" panose="02000000000000000000" pitchFamily="2" charset="0"/>
-              </a:rPr>
-              <a:t>DB</a:t>
-            </a:r>
-            <a:r>
-              <a:rPr lang="zh-CN" altLang="en-US" dirty="0">
-                <a:solidFill>
-                  <a:schemeClr val="bg1"/>
-                </a:solidFill>
-                <a:latin typeface="Roboto Medium" panose="02000000000000000000" pitchFamily="2" charset="0"/>
-                <a:ea typeface="Roboto Medium" panose="02000000000000000000" pitchFamily="2" charset="0"/>
-              </a:rPr>
-              <a:t>后缓存失效</a:t>
-            </a:r>
-            <a:endParaRPr lang="en-US" dirty="0">
-              <a:solidFill>
-                <a:schemeClr val="bg1"/>
-              </a:solidFill>
-              <a:latin typeface="Roboto Medium" panose="02000000000000000000" pitchFamily="2" charset="0"/>
-              <a:ea typeface="Roboto Medium" panose="02000000000000000000" pitchFamily="2" charset="0"/>
-            </a:endParaRPr>
-          </a:p>
-        </p:txBody>
-      </p:sp>
-      <p:sp>
-        <p:nvSpPr>
-          <p:cNvPr id="13" name="Rectangle 12">
-            <a:extLst>
-              <a:ext uri="{FF2B5EF4-FFF2-40B4-BE49-F238E27FC236}">
-                <a16:creationId xmlns:a16="http://schemas.microsoft.com/office/drawing/2014/main" id="{F8A8A0C9-096F-4BBC-9DE7-4274B6560C88}"/>
-              </a:ext>
-            </a:extLst>
-          </p:cNvPr>
-          <p:cNvSpPr/>
-          <p:nvPr/>
-        </p:nvSpPr>
-        <p:spPr>
-          <a:xfrm>
-            <a:off x="458598" y="3358218"/>
-            <a:ext cx="5472268" cy="2455096"/>
-          </a:xfrm>
-          <a:prstGeom prst="rect">
-            <a:avLst/>
-          </a:prstGeom>
-        </p:spPr>
-        <p:txBody>
-          <a:bodyPr wrap="square">
-            <a:spAutoFit/>
-          </a:bodyPr>
-          <a:lstStyle/>
-          <a:p>
-            <a:pPr marL="285750" indent="-285750">
-              <a:lnSpc>
-                <a:spcPct val="107000"/>
-              </a:lnSpc>
-              <a:spcAft>
-                <a:spcPts val="800"/>
-              </a:spcAft>
-              <a:buFont typeface="Arial" panose="020B0604020202020204" pitchFamily="34" charset="0"/>
-              <a:buChar char="•"/>
-            </a:pPr>
-            <a:r>
-              <a:rPr lang="zh-CN" altLang="en-US" dirty="0">
-                <a:solidFill>
-                  <a:srgbClr val="747F83"/>
-                </a:solidFill>
-                <a:latin typeface="Roboto" panose="02000000000000000000" pitchFamily="2" charset="0"/>
-                <a:ea typeface="Roboto" panose="02000000000000000000" pitchFamily="2" charset="0"/>
-                <a:cs typeface="Times New Roman" panose="02020603050405020304" pitchFamily="18" charset="0"/>
-              </a:rPr>
-              <a:t>读数据时，先查</a:t>
-            </a:r>
-            <a:r>
-              <a:rPr lang="en-US" altLang="zh-CN" dirty="0">
-                <a:solidFill>
-                  <a:srgbClr val="747F83"/>
-                </a:solidFill>
-                <a:latin typeface="Roboto" panose="02000000000000000000" pitchFamily="2" charset="0"/>
-                <a:ea typeface="Roboto" panose="02000000000000000000" pitchFamily="2" charset="0"/>
-                <a:cs typeface="Times New Roman" panose="02020603050405020304" pitchFamily="18" charset="0"/>
-              </a:rPr>
-              <a:t>Redis</a:t>
-            </a:r>
-            <a:r>
-              <a:rPr lang="zh-CN" altLang="en-US" dirty="0">
-                <a:solidFill>
-                  <a:srgbClr val="747F83"/>
-                </a:solidFill>
-                <a:latin typeface="Roboto" panose="02000000000000000000" pitchFamily="2" charset="0"/>
-                <a:ea typeface="Roboto" panose="02000000000000000000" pitchFamily="2" charset="0"/>
-                <a:cs typeface="Times New Roman" panose="02020603050405020304" pitchFamily="18" charset="0"/>
-              </a:rPr>
-              <a:t>，</a:t>
-            </a:r>
-            <a:r>
-              <a:rPr lang="en-US" altLang="zh-CN" dirty="0">
-                <a:solidFill>
-                  <a:srgbClr val="747F83"/>
-                </a:solidFill>
-                <a:latin typeface="Roboto" panose="02000000000000000000" pitchFamily="2" charset="0"/>
-                <a:ea typeface="Roboto" panose="02000000000000000000" pitchFamily="2" charset="0"/>
-                <a:cs typeface="Times New Roman" panose="02020603050405020304" pitchFamily="18" charset="0"/>
-              </a:rPr>
-              <a:t>Redis</a:t>
-            </a:r>
-            <a:r>
-              <a:rPr lang="zh-CN" altLang="en-US" dirty="0">
-                <a:solidFill>
-                  <a:srgbClr val="747F83"/>
-                </a:solidFill>
-                <a:latin typeface="Roboto" panose="02000000000000000000" pitchFamily="2" charset="0"/>
-                <a:ea typeface="Roboto" panose="02000000000000000000" pitchFamily="2" charset="0"/>
-                <a:cs typeface="Times New Roman" panose="02020603050405020304" pitchFamily="18" charset="0"/>
-              </a:rPr>
-              <a:t>没有，就去查（</a:t>
-            </a:r>
-            <a:r>
-              <a:rPr lang="en-US" altLang="zh-CN" dirty="0">
-                <a:solidFill>
-                  <a:srgbClr val="747F83"/>
-                </a:solidFill>
-                <a:latin typeface="Roboto" panose="02000000000000000000" pitchFamily="2" charset="0"/>
-                <a:ea typeface="Roboto" panose="02000000000000000000" pitchFamily="2" charset="0"/>
-                <a:cs typeface="Times New Roman" panose="02020603050405020304" pitchFamily="18" charset="0"/>
-              </a:rPr>
-              <a:t>Redis</a:t>
-            </a:r>
-            <a:r>
-              <a:rPr lang="zh-CN" altLang="en-US" dirty="0">
-                <a:solidFill>
-                  <a:srgbClr val="747F83"/>
-                </a:solidFill>
-                <a:latin typeface="Roboto" panose="02000000000000000000" pitchFamily="2" charset="0"/>
-                <a:ea typeface="Roboto" panose="02000000000000000000" pitchFamily="2" charset="0"/>
-                <a:cs typeface="Times New Roman" panose="02020603050405020304" pitchFamily="18" charset="0"/>
-              </a:rPr>
-              <a:t>数据加上</a:t>
-            </a:r>
-            <a:r>
-              <a:rPr lang="en-US" altLang="zh-CN" dirty="0">
-                <a:solidFill>
-                  <a:srgbClr val="747F83"/>
-                </a:solidFill>
-                <a:latin typeface="Roboto" panose="02000000000000000000" pitchFamily="2" charset="0"/>
-                <a:ea typeface="Roboto" panose="02000000000000000000" pitchFamily="2" charset="0"/>
-                <a:cs typeface="Times New Roman" panose="02020603050405020304" pitchFamily="18" charset="0"/>
-              </a:rPr>
-              <a:t>expire</a:t>
-            </a:r>
-            <a:r>
-              <a:rPr lang="zh-CN" altLang="en-US" dirty="0">
-                <a:solidFill>
-                  <a:srgbClr val="747F83"/>
-                </a:solidFill>
-                <a:latin typeface="Roboto" panose="02000000000000000000" pitchFamily="2" charset="0"/>
-                <a:ea typeface="Roboto" panose="02000000000000000000" pitchFamily="2" charset="0"/>
-                <a:cs typeface="Times New Roman" panose="02020603050405020304" pitchFamily="18" charset="0"/>
-              </a:rPr>
-              <a:t>时间）</a:t>
-            </a:r>
-          </a:p>
-          <a:p>
-            <a:pPr marL="285750" indent="-285750">
-              <a:lnSpc>
-                <a:spcPct val="107000"/>
-              </a:lnSpc>
-              <a:spcAft>
-                <a:spcPts val="800"/>
-              </a:spcAft>
-              <a:buFont typeface="Arial" panose="020B0604020202020204" pitchFamily="34" charset="0"/>
-              <a:buChar char="•"/>
-            </a:pPr>
-            <a:r>
-              <a:rPr lang="zh-CN" altLang="en-US" dirty="0">
-                <a:solidFill>
-                  <a:srgbClr val="747F83"/>
-                </a:solidFill>
-                <a:latin typeface="Roboto" panose="02000000000000000000" pitchFamily="2" charset="0"/>
-                <a:ea typeface="Roboto" panose="02000000000000000000" pitchFamily="2" charset="0"/>
-                <a:cs typeface="Times New Roman" panose="02020603050405020304" pitchFamily="18" charset="0"/>
-              </a:rPr>
-              <a:t>写数据时，先更新</a:t>
-            </a:r>
-            <a:r>
-              <a:rPr lang="en-US" altLang="zh-CN" dirty="0" err="1">
-                <a:solidFill>
-                  <a:srgbClr val="747F83"/>
-                </a:solidFill>
-                <a:latin typeface="Roboto" panose="02000000000000000000" pitchFamily="2" charset="0"/>
-                <a:ea typeface="Roboto" panose="02000000000000000000" pitchFamily="2" charset="0"/>
-                <a:cs typeface="Times New Roman" panose="02020603050405020304" pitchFamily="18" charset="0"/>
-              </a:rPr>
-              <a:t>MySql</a:t>
-            </a:r>
-            <a:r>
-              <a:rPr lang="zh-CN" altLang="en-US" dirty="0">
-                <a:solidFill>
-                  <a:srgbClr val="747F83"/>
-                </a:solidFill>
-                <a:latin typeface="Roboto" panose="02000000000000000000" pitchFamily="2" charset="0"/>
-                <a:ea typeface="Roboto" panose="02000000000000000000" pitchFamily="2" charset="0"/>
-                <a:cs typeface="Times New Roman" panose="02020603050405020304" pitchFamily="18" charset="0"/>
-              </a:rPr>
-              <a:t>，更新成功后，让</a:t>
-            </a:r>
-            <a:r>
-              <a:rPr lang="en-US" altLang="zh-CN" dirty="0">
-                <a:solidFill>
-                  <a:srgbClr val="747F83"/>
-                </a:solidFill>
-                <a:latin typeface="Roboto" panose="02000000000000000000" pitchFamily="2" charset="0"/>
-                <a:ea typeface="Roboto" panose="02000000000000000000" pitchFamily="2" charset="0"/>
-                <a:cs typeface="Times New Roman" panose="02020603050405020304" pitchFamily="18" charset="0"/>
-              </a:rPr>
-              <a:t>Redis</a:t>
-            </a:r>
-            <a:r>
-              <a:rPr lang="zh-CN" altLang="en-US" dirty="0">
-                <a:solidFill>
-                  <a:srgbClr val="747F83"/>
-                </a:solidFill>
-                <a:latin typeface="Roboto" panose="02000000000000000000" pitchFamily="2" charset="0"/>
-                <a:ea typeface="Roboto" panose="02000000000000000000" pitchFamily="2" charset="0"/>
-                <a:cs typeface="Times New Roman" panose="02020603050405020304" pitchFamily="18" charset="0"/>
-              </a:rPr>
-              <a:t>失效</a:t>
-            </a:r>
-            <a:endParaRPr lang="en-US" altLang="zh-CN" dirty="0">
-              <a:solidFill>
-                <a:srgbClr val="747F83"/>
-              </a:solidFill>
-              <a:latin typeface="Roboto" panose="02000000000000000000" pitchFamily="2" charset="0"/>
-              <a:ea typeface="Roboto" panose="02000000000000000000" pitchFamily="2" charset="0"/>
-              <a:cs typeface="Times New Roman" panose="02020603050405020304" pitchFamily="18" charset="0"/>
-            </a:endParaRPr>
-          </a:p>
-          <a:p>
-            <a:pPr marL="285750" indent="-285750">
-              <a:lnSpc>
-                <a:spcPct val="107000"/>
-              </a:lnSpc>
-              <a:spcAft>
-                <a:spcPts val="800"/>
-              </a:spcAft>
-              <a:buFont typeface="Arial" panose="020B0604020202020204" pitchFamily="34" charset="0"/>
-              <a:buChar char="•"/>
-            </a:pPr>
-            <a:r>
-              <a:rPr lang="en-US" altLang="zh-CN" dirty="0" err="1">
-                <a:solidFill>
-                  <a:srgbClr val="747F83"/>
-                </a:solidFill>
-                <a:latin typeface="Roboto" panose="02000000000000000000" pitchFamily="2" charset="0"/>
-                <a:ea typeface="Roboto" panose="02000000000000000000" pitchFamily="2" charset="0"/>
-                <a:cs typeface="Times New Roman" panose="02020603050405020304" pitchFamily="18" charset="0"/>
-              </a:rPr>
-              <a:t>MySql</a:t>
-            </a:r>
-            <a:r>
-              <a:rPr lang="zh-CN" altLang="en-US" dirty="0">
-                <a:solidFill>
-                  <a:srgbClr val="747F83"/>
-                </a:solidFill>
-                <a:latin typeface="Roboto" panose="02000000000000000000" pitchFamily="2" charset="0"/>
-                <a:ea typeface="Roboto" panose="02000000000000000000" pitchFamily="2" charset="0"/>
-                <a:cs typeface="Times New Roman" panose="02020603050405020304" pitchFamily="18" charset="0"/>
-              </a:rPr>
-              <a:t>的写是带锁的。</a:t>
-            </a:r>
-            <a:endParaRPr lang="en-US" altLang="zh-CN" dirty="0">
-              <a:solidFill>
-                <a:srgbClr val="747F83"/>
-              </a:solidFill>
-              <a:latin typeface="Roboto" panose="02000000000000000000" pitchFamily="2" charset="0"/>
-              <a:ea typeface="Roboto" panose="02000000000000000000" pitchFamily="2" charset="0"/>
-              <a:cs typeface="Times New Roman" panose="02020603050405020304" pitchFamily="18" charset="0"/>
-            </a:endParaRPr>
-          </a:p>
-          <a:p>
-            <a:pPr marL="285750" indent="-285750">
-              <a:lnSpc>
-                <a:spcPct val="107000"/>
-              </a:lnSpc>
-              <a:spcAft>
-                <a:spcPts val="800"/>
-              </a:spcAft>
-              <a:buFont typeface="Arial" panose="020B0604020202020204" pitchFamily="34" charset="0"/>
-              <a:buChar char="•"/>
-            </a:pPr>
-            <a:r>
-              <a:rPr lang="en-US" altLang="zh-CN" dirty="0">
-                <a:solidFill>
-                  <a:srgbClr val="747F83"/>
-                </a:solidFill>
-                <a:latin typeface="Roboto" panose="02000000000000000000" pitchFamily="2" charset="0"/>
-                <a:ea typeface="Roboto" panose="02000000000000000000" pitchFamily="2" charset="0"/>
-                <a:cs typeface="Times New Roman" panose="02020603050405020304" pitchFamily="18" charset="0"/>
-              </a:rPr>
-              <a:t>Redis</a:t>
-            </a:r>
-            <a:r>
-              <a:rPr lang="zh-CN" altLang="en-US" dirty="0">
-                <a:solidFill>
-                  <a:srgbClr val="747F83"/>
-                </a:solidFill>
-                <a:latin typeface="Roboto" panose="02000000000000000000" pitchFamily="2" charset="0"/>
-                <a:ea typeface="Roboto" panose="02000000000000000000" pitchFamily="2" charset="0"/>
-                <a:cs typeface="Times New Roman" panose="02020603050405020304" pitchFamily="18" charset="0"/>
-              </a:rPr>
-              <a:t>中的</a:t>
-            </a:r>
-            <a:r>
-              <a:rPr lang="en-US" altLang="zh-CN" dirty="0">
-                <a:solidFill>
-                  <a:srgbClr val="747F83"/>
-                </a:solidFill>
-                <a:latin typeface="Roboto" panose="02000000000000000000" pitchFamily="2" charset="0"/>
-                <a:ea typeface="Roboto" panose="02000000000000000000" pitchFamily="2" charset="0"/>
-                <a:cs typeface="Times New Roman" panose="02020603050405020304" pitchFamily="18" charset="0"/>
-              </a:rPr>
-              <a:t>Data</a:t>
-            </a:r>
-            <a:r>
-              <a:rPr lang="zh-CN" altLang="en-US" dirty="0">
-                <a:solidFill>
-                  <a:srgbClr val="747F83"/>
-                </a:solidFill>
-                <a:latin typeface="Roboto" panose="02000000000000000000" pitchFamily="2" charset="0"/>
-                <a:ea typeface="Roboto" panose="02000000000000000000" pitchFamily="2" charset="0"/>
-                <a:cs typeface="Times New Roman" panose="02020603050405020304" pitchFamily="18" charset="0"/>
-              </a:rPr>
-              <a:t>在</a:t>
-            </a:r>
-            <a:r>
-              <a:rPr lang="en-US" altLang="zh-CN" dirty="0" err="1">
-                <a:solidFill>
-                  <a:srgbClr val="747F83"/>
-                </a:solidFill>
-                <a:latin typeface="Roboto" panose="02000000000000000000" pitchFamily="2" charset="0"/>
-                <a:ea typeface="Roboto" panose="02000000000000000000" pitchFamily="2" charset="0"/>
-                <a:cs typeface="Times New Roman" panose="02020603050405020304" pitchFamily="18" charset="0"/>
-              </a:rPr>
-              <a:t>MySql</a:t>
-            </a:r>
-            <a:r>
-              <a:rPr lang="zh-CN" altLang="en-US" dirty="0">
-                <a:solidFill>
-                  <a:srgbClr val="747F83"/>
-                </a:solidFill>
-                <a:latin typeface="Roboto" panose="02000000000000000000" pitchFamily="2" charset="0"/>
-                <a:ea typeface="Roboto" panose="02000000000000000000" pitchFamily="2" charset="0"/>
-                <a:cs typeface="Times New Roman" panose="02020603050405020304" pitchFamily="18" charset="0"/>
-              </a:rPr>
-              <a:t>没有</a:t>
-            </a:r>
-            <a:r>
-              <a:rPr lang="en-US" altLang="zh-CN" dirty="0">
-                <a:solidFill>
-                  <a:srgbClr val="747F83"/>
-                </a:solidFill>
-                <a:latin typeface="Roboto" panose="02000000000000000000" pitchFamily="2" charset="0"/>
-                <a:ea typeface="Roboto" panose="02000000000000000000" pitchFamily="2" charset="0"/>
-                <a:cs typeface="Times New Roman" panose="02020603050405020304" pitchFamily="18" charset="0"/>
-              </a:rPr>
-              <a:t>update</a:t>
-            </a:r>
-            <a:r>
-              <a:rPr lang="zh-CN" altLang="en-US" dirty="0">
-                <a:solidFill>
-                  <a:srgbClr val="747F83"/>
-                </a:solidFill>
-                <a:latin typeface="Roboto" panose="02000000000000000000" pitchFamily="2" charset="0"/>
-                <a:ea typeface="Roboto" panose="02000000000000000000" pitchFamily="2" charset="0"/>
-                <a:cs typeface="Times New Roman" panose="02020603050405020304" pitchFamily="18" charset="0"/>
-              </a:rPr>
-              <a:t>完毕之前，都是存在着旧数据。</a:t>
-            </a:r>
-            <a:endParaRPr lang="en-US" dirty="0">
-              <a:solidFill>
-                <a:srgbClr val="747F83"/>
-              </a:solidFill>
-              <a:latin typeface="Roboto" panose="02000000000000000000" pitchFamily="2" charset="0"/>
-              <a:ea typeface="Roboto" panose="02000000000000000000" pitchFamily="2" charset="0"/>
-              <a:cs typeface="Times New Roman" panose="02020603050405020304" pitchFamily="18" charset="0"/>
-            </a:endParaRPr>
-          </a:p>
-        </p:txBody>
-      </p:sp>
-      <p:pic>
-        <p:nvPicPr>
-          <p:cNvPr id="3" name="Picture 2">
-            <a:extLst>
-              <a:ext uri="{FF2B5EF4-FFF2-40B4-BE49-F238E27FC236}">
-                <a16:creationId xmlns:a16="http://schemas.microsoft.com/office/drawing/2014/main" id="{DAA692DA-AF55-4F5B-9C10-8E00D580CAFE}"/>
-              </a:ext>
-            </a:extLst>
-          </p:cNvPr>
-          <p:cNvPicPr>
-            <a:picLocks noChangeAspect="1"/>
-          </p:cNvPicPr>
-          <p:nvPr/>
-        </p:nvPicPr>
-        <p:blipFill>
-          <a:blip r:embed="rId2">
-            <a:extLst>
-              <a:ext uri="{28A0092B-C50C-407E-A947-70E740481C1C}">
-                <a14:useLocalDpi xmlns:a14="http://schemas.microsoft.com/office/drawing/2010/main" val="0"/>
-              </a:ext>
-            </a:extLst>
-          </a:blip>
-          <a:stretch>
-            <a:fillRect/>
-          </a:stretch>
-        </p:blipFill>
-        <p:spPr>
-          <a:xfrm>
-            <a:off x="5624861" y="918157"/>
-            <a:ext cx="5438775" cy="2152650"/>
-          </a:xfrm>
-          <a:prstGeom prst="rect">
-            <a:avLst/>
-          </a:prstGeom>
-        </p:spPr>
-      </p:pic>
-    </p:spTree>
-    <p:extLst>
-      <p:ext uri="{BB962C8B-B14F-4D97-AF65-F5344CB8AC3E}">
-        <p14:creationId xmlns:p14="http://schemas.microsoft.com/office/powerpoint/2010/main" val="24869008"/>
-      </p:ext>
-    </p:extLst>
-  </p:cSld>
-  <p:clrMapOvr>
-    <a:masterClrMapping/>
-  </p:clrMapOvr>
+  <p:transition>
+    <p:fade/>
+  </p:transition>
 </p:sld>
 </file>
 
@@ -26535,10 +26636,818 @@
   <p:clrMapOvr>
     <a:masterClrMapping/>
   </p:clrMapOvr>
+  <p:transition spd="med">
+    <p:push dir="u"/>
+  </p:transition>
 </p:sld>
 </file>
 
 <file path=ppt/slides/slide20.xml><?xml version="1.0" encoding="utf-8"?>
+<p:sld xmlns:a="http://schemas.openxmlformats.org/drawingml/2006/main" xmlns:r="http://schemas.openxmlformats.org/officeDocument/2006/relationships" xmlns:p="http://schemas.openxmlformats.org/presentationml/2006/main">
+  <p:cSld>
+    <p:spTree>
+      <p:nvGrpSpPr>
+        <p:cNvPr id="1" name=""/>
+        <p:cNvGrpSpPr/>
+        <p:nvPr/>
+      </p:nvGrpSpPr>
+      <p:grpSpPr>
+        <a:xfrm>
+          <a:off x="0" y="0"/>
+          <a:ext cx="0" cy="0"/>
+          <a:chOff x="0" y="0"/>
+          <a:chExt cx="0" cy="0"/>
+        </a:xfrm>
+      </p:grpSpPr>
+      <p:sp>
+        <p:nvSpPr>
+          <p:cNvPr id="39" name="Freeform 17">
+            <a:extLst>
+              <a:ext uri="{FF2B5EF4-FFF2-40B4-BE49-F238E27FC236}">
+                <a16:creationId xmlns:a16="http://schemas.microsoft.com/office/drawing/2014/main" id="{C180FDAF-8D9F-428B-8D6E-159F5E616E8B}"/>
+              </a:ext>
+            </a:extLst>
+          </p:cNvPr>
+          <p:cNvSpPr>
+            <a:spLocks/>
+          </p:cNvSpPr>
+          <p:nvPr/>
+        </p:nvSpPr>
+        <p:spPr bwMode="auto">
+          <a:xfrm>
+            <a:off x="0" y="0"/>
+            <a:ext cx="2652713" cy="2641600"/>
+          </a:xfrm>
+          <a:custGeom>
+            <a:avLst/>
+            <a:gdLst>
+              <a:gd name="T0" fmla="*/ 969 w 1031"/>
+              <a:gd name="T1" fmla="*/ 628 h 1031"/>
+              <a:gd name="T2" fmla="*/ 628 w 1031"/>
+              <a:gd name="T3" fmla="*/ 969 h 1031"/>
+              <a:gd name="T4" fmla="*/ 403 w 1031"/>
+              <a:gd name="T5" fmla="*/ 969 h 1031"/>
+              <a:gd name="T6" fmla="*/ 62 w 1031"/>
+              <a:gd name="T7" fmla="*/ 628 h 1031"/>
+              <a:gd name="T8" fmla="*/ 62 w 1031"/>
+              <a:gd name="T9" fmla="*/ 403 h 1031"/>
+              <a:gd name="T10" fmla="*/ 403 w 1031"/>
+              <a:gd name="T11" fmla="*/ 62 h 1031"/>
+              <a:gd name="T12" fmla="*/ 628 w 1031"/>
+              <a:gd name="T13" fmla="*/ 62 h 1031"/>
+              <a:gd name="T14" fmla="*/ 969 w 1031"/>
+              <a:gd name="T15" fmla="*/ 403 h 1031"/>
+              <a:gd name="T16" fmla="*/ 969 w 1031"/>
+              <a:gd name="T17" fmla="*/ 628 h 1031"/>
+            </a:gdLst>
+            <a:ahLst/>
+            <a:cxnLst>
+              <a:cxn ang="0">
+                <a:pos x="T0" y="T1"/>
+              </a:cxn>
+              <a:cxn ang="0">
+                <a:pos x="T2" y="T3"/>
+              </a:cxn>
+              <a:cxn ang="0">
+                <a:pos x="T4" y="T5"/>
+              </a:cxn>
+              <a:cxn ang="0">
+                <a:pos x="T6" y="T7"/>
+              </a:cxn>
+              <a:cxn ang="0">
+                <a:pos x="T8" y="T9"/>
+              </a:cxn>
+              <a:cxn ang="0">
+                <a:pos x="T10" y="T11"/>
+              </a:cxn>
+              <a:cxn ang="0">
+                <a:pos x="T12" y="T13"/>
+              </a:cxn>
+              <a:cxn ang="0">
+                <a:pos x="T14" y="T15"/>
+              </a:cxn>
+              <a:cxn ang="0">
+                <a:pos x="T16" y="T17"/>
+              </a:cxn>
+            </a:cxnLst>
+            <a:rect l="0" t="0" r="r" b="b"/>
+            <a:pathLst>
+              <a:path w="1031" h="1031">
+                <a:moveTo>
+                  <a:pt x="969" y="628"/>
+                </a:moveTo>
+                <a:cubicBezTo>
+                  <a:pt x="628" y="969"/>
+                  <a:pt x="628" y="969"/>
+                  <a:pt x="628" y="969"/>
+                </a:cubicBezTo>
+                <a:cubicBezTo>
+                  <a:pt x="566" y="1031"/>
+                  <a:pt x="465" y="1031"/>
+                  <a:pt x="403" y="969"/>
+                </a:cubicBezTo>
+                <a:cubicBezTo>
+                  <a:pt x="62" y="628"/>
+                  <a:pt x="62" y="628"/>
+                  <a:pt x="62" y="628"/>
+                </a:cubicBezTo>
+                <a:cubicBezTo>
+                  <a:pt x="0" y="566"/>
+                  <a:pt x="0" y="465"/>
+                  <a:pt x="62" y="403"/>
+                </a:cubicBezTo>
+                <a:cubicBezTo>
+                  <a:pt x="403" y="62"/>
+                  <a:pt x="403" y="62"/>
+                  <a:pt x="403" y="62"/>
+                </a:cubicBezTo>
+                <a:cubicBezTo>
+                  <a:pt x="465" y="0"/>
+                  <a:pt x="566" y="0"/>
+                  <a:pt x="628" y="62"/>
+                </a:cubicBezTo>
+                <a:cubicBezTo>
+                  <a:pt x="969" y="403"/>
+                  <a:pt x="969" y="403"/>
+                  <a:pt x="969" y="403"/>
+                </a:cubicBezTo>
+                <a:cubicBezTo>
+                  <a:pt x="1031" y="465"/>
+                  <a:pt x="1031" y="566"/>
+                  <a:pt x="969" y="628"/>
+                </a:cubicBezTo>
+                <a:close/>
+              </a:path>
+            </a:pathLst>
+          </a:custGeom>
+          <a:solidFill>
+            <a:srgbClr val="949494"/>
+          </a:solidFill>
+          <a:ln>
+            <a:noFill/>
+          </a:ln>
+        </p:spPr>
+        <p:txBody>
+          <a:bodyPr vert="horz" wrap="square" lIns="91440" tIns="45720" rIns="91440" bIns="45720" numCol="1" anchor="t" anchorCtr="0" compatLnSpc="1">
+            <a:prstTxWarp prst="textNoShape">
+              <a:avLst/>
+            </a:prstTxWarp>
+          </a:bodyPr>
+          <a:lstStyle/>
+          <a:p>
+            <a:endParaRPr lang="en-US"/>
+          </a:p>
+        </p:txBody>
+      </p:sp>
+      <p:sp>
+        <p:nvSpPr>
+          <p:cNvPr id="25" name="Subtitle 2">
+            <a:extLst>
+              <a:ext uri="{FF2B5EF4-FFF2-40B4-BE49-F238E27FC236}">
+                <a16:creationId xmlns:a16="http://schemas.microsoft.com/office/drawing/2014/main" id="{6D3022F7-558A-4CF2-B833-4654332C6F65}"/>
+              </a:ext>
+            </a:extLst>
+          </p:cNvPr>
+          <p:cNvSpPr txBox="1">
+            <a:spLocks/>
+          </p:cNvSpPr>
+          <p:nvPr/>
+        </p:nvSpPr>
+        <p:spPr>
+          <a:xfrm>
+            <a:off x="-1" y="1044686"/>
+            <a:ext cx="2652713" cy="276114"/>
+          </a:xfrm>
+          <a:prstGeom prst="rect">
+            <a:avLst/>
+          </a:prstGeom>
+        </p:spPr>
+        <p:txBody>
+          <a:bodyPr vert="horz" lIns="91440" tIns="45720" rIns="91440" bIns="45720" rtlCol="0">
+            <a:noAutofit/>
+          </a:bodyPr>
+          <a:lstStyle>
+            <a:lvl1pPr marL="0" indent="0" algn="ctr" defTabSz="914400" rtl="0" eaLnBrk="1" latinLnBrk="0" hangingPunct="1">
+              <a:lnSpc>
+                <a:spcPct val="90000"/>
+              </a:lnSpc>
+              <a:spcBef>
+                <a:spcPts val="1000"/>
+              </a:spcBef>
+              <a:buFont typeface="Arial" panose="020B0604020202020204" pitchFamily="34" charset="0"/>
+              <a:buNone/>
+              <a:defRPr sz="2400" kern="1200">
+                <a:solidFill>
+                  <a:schemeClr val="tx1"/>
+                </a:solidFill>
+                <a:latin typeface="+mn-lt"/>
+                <a:ea typeface="+mn-ea"/>
+                <a:cs typeface="+mn-cs"/>
+              </a:defRPr>
+            </a:lvl1pPr>
+            <a:lvl2pPr marL="457200" indent="0" algn="ctr" defTabSz="914400" rtl="0" eaLnBrk="1" latinLnBrk="0" hangingPunct="1">
+              <a:lnSpc>
+                <a:spcPct val="90000"/>
+              </a:lnSpc>
+              <a:spcBef>
+                <a:spcPts val="500"/>
+              </a:spcBef>
+              <a:buFont typeface="Arial" panose="020B0604020202020204" pitchFamily="34" charset="0"/>
+              <a:buNone/>
+              <a:defRPr sz="2000" kern="1200">
+                <a:solidFill>
+                  <a:schemeClr val="tx1"/>
+                </a:solidFill>
+                <a:latin typeface="+mn-lt"/>
+                <a:ea typeface="+mn-ea"/>
+                <a:cs typeface="+mn-cs"/>
+              </a:defRPr>
+            </a:lvl2pPr>
+            <a:lvl3pPr marL="914400" indent="0" algn="ctr" defTabSz="914400" rtl="0" eaLnBrk="1" latinLnBrk="0" hangingPunct="1">
+              <a:lnSpc>
+                <a:spcPct val="90000"/>
+              </a:lnSpc>
+              <a:spcBef>
+                <a:spcPts val="500"/>
+              </a:spcBef>
+              <a:buFont typeface="Arial" panose="020B0604020202020204" pitchFamily="34" charset="0"/>
+              <a:buNone/>
+              <a:defRPr sz="1800" kern="1200">
+                <a:solidFill>
+                  <a:schemeClr val="tx1"/>
+                </a:solidFill>
+                <a:latin typeface="+mn-lt"/>
+                <a:ea typeface="+mn-ea"/>
+                <a:cs typeface="+mn-cs"/>
+              </a:defRPr>
+            </a:lvl3pPr>
+            <a:lvl4pPr marL="1371600" indent="0" algn="ctr" defTabSz="914400" rtl="0" eaLnBrk="1" latinLnBrk="0" hangingPunct="1">
+              <a:lnSpc>
+                <a:spcPct val="90000"/>
+              </a:lnSpc>
+              <a:spcBef>
+                <a:spcPts val="500"/>
+              </a:spcBef>
+              <a:buFont typeface="Arial" panose="020B0604020202020204" pitchFamily="34" charset="0"/>
+              <a:buNone/>
+              <a:defRPr sz="1600" kern="1200">
+                <a:solidFill>
+                  <a:schemeClr val="tx1"/>
+                </a:solidFill>
+                <a:latin typeface="+mn-lt"/>
+                <a:ea typeface="+mn-ea"/>
+                <a:cs typeface="+mn-cs"/>
+              </a:defRPr>
+            </a:lvl4pPr>
+            <a:lvl5pPr marL="1828800" indent="0" algn="ctr" defTabSz="914400" rtl="0" eaLnBrk="1" latinLnBrk="0" hangingPunct="1">
+              <a:lnSpc>
+                <a:spcPct val="90000"/>
+              </a:lnSpc>
+              <a:spcBef>
+                <a:spcPts val="500"/>
+              </a:spcBef>
+              <a:buFont typeface="Arial" panose="020B0604020202020204" pitchFamily="34" charset="0"/>
+              <a:buNone/>
+              <a:defRPr sz="1600" kern="1200">
+                <a:solidFill>
+                  <a:schemeClr val="tx1"/>
+                </a:solidFill>
+                <a:latin typeface="+mn-lt"/>
+                <a:ea typeface="+mn-ea"/>
+                <a:cs typeface="+mn-cs"/>
+              </a:defRPr>
+            </a:lvl5pPr>
+            <a:lvl6pPr marL="2286000" indent="0" algn="ctr" defTabSz="914400" rtl="0" eaLnBrk="1" latinLnBrk="0" hangingPunct="1">
+              <a:lnSpc>
+                <a:spcPct val="90000"/>
+              </a:lnSpc>
+              <a:spcBef>
+                <a:spcPts val="500"/>
+              </a:spcBef>
+              <a:buFont typeface="Arial" panose="020B0604020202020204" pitchFamily="34" charset="0"/>
+              <a:buNone/>
+              <a:defRPr sz="1600" kern="1200">
+                <a:solidFill>
+                  <a:schemeClr val="tx1"/>
+                </a:solidFill>
+                <a:latin typeface="+mn-lt"/>
+                <a:ea typeface="+mn-ea"/>
+                <a:cs typeface="+mn-cs"/>
+              </a:defRPr>
+            </a:lvl6pPr>
+            <a:lvl7pPr marL="2743200" indent="0" algn="ctr" defTabSz="914400" rtl="0" eaLnBrk="1" latinLnBrk="0" hangingPunct="1">
+              <a:lnSpc>
+                <a:spcPct val="90000"/>
+              </a:lnSpc>
+              <a:spcBef>
+                <a:spcPts val="500"/>
+              </a:spcBef>
+              <a:buFont typeface="Arial" panose="020B0604020202020204" pitchFamily="34" charset="0"/>
+              <a:buNone/>
+              <a:defRPr sz="1600" kern="1200">
+                <a:solidFill>
+                  <a:schemeClr val="tx1"/>
+                </a:solidFill>
+                <a:latin typeface="+mn-lt"/>
+                <a:ea typeface="+mn-ea"/>
+                <a:cs typeface="+mn-cs"/>
+              </a:defRPr>
+            </a:lvl7pPr>
+            <a:lvl8pPr marL="3200400" indent="0" algn="ctr" defTabSz="914400" rtl="0" eaLnBrk="1" latinLnBrk="0" hangingPunct="1">
+              <a:lnSpc>
+                <a:spcPct val="90000"/>
+              </a:lnSpc>
+              <a:spcBef>
+                <a:spcPts val="500"/>
+              </a:spcBef>
+              <a:buFont typeface="Arial" panose="020B0604020202020204" pitchFamily="34" charset="0"/>
+              <a:buNone/>
+              <a:defRPr sz="1600" kern="1200">
+                <a:solidFill>
+                  <a:schemeClr val="tx1"/>
+                </a:solidFill>
+                <a:latin typeface="+mn-lt"/>
+                <a:ea typeface="+mn-ea"/>
+                <a:cs typeface="+mn-cs"/>
+              </a:defRPr>
+            </a:lvl8pPr>
+            <a:lvl9pPr marL="3657600" indent="0" algn="ctr" defTabSz="914400" rtl="0" eaLnBrk="1" latinLnBrk="0" hangingPunct="1">
+              <a:lnSpc>
+                <a:spcPct val="90000"/>
+              </a:lnSpc>
+              <a:spcBef>
+                <a:spcPts val="500"/>
+              </a:spcBef>
+              <a:buFont typeface="Arial" panose="020B0604020202020204" pitchFamily="34" charset="0"/>
+              <a:buNone/>
+              <a:defRPr sz="1600" kern="1200">
+                <a:solidFill>
+                  <a:schemeClr val="tx1"/>
+                </a:solidFill>
+                <a:latin typeface="+mn-lt"/>
+                <a:ea typeface="+mn-ea"/>
+                <a:cs typeface="+mn-cs"/>
+              </a:defRPr>
+            </a:lvl9pPr>
+          </a:lstStyle>
+          <a:p>
+            <a:r>
+              <a:rPr lang="zh-CN" altLang="en-US" dirty="0">
+                <a:solidFill>
+                  <a:schemeClr val="bg1"/>
+                </a:solidFill>
+                <a:latin typeface="Roboto Medium" panose="02000000000000000000" pitchFamily="2" charset="0"/>
+                <a:ea typeface="Roboto Medium" panose="02000000000000000000" pitchFamily="2" charset="0"/>
+              </a:rPr>
+              <a:t>写</a:t>
+            </a:r>
+            <a:r>
+              <a:rPr lang="en-US" altLang="zh-CN" dirty="0">
+                <a:solidFill>
+                  <a:schemeClr val="bg1"/>
+                </a:solidFill>
+                <a:latin typeface="Roboto Medium" panose="02000000000000000000" pitchFamily="2" charset="0"/>
+                <a:ea typeface="Roboto Medium" panose="02000000000000000000" pitchFamily="2" charset="0"/>
+              </a:rPr>
+              <a:t>DB</a:t>
+            </a:r>
+            <a:r>
+              <a:rPr lang="zh-CN" altLang="en-US" dirty="0">
+                <a:solidFill>
+                  <a:schemeClr val="bg1"/>
+                </a:solidFill>
+                <a:latin typeface="Roboto Medium" panose="02000000000000000000" pitchFamily="2" charset="0"/>
+                <a:ea typeface="Roboto Medium" panose="02000000000000000000" pitchFamily="2" charset="0"/>
+              </a:rPr>
+              <a:t>后缓存失效</a:t>
+            </a:r>
+            <a:endParaRPr lang="en-US" dirty="0">
+              <a:solidFill>
+                <a:schemeClr val="bg1"/>
+              </a:solidFill>
+              <a:latin typeface="Roboto Medium" panose="02000000000000000000" pitchFamily="2" charset="0"/>
+              <a:ea typeface="Roboto Medium" panose="02000000000000000000" pitchFamily="2" charset="0"/>
+            </a:endParaRPr>
+          </a:p>
+        </p:txBody>
+      </p:sp>
+      <p:sp>
+        <p:nvSpPr>
+          <p:cNvPr id="13" name="Rectangle 12">
+            <a:extLst>
+              <a:ext uri="{FF2B5EF4-FFF2-40B4-BE49-F238E27FC236}">
+                <a16:creationId xmlns:a16="http://schemas.microsoft.com/office/drawing/2014/main" id="{F8A8A0C9-096F-4BBC-9DE7-4274B6560C88}"/>
+              </a:ext>
+            </a:extLst>
+          </p:cNvPr>
+          <p:cNvSpPr/>
+          <p:nvPr/>
+        </p:nvSpPr>
+        <p:spPr>
+          <a:xfrm>
+            <a:off x="458598" y="3358218"/>
+            <a:ext cx="5472268" cy="2455096"/>
+          </a:xfrm>
+          <a:prstGeom prst="rect">
+            <a:avLst/>
+          </a:prstGeom>
+        </p:spPr>
+        <p:txBody>
+          <a:bodyPr wrap="square">
+            <a:spAutoFit/>
+          </a:bodyPr>
+          <a:lstStyle/>
+          <a:p>
+            <a:pPr marL="285750" indent="-285750">
+              <a:lnSpc>
+                <a:spcPct val="107000"/>
+              </a:lnSpc>
+              <a:spcAft>
+                <a:spcPts val="800"/>
+              </a:spcAft>
+              <a:buFont typeface="Arial" panose="020B0604020202020204" pitchFamily="34" charset="0"/>
+              <a:buChar char="•"/>
+            </a:pPr>
+            <a:r>
+              <a:rPr lang="zh-CN" altLang="en-US" dirty="0">
+                <a:solidFill>
+                  <a:srgbClr val="747F83"/>
+                </a:solidFill>
+                <a:latin typeface="Roboto" panose="02000000000000000000" pitchFamily="2" charset="0"/>
+                <a:ea typeface="Roboto" panose="02000000000000000000" pitchFamily="2" charset="0"/>
+                <a:cs typeface="Times New Roman" panose="02020603050405020304" pitchFamily="18" charset="0"/>
+              </a:rPr>
+              <a:t>读数据时，先查</a:t>
+            </a:r>
+            <a:r>
+              <a:rPr lang="en-US" altLang="zh-CN" dirty="0">
+                <a:solidFill>
+                  <a:srgbClr val="747F83"/>
+                </a:solidFill>
+                <a:latin typeface="Roboto" panose="02000000000000000000" pitchFamily="2" charset="0"/>
+                <a:ea typeface="Roboto" panose="02000000000000000000" pitchFamily="2" charset="0"/>
+                <a:cs typeface="Times New Roman" panose="02020603050405020304" pitchFamily="18" charset="0"/>
+              </a:rPr>
+              <a:t>Redis</a:t>
+            </a:r>
+            <a:r>
+              <a:rPr lang="zh-CN" altLang="en-US" dirty="0">
+                <a:solidFill>
+                  <a:srgbClr val="747F83"/>
+                </a:solidFill>
+                <a:latin typeface="Roboto" panose="02000000000000000000" pitchFamily="2" charset="0"/>
+                <a:ea typeface="Roboto" panose="02000000000000000000" pitchFamily="2" charset="0"/>
+                <a:cs typeface="Times New Roman" panose="02020603050405020304" pitchFamily="18" charset="0"/>
+              </a:rPr>
+              <a:t>，</a:t>
+            </a:r>
+            <a:r>
+              <a:rPr lang="en-US" altLang="zh-CN" dirty="0">
+                <a:solidFill>
+                  <a:srgbClr val="747F83"/>
+                </a:solidFill>
+                <a:latin typeface="Roboto" panose="02000000000000000000" pitchFamily="2" charset="0"/>
+                <a:ea typeface="Roboto" panose="02000000000000000000" pitchFamily="2" charset="0"/>
+                <a:cs typeface="Times New Roman" panose="02020603050405020304" pitchFamily="18" charset="0"/>
+              </a:rPr>
+              <a:t>Redis</a:t>
+            </a:r>
+            <a:r>
+              <a:rPr lang="zh-CN" altLang="en-US" dirty="0">
+                <a:solidFill>
+                  <a:srgbClr val="747F83"/>
+                </a:solidFill>
+                <a:latin typeface="Roboto" panose="02000000000000000000" pitchFamily="2" charset="0"/>
+                <a:ea typeface="Roboto" panose="02000000000000000000" pitchFamily="2" charset="0"/>
+                <a:cs typeface="Times New Roman" panose="02020603050405020304" pitchFamily="18" charset="0"/>
+              </a:rPr>
+              <a:t>没有，就去查（</a:t>
+            </a:r>
+            <a:r>
+              <a:rPr lang="en-US" altLang="zh-CN" dirty="0">
+                <a:solidFill>
+                  <a:srgbClr val="747F83"/>
+                </a:solidFill>
+                <a:latin typeface="Roboto" panose="02000000000000000000" pitchFamily="2" charset="0"/>
+                <a:ea typeface="Roboto" panose="02000000000000000000" pitchFamily="2" charset="0"/>
+                <a:cs typeface="Times New Roman" panose="02020603050405020304" pitchFamily="18" charset="0"/>
+              </a:rPr>
+              <a:t>Redis</a:t>
+            </a:r>
+            <a:r>
+              <a:rPr lang="zh-CN" altLang="en-US" dirty="0">
+                <a:solidFill>
+                  <a:srgbClr val="747F83"/>
+                </a:solidFill>
+                <a:latin typeface="Roboto" panose="02000000000000000000" pitchFamily="2" charset="0"/>
+                <a:ea typeface="Roboto" panose="02000000000000000000" pitchFamily="2" charset="0"/>
+                <a:cs typeface="Times New Roman" panose="02020603050405020304" pitchFamily="18" charset="0"/>
+              </a:rPr>
+              <a:t>数据加上</a:t>
+            </a:r>
+            <a:r>
+              <a:rPr lang="en-US" altLang="zh-CN" dirty="0">
+                <a:solidFill>
+                  <a:srgbClr val="747F83"/>
+                </a:solidFill>
+                <a:latin typeface="Roboto" panose="02000000000000000000" pitchFamily="2" charset="0"/>
+                <a:ea typeface="Roboto" panose="02000000000000000000" pitchFamily="2" charset="0"/>
+                <a:cs typeface="Times New Roman" panose="02020603050405020304" pitchFamily="18" charset="0"/>
+              </a:rPr>
+              <a:t>expire</a:t>
+            </a:r>
+            <a:r>
+              <a:rPr lang="zh-CN" altLang="en-US" dirty="0">
+                <a:solidFill>
+                  <a:srgbClr val="747F83"/>
+                </a:solidFill>
+                <a:latin typeface="Roboto" panose="02000000000000000000" pitchFamily="2" charset="0"/>
+                <a:ea typeface="Roboto" panose="02000000000000000000" pitchFamily="2" charset="0"/>
+                <a:cs typeface="Times New Roman" panose="02020603050405020304" pitchFamily="18" charset="0"/>
+              </a:rPr>
+              <a:t>时间）</a:t>
+            </a:r>
+          </a:p>
+          <a:p>
+            <a:pPr marL="285750" indent="-285750">
+              <a:lnSpc>
+                <a:spcPct val="107000"/>
+              </a:lnSpc>
+              <a:spcAft>
+                <a:spcPts val="800"/>
+              </a:spcAft>
+              <a:buFont typeface="Arial" panose="020B0604020202020204" pitchFamily="34" charset="0"/>
+              <a:buChar char="•"/>
+            </a:pPr>
+            <a:r>
+              <a:rPr lang="zh-CN" altLang="en-US" dirty="0">
+                <a:solidFill>
+                  <a:srgbClr val="747F83"/>
+                </a:solidFill>
+                <a:latin typeface="Roboto" panose="02000000000000000000" pitchFamily="2" charset="0"/>
+                <a:ea typeface="Roboto" panose="02000000000000000000" pitchFamily="2" charset="0"/>
+                <a:cs typeface="Times New Roman" panose="02020603050405020304" pitchFamily="18" charset="0"/>
+              </a:rPr>
+              <a:t>写数据时，先更新</a:t>
+            </a:r>
+            <a:r>
+              <a:rPr lang="en-US" altLang="zh-CN" dirty="0" err="1">
+                <a:solidFill>
+                  <a:srgbClr val="747F83"/>
+                </a:solidFill>
+                <a:latin typeface="Roboto" panose="02000000000000000000" pitchFamily="2" charset="0"/>
+                <a:ea typeface="Roboto" panose="02000000000000000000" pitchFamily="2" charset="0"/>
+                <a:cs typeface="Times New Roman" panose="02020603050405020304" pitchFamily="18" charset="0"/>
+              </a:rPr>
+              <a:t>MySql</a:t>
+            </a:r>
+            <a:r>
+              <a:rPr lang="zh-CN" altLang="en-US" dirty="0">
+                <a:solidFill>
+                  <a:srgbClr val="747F83"/>
+                </a:solidFill>
+                <a:latin typeface="Roboto" panose="02000000000000000000" pitchFamily="2" charset="0"/>
+                <a:ea typeface="Roboto" panose="02000000000000000000" pitchFamily="2" charset="0"/>
+                <a:cs typeface="Times New Roman" panose="02020603050405020304" pitchFamily="18" charset="0"/>
+              </a:rPr>
+              <a:t>，更新成功后，让</a:t>
+            </a:r>
+            <a:r>
+              <a:rPr lang="en-US" altLang="zh-CN" dirty="0">
+                <a:solidFill>
+                  <a:srgbClr val="747F83"/>
+                </a:solidFill>
+                <a:latin typeface="Roboto" panose="02000000000000000000" pitchFamily="2" charset="0"/>
+                <a:ea typeface="Roboto" panose="02000000000000000000" pitchFamily="2" charset="0"/>
+                <a:cs typeface="Times New Roman" panose="02020603050405020304" pitchFamily="18" charset="0"/>
+              </a:rPr>
+              <a:t>Redis</a:t>
+            </a:r>
+            <a:r>
+              <a:rPr lang="zh-CN" altLang="en-US" dirty="0">
+                <a:solidFill>
+                  <a:srgbClr val="747F83"/>
+                </a:solidFill>
+                <a:latin typeface="Roboto" panose="02000000000000000000" pitchFamily="2" charset="0"/>
+                <a:ea typeface="Roboto" panose="02000000000000000000" pitchFamily="2" charset="0"/>
+                <a:cs typeface="Times New Roman" panose="02020603050405020304" pitchFamily="18" charset="0"/>
+              </a:rPr>
+              <a:t>失效</a:t>
+            </a:r>
+            <a:endParaRPr lang="en-US" altLang="zh-CN" dirty="0">
+              <a:solidFill>
+                <a:srgbClr val="747F83"/>
+              </a:solidFill>
+              <a:latin typeface="Roboto" panose="02000000000000000000" pitchFamily="2" charset="0"/>
+              <a:ea typeface="Roboto" panose="02000000000000000000" pitchFamily="2" charset="0"/>
+              <a:cs typeface="Times New Roman" panose="02020603050405020304" pitchFamily="18" charset="0"/>
+            </a:endParaRPr>
+          </a:p>
+          <a:p>
+            <a:pPr marL="285750" indent="-285750">
+              <a:lnSpc>
+                <a:spcPct val="107000"/>
+              </a:lnSpc>
+              <a:spcAft>
+                <a:spcPts val="800"/>
+              </a:spcAft>
+              <a:buFont typeface="Arial" panose="020B0604020202020204" pitchFamily="34" charset="0"/>
+              <a:buChar char="•"/>
+            </a:pPr>
+            <a:r>
+              <a:rPr lang="en-US" altLang="zh-CN" dirty="0" err="1">
+                <a:solidFill>
+                  <a:srgbClr val="747F83"/>
+                </a:solidFill>
+                <a:latin typeface="Roboto" panose="02000000000000000000" pitchFamily="2" charset="0"/>
+                <a:ea typeface="Roboto" panose="02000000000000000000" pitchFamily="2" charset="0"/>
+                <a:cs typeface="Times New Roman" panose="02020603050405020304" pitchFamily="18" charset="0"/>
+              </a:rPr>
+              <a:t>MySql</a:t>
+            </a:r>
+            <a:r>
+              <a:rPr lang="zh-CN" altLang="en-US" dirty="0">
+                <a:solidFill>
+                  <a:srgbClr val="747F83"/>
+                </a:solidFill>
+                <a:latin typeface="Roboto" panose="02000000000000000000" pitchFamily="2" charset="0"/>
+                <a:ea typeface="Roboto" panose="02000000000000000000" pitchFamily="2" charset="0"/>
+                <a:cs typeface="Times New Roman" panose="02020603050405020304" pitchFamily="18" charset="0"/>
+              </a:rPr>
+              <a:t>的写是带锁的。</a:t>
+            </a:r>
+            <a:endParaRPr lang="en-US" altLang="zh-CN" dirty="0">
+              <a:solidFill>
+                <a:srgbClr val="747F83"/>
+              </a:solidFill>
+              <a:latin typeface="Roboto" panose="02000000000000000000" pitchFamily="2" charset="0"/>
+              <a:ea typeface="Roboto" panose="02000000000000000000" pitchFamily="2" charset="0"/>
+              <a:cs typeface="Times New Roman" panose="02020603050405020304" pitchFamily="18" charset="0"/>
+            </a:endParaRPr>
+          </a:p>
+          <a:p>
+            <a:pPr marL="285750" indent="-285750">
+              <a:lnSpc>
+                <a:spcPct val="107000"/>
+              </a:lnSpc>
+              <a:spcAft>
+                <a:spcPts val="800"/>
+              </a:spcAft>
+              <a:buFont typeface="Arial" panose="020B0604020202020204" pitchFamily="34" charset="0"/>
+              <a:buChar char="•"/>
+            </a:pPr>
+            <a:r>
+              <a:rPr lang="en-US" altLang="zh-CN" dirty="0">
+                <a:solidFill>
+                  <a:srgbClr val="747F83"/>
+                </a:solidFill>
+                <a:latin typeface="Roboto" panose="02000000000000000000" pitchFamily="2" charset="0"/>
+                <a:ea typeface="Roboto" panose="02000000000000000000" pitchFamily="2" charset="0"/>
+                <a:cs typeface="Times New Roman" panose="02020603050405020304" pitchFamily="18" charset="0"/>
+              </a:rPr>
+              <a:t>Redis</a:t>
+            </a:r>
+            <a:r>
+              <a:rPr lang="zh-CN" altLang="en-US" dirty="0">
+                <a:solidFill>
+                  <a:srgbClr val="747F83"/>
+                </a:solidFill>
+                <a:latin typeface="Roboto" panose="02000000000000000000" pitchFamily="2" charset="0"/>
+                <a:ea typeface="Roboto" panose="02000000000000000000" pitchFamily="2" charset="0"/>
+                <a:cs typeface="Times New Roman" panose="02020603050405020304" pitchFamily="18" charset="0"/>
+              </a:rPr>
+              <a:t>中的</a:t>
+            </a:r>
+            <a:r>
+              <a:rPr lang="en-US" altLang="zh-CN" dirty="0">
+                <a:solidFill>
+                  <a:srgbClr val="747F83"/>
+                </a:solidFill>
+                <a:latin typeface="Roboto" panose="02000000000000000000" pitchFamily="2" charset="0"/>
+                <a:ea typeface="Roboto" panose="02000000000000000000" pitchFamily="2" charset="0"/>
+                <a:cs typeface="Times New Roman" panose="02020603050405020304" pitchFamily="18" charset="0"/>
+              </a:rPr>
+              <a:t>Data</a:t>
+            </a:r>
+            <a:r>
+              <a:rPr lang="zh-CN" altLang="en-US" dirty="0">
+                <a:solidFill>
+                  <a:srgbClr val="747F83"/>
+                </a:solidFill>
+                <a:latin typeface="Roboto" panose="02000000000000000000" pitchFamily="2" charset="0"/>
+                <a:ea typeface="Roboto" panose="02000000000000000000" pitchFamily="2" charset="0"/>
+                <a:cs typeface="Times New Roman" panose="02020603050405020304" pitchFamily="18" charset="0"/>
+              </a:rPr>
+              <a:t>在</a:t>
+            </a:r>
+            <a:r>
+              <a:rPr lang="en-US" altLang="zh-CN" dirty="0" err="1">
+                <a:solidFill>
+                  <a:srgbClr val="747F83"/>
+                </a:solidFill>
+                <a:latin typeface="Roboto" panose="02000000000000000000" pitchFamily="2" charset="0"/>
+                <a:ea typeface="Roboto" panose="02000000000000000000" pitchFamily="2" charset="0"/>
+                <a:cs typeface="Times New Roman" panose="02020603050405020304" pitchFamily="18" charset="0"/>
+              </a:rPr>
+              <a:t>MySql</a:t>
+            </a:r>
+            <a:r>
+              <a:rPr lang="zh-CN" altLang="en-US" dirty="0">
+                <a:solidFill>
+                  <a:srgbClr val="747F83"/>
+                </a:solidFill>
+                <a:latin typeface="Roboto" panose="02000000000000000000" pitchFamily="2" charset="0"/>
+                <a:ea typeface="Roboto" panose="02000000000000000000" pitchFamily="2" charset="0"/>
+                <a:cs typeface="Times New Roman" panose="02020603050405020304" pitchFamily="18" charset="0"/>
+              </a:rPr>
+              <a:t>没有</a:t>
+            </a:r>
+            <a:r>
+              <a:rPr lang="en-US" altLang="zh-CN" dirty="0">
+                <a:solidFill>
+                  <a:srgbClr val="747F83"/>
+                </a:solidFill>
+                <a:latin typeface="Roboto" panose="02000000000000000000" pitchFamily="2" charset="0"/>
+                <a:ea typeface="Roboto" panose="02000000000000000000" pitchFamily="2" charset="0"/>
+                <a:cs typeface="Times New Roman" panose="02020603050405020304" pitchFamily="18" charset="0"/>
+              </a:rPr>
+              <a:t>update</a:t>
+            </a:r>
+            <a:r>
+              <a:rPr lang="zh-CN" altLang="en-US" dirty="0">
+                <a:solidFill>
+                  <a:srgbClr val="747F83"/>
+                </a:solidFill>
+                <a:latin typeface="Roboto" panose="02000000000000000000" pitchFamily="2" charset="0"/>
+                <a:ea typeface="Roboto" panose="02000000000000000000" pitchFamily="2" charset="0"/>
+                <a:cs typeface="Times New Roman" panose="02020603050405020304" pitchFamily="18" charset="0"/>
+              </a:rPr>
+              <a:t>完毕之前，都是存在着旧数据。</a:t>
+            </a:r>
+            <a:endParaRPr lang="en-US" dirty="0">
+              <a:solidFill>
+                <a:srgbClr val="747F83"/>
+              </a:solidFill>
+              <a:latin typeface="Roboto" panose="02000000000000000000" pitchFamily="2" charset="0"/>
+              <a:ea typeface="Roboto" panose="02000000000000000000" pitchFamily="2" charset="0"/>
+              <a:cs typeface="Times New Roman" panose="02020603050405020304" pitchFamily="18" charset="0"/>
+            </a:endParaRPr>
+          </a:p>
+        </p:txBody>
+      </p:sp>
+      <p:pic>
+        <p:nvPicPr>
+          <p:cNvPr id="3" name="Picture 2">
+            <a:extLst>
+              <a:ext uri="{FF2B5EF4-FFF2-40B4-BE49-F238E27FC236}">
+                <a16:creationId xmlns:a16="http://schemas.microsoft.com/office/drawing/2014/main" id="{DAA692DA-AF55-4F5B-9C10-8E00D580CAFE}"/>
+              </a:ext>
+            </a:extLst>
+          </p:cNvPr>
+          <p:cNvPicPr>
+            <a:picLocks noChangeAspect="1"/>
+          </p:cNvPicPr>
+          <p:nvPr/>
+        </p:nvPicPr>
+        <p:blipFill>
+          <a:blip r:embed="rId2">
+            <a:extLst>
+              <a:ext uri="{28A0092B-C50C-407E-A947-70E740481C1C}">
+                <a14:useLocalDpi xmlns:a14="http://schemas.microsoft.com/office/drawing/2010/main" val="0"/>
+              </a:ext>
+            </a:extLst>
+          </a:blip>
+          <a:stretch>
+            <a:fillRect/>
+          </a:stretch>
+        </p:blipFill>
+        <p:spPr>
+          <a:xfrm>
+            <a:off x="5624861" y="918157"/>
+            <a:ext cx="5438775" cy="2152650"/>
+          </a:xfrm>
+          <a:prstGeom prst="rect">
+            <a:avLst/>
+          </a:prstGeom>
+        </p:spPr>
+      </p:pic>
+    </p:spTree>
+    <p:extLst>
+      <p:ext uri="{BB962C8B-B14F-4D97-AF65-F5344CB8AC3E}">
+        <p14:creationId xmlns:p14="http://schemas.microsoft.com/office/powerpoint/2010/main" val="24869008"/>
+      </p:ext>
+    </p:extLst>
+  </p:cSld>
+  <p:clrMapOvr>
+    <a:masterClrMapping/>
+  </p:clrMapOvr>
+  <p:transition>
+    <p:fade/>
+  </p:transition>
+</p:sld>
+</file>
+
+<file path=ppt/slides/slide21.xml><?xml version="1.0" encoding="utf-8"?>
 <p:sld xmlns:a="http://schemas.openxmlformats.org/drawingml/2006/main" xmlns:r="http://schemas.openxmlformats.org/officeDocument/2006/relationships" xmlns:p="http://schemas.openxmlformats.org/presentationml/2006/main">
   <p:cSld>
     <p:spTree>
@@ -27211,10 +28120,13 @@
   <p:clrMapOvr>
     <a:masterClrMapping/>
   </p:clrMapOvr>
+  <p:transition>
+    <p:fade/>
+  </p:transition>
 </p:sld>
 </file>
 
-<file path=ppt/slides/slide21.xml><?xml version="1.0" encoding="utf-8"?>
+<file path=ppt/slides/slide22.xml><?xml version="1.0" encoding="utf-8"?>
 <p:sld xmlns:a="http://schemas.openxmlformats.org/drawingml/2006/main" xmlns:r="http://schemas.openxmlformats.org/officeDocument/2006/relationships" xmlns:p="http://schemas.openxmlformats.org/presentationml/2006/main">
   <p:cSld>
     <p:spTree>
@@ -27903,10 +28815,13 @@
   <p:clrMapOvr>
     <a:masterClrMapping/>
   </p:clrMapOvr>
+  <p:transition>
+    <p:fade/>
+  </p:transition>
 </p:sld>
 </file>
 
-<file path=ppt/slides/slide22.xml><?xml version="1.0" encoding="utf-8"?>
+<file path=ppt/slides/slide23.xml><?xml version="1.0" encoding="utf-8"?>
 <p:sld xmlns:a="http://schemas.openxmlformats.org/drawingml/2006/main" xmlns:r="http://schemas.openxmlformats.org/officeDocument/2006/relationships" xmlns:p="http://schemas.openxmlformats.org/presentationml/2006/main">
   <p:cSld>
     <p:spTree>
@@ -28484,6 +29399,9 @@
   <p:clrMapOvr>
     <a:masterClrMapping/>
   </p:clrMapOvr>
+  <p:transition>
+    <p:fade/>
+  </p:transition>
 </p:sld>
 </file>
 
@@ -29115,6 +30033,9 @@
   <p:clrMapOvr>
     <a:masterClrMapping/>
   </p:clrMapOvr>
+  <p:transition>
+    <p:fade/>
+  </p:transition>
 </p:sld>
 </file>
 
@@ -29411,116 +30332,6 @@
           </a:p>
         </p:txBody>
       </p:sp>
-      <p:sp>
-        <p:nvSpPr>
-          <p:cNvPr id="45" name="Rectangle 44">
-            <a:extLst>
-              <a:ext uri="{FF2B5EF4-FFF2-40B4-BE49-F238E27FC236}">
-                <a16:creationId xmlns:a16="http://schemas.microsoft.com/office/drawing/2014/main" id="{4E624493-CF24-434C-BA9A-6213D35814A4}"/>
-              </a:ext>
-            </a:extLst>
-          </p:cNvPr>
-          <p:cNvSpPr/>
-          <p:nvPr/>
-        </p:nvSpPr>
-        <p:spPr>
-          <a:xfrm>
-            <a:off x="421264" y="5715032"/>
-            <a:ext cx="4109173" cy="972317"/>
-          </a:xfrm>
-          <a:prstGeom prst="rect">
-            <a:avLst/>
-          </a:prstGeom>
-        </p:spPr>
-        <p:txBody>
-          <a:bodyPr wrap="square">
-            <a:spAutoFit/>
-          </a:bodyPr>
-          <a:lstStyle/>
-          <a:p>
-            <a:pPr algn="just">
-              <a:lnSpc>
-                <a:spcPct val="107000"/>
-              </a:lnSpc>
-              <a:spcAft>
-                <a:spcPts val="800"/>
-              </a:spcAft>
-            </a:pPr>
-            <a:r>
-              <a:rPr lang="en-US" sz="1400" dirty="0">
-                <a:solidFill>
-                  <a:schemeClr val="bg1"/>
-                </a:solidFill>
-                <a:latin typeface="Roboto" panose="02000000000000000000" pitchFamily="2" charset="0"/>
-                <a:ea typeface="Roboto" panose="02000000000000000000" pitchFamily="2" charset="0"/>
-                <a:cs typeface="Times New Roman" panose="02020603050405020304" pitchFamily="18" charset="0"/>
-              </a:rPr>
-              <a:t>For  windows , please </a:t>
-            </a:r>
-            <a:r>
-              <a:rPr lang="en-US" sz="1400" dirty="0" err="1">
-                <a:solidFill>
-                  <a:schemeClr val="bg1"/>
-                </a:solidFill>
-                <a:latin typeface="Roboto" panose="02000000000000000000" pitchFamily="2" charset="0"/>
-                <a:ea typeface="Roboto" panose="02000000000000000000" pitchFamily="2" charset="0"/>
-                <a:cs typeface="Times New Roman" panose="02020603050405020304" pitchFamily="18" charset="0"/>
-              </a:rPr>
-              <a:t>baidu</a:t>
-            </a:r>
-            <a:r>
-              <a:rPr lang="en-US" sz="1400" dirty="0">
-                <a:solidFill>
-                  <a:schemeClr val="bg1"/>
-                </a:solidFill>
-                <a:latin typeface="Roboto" panose="02000000000000000000" pitchFamily="2" charset="0"/>
-                <a:ea typeface="Roboto" panose="02000000000000000000" pitchFamily="2" charset="0"/>
-                <a:cs typeface="Times New Roman" panose="02020603050405020304" pitchFamily="18" charset="0"/>
-              </a:rPr>
-              <a:t>.</a:t>
-            </a:r>
-          </a:p>
-          <a:p>
-            <a:pPr algn="just">
-              <a:lnSpc>
-                <a:spcPct val="107000"/>
-              </a:lnSpc>
-              <a:spcAft>
-                <a:spcPts val="800"/>
-              </a:spcAft>
-            </a:pPr>
-            <a:r>
-              <a:rPr lang="en-US" sz="1400" dirty="0">
-                <a:solidFill>
-                  <a:schemeClr val="bg1"/>
-                </a:solidFill>
-                <a:latin typeface="Roboto" panose="02000000000000000000" pitchFamily="2" charset="0"/>
-                <a:ea typeface="Roboto" panose="02000000000000000000" pitchFamily="2" charset="0"/>
-                <a:cs typeface="Times New Roman" panose="02020603050405020304" pitchFamily="18" charset="0"/>
-              </a:rPr>
-              <a:t>Redis: https://redis.io/</a:t>
-            </a:r>
-          </a:p>
-          <a:p>
-            <a:pPr algn="just">
-              <a:lnSpc>
-                <a:spcPct val="107000"/>
-              </a:lnSpc>
-              <a:spcAft>
-                <a:spcPts val="800"/>
-              </a:spcAft>
-            </a:pPr>
-            <a:endParaRPr lang="en-US" sz="1400" dirty="0">
-              <a:solidFill>
-                <a:schemeClr val="bg1"/>
-              </a:solidFill>
-              <a:latin typeface="Roboto" panose="02000000000000000000" pitchFamily="2" charset="0"/>
-              <a:ea typeface="Roboto" panose="02000000000000000000" pitchFamily="2" charset="0"/>
-              <a:cs typeface="Times New Roman" panose="02020603050405020304" pitchFamily="18" charset="0"/>
-            </a:endParaRPr>
-          </a:p>
-        </p:txBody>
-      </p:sp>
       <p:pic>
         <p:nvPicPr>
           <p:cNvPr id="58" name="Graphic 57" descr="Puzzle">
@@ -29552,7 +30363,7 @@
         </p:blipFill>
         <p:spPr>
           <a:xfrm>
-            <a:off x="2751588" y="5580188"/>
+            <a:off x="413644" y="5755482"/>
             <a:ext cx="914400" cy="914400"/>
           </a:xfrm>
           <a:prstGeom prst="rect">
@@ -29587,7 +30398,7 @@
           </a:bodyPr>
           <a:lstStyle/>
           <a:p>
-            <a:pPr algn="ctr">
+            <a:pPr>
               <a:lnSpc>
                 <a:spcPct val="107000"/>
               </a:lnSpc>
@@ -29596,7 +30407,7 @@
               </a:spcAft>
             </a:pPr>
             <a:r>
-              <a:rPr lang="en-US" dirty="0">
+              <a:rPr lang="zh-CN" altLang="en-US" dirty="0">
                 <a:solidFill>
                   <a:srgbClr val="747F83"/>
                 </a:solidFill>
@@ -29604,8 +30415,16 @@
                 <a:ea typeface="Roboto" panose="02000000000000000000" pitchFamily="2" charset="0"/>
                 <a:cs typeface="Times New Roman" panose="02020603050405020304" pitchFamily="18" charset="0"/>
               </a:rPr>
-              <a:t>Way 1: download &amp; Install</a:t>
-            </a:r>
+              <a:t>读写能力（官方）</a:t>
+            </a:r>
+            <a:endParaRPr lang="en-US" dirty="0">
+              <a:solidFill>
+                <a:srgbClr val="747F83"/>
+              </a:solidFill>
+              <a:latin typeface="Roboto" panose="02000000000000000000" pitchFamily="2" charset="0"/>
+              <a:ea typeface="Roboto" panose="02000000000000000000" pitchFamily="2" charset="0"/>
+              <a:cs typeface="Times New Roman" panose="02020603050405020304" pitchFamily="18" charset="0"/>
+            </a:endParaRPr>
           </a:p>
         </p:txBody>
       </p:sp>
@@ -29649,7 +30468,7 @@
                 <a:latin typeface="Roboto Medium" panose="02000000000000000000" pitchFamily="2" charset="0"/>
                 <a:ea typeface="Roboto Medium" panose="02000000000000000000" pitchFamily="2" charset="0"/>
               </a:rPr>
-              <a:t>Install and Play</a:t>
+              <a:t>What</a:t>
             </a:r>
             <a:endParaRPr lang="en-US" sz="4800" dirty="0">
               <a:solidFill>
@@ -29718,8 +30537,8 @@
         </p:nvSpPr>
         <p:spPr>
           <a:xfrm>
-            <a:off x="175261" y="1761105"/>
-            <a:ext cx="3791544" cy="367216"/>
+            <a:off x="220196" y="1684495"/>
+            <a:ext cx="3791544" cy="461345"/>
           </a:xfrm>
           <a:prstGeom prst="rect">
             <a:avLst/>
@@ -29731,7 +30550,7 @@
           </a:bodyPr>
           <a:lstStyle/>
           <a:p>
-            <a:pPr algn="ctr">
+            <a:pPr>
               <a:lnSpc>
                 <a:spcPct val="107000"/>
               </a:lnSpc>
@@ -29740,7 +30559,7 @@
               </a:spcAft>
             </a:pPr>
             <a:r>
-              <a:rPr lang="en-US" dirty="0">
+              <a:rPr lang="en-US" altLang="zh-CN" sz="2400" dirty="0">
                 <a:solidFill>
                   <a:srgbClr val="747F83"/>
                 </a:solidFill>
@@ -29748,8 +30567,27 @@
                 <a:ea typeface="Roboto" panose="02000000000000000000" pitchFamily="2" charset="0"/>
                 <a:cs typeface="Times New Roman" panose="02020603050405020304" pitchFamily="18" charset="0"/>
               </a:rPr>
-              <a:t>If want to try at Linux (VM Ubuntu):</a:t>
-            </a:r>
+              <a:t>Redis </a:t>
+            </a:r>
+            <a:r>
+              <a:rPr lang="zh-CN" altLang="en-US" sz="2400" dirty="0">
+                <a:solidFill>
+                  <a:srgbClr val="747F83"/>
+                </a:solidFill>
+                <a:latin typeface="Roboto" panose="02000000000000000000" pitchFamily="2" charset="0"/>
+                <a:ea typeface="Roboto" panose="02000000000000000000" pitchFamily="2" charset="0"/>
+                <a:cs typeface="Times New Roman" panose="02020603050405020304" pitchFamily="18" charset="0"/>
+              </a:rPr>
+              <a:t>相关小知识：</a:t>
+            </a:r>
+            <a:endParaRPr lang="en-US" sz="2400" dirty="0">
+              <a:solidFill>
+                <a:srgbClr val="747F83"/>
+              </a:solidFill>
+              <a:latin typeface="Roboto" panose="02000000000000000000" pitchFamily="2" charset="0"/>
+              <a:ea typeface="Roboto" panose="02000000000000000000" pitchFamily="2" charset="0"/>
+              <a:cs typeface="Times New Roman" panose="02020603050405020304" pitchFamily="18" charset="0"/>
+            </a:endParaRPr>
           </a:p>
         </p:txBody>
       </p:sp>
@@ -29768,7 +30606,7 @@
         <p:spPr>
           <a:xfrm>
             <a:off x="573569" y="2889772"/>
-            <a:ext cx="3084799" cy="938719"/>
+            <a:ext cx="3084799" cy="830997"/>
           </a:xfrm>
           <a:prstGeom prst="rect">
             <a:avLst/>
@@ -29785,27 +30623,56 @@
               <a:buChar char="•"/>
             </a:pPr>
             <a:r>
-              <a:rPr lang="da-DK" sz="1100" dirty="0">
+              <a:rPr lang="zh-CN" altLang="en-US" sz="2400" dirty="0">
                 <a:solidFill>
                   <a:srgbClr val="747F83"/>
                 </a:solidFill>
                 <a:latin typeface="Roboto" panose="02000000000000000000" pitchFamily="2" charset="0"/>
                 <a:cs typeface="Times New Roman" panose="02020603050405020304" pitchFamily="18" charset="0"/>
               </a:rPr>
-              <a:t>wget </a:t>
-            </a:r>
-            <a:r>
-              <a:rPr lang="da-DK" sz="1100" dirty="0">
+              <a:t>读：</a:t>
+            </a:r>
+            <a:r>
+              <a:rPr lang="en-US" altLang="zh-CN" sz="2400" dirty="0">
                 <a:solidFill>
                   <a:srgbClr val="747F83"/>
                 </a:solidFill>
                 <a:latin typeface="Roboto" panose="02000000000000000000" pitchFamily="2" charset="0"/>
                 <a:cs typeface="Times New Roman" panose="02020603050405020304" pitchFamily="18" charset="0"/>
-                <a:hlinkClick r:id="rId4"/>
-              </a:rPr>
-              <a:t>http://download.redis.io/releases/redis-4.0.11.tar.gz</a:t>
-            </a:r>
-            <a:endParaRPr lang="da-DK" sz="1100" dirty="0">
+              </a:rPr>
+              <a:t>110000</a:t>
+            </a:r>
+            <a:r>
+              <a:rPr lang="zh-CN" altLang="en-US" sz="2400" dirty="0">
+                <a:solidFill>
+                  <a:srgbClr val="747F83"/>
+                </a:solidFill>
+                <a:latin typeface="Roboto" panose="02000000000000000000" pitchFamily="2" charset="0"/>
+                <a:cs typeface="Times New Roman" panose="02020603050405020304" pitchFamily="18" charset="0"/>
+              </a:rPr>
+              <a:t>次</a:t>
+            </a:r>
+            <a:r>
+              <a:rPr lang="en-US" altLang="zh-CN" sz="2400" dirty="0">
+                <a:solidFill>
+                  <a:srgbClr val="747F83"/>
+                </a:solidFill>
+                <a:latin typeface="Roboto" panose="02000000000000000000" pitchFamily="2" charset="0"/>
+                <a:cs typeface="Times New Roman" panose="02020603050405020304" pitchFamily="18" charset="0"/>
+              </a:rPr>
+              <a:t>/</a:t>
+            </a:r>
+            <a:r>
+              <a:rPr lang="zh-CN" altLang="en-US" sz="2400" dirty="0">
+                <a:solidFill>
+                  <a:srgbClr val="747F83"/>
+                </a:solidFill>
+                <a:latin typeface="Roboto" panose="02000000000000000000" pitchFamily="2" charset="0"/>
+                <a:cs typeface="Times New Roman" panose="02020603050405020304" pitchFamily="18" charset="0"/>
+              </a:rPr>
+              <a:t>秒</a:t>
+            </a:r>
+            <a:endParaRPr lang="en-US" altLang="zh-CN" sz="2400" dirty="0">
               <a:solidFill>
                 <a:srgbClr val="747F83"/>
               </a:solidFill>
@@ -29819,68 +30686,56 @@
               <a:buChar char="•"/>
             </a:pPr>
             <a:r>
-              <a:rPr lang="da-DK" sz="1100" dirty="0">
+              <a:rPr lang="zh-CN" altLang="en-US" sz="2400" dirty="0">
                 <a:solidFill>
                   <a:srgbClr val="747F83"/>
                 </a:solidFill>
                 <a:latin typeface="Roboto" panose="02000000000000000000" pitchFamily="2" charset="0"/>
                 <a:cs typeface="Times New Roman" panose="02020603050405020304" pitchFamily="18" charset="0"/>
               </a:rPr>
-              <a:t>tar xzf redis-4.0.11.tar.gz</a:t>
-            </a:r>
-          </a:p>
-          <a:p>
-            <a:pPr marL="171450" indent="-171450">
-              <a:buFont typeface="Arial" panose="020B0604020202020204" pitchFamily="34" charset="0"/>
-              <a:buChar char="•"/>
-            </a:pPr>
-            <a:r>
-              <a:rPr lang="da-DK" sz="1100" dirty="0">
+              <a:t>写： </a:t>
+            </a:r>
+            <a:r>
+              <a:rPr lang="en-US" altLang="zh-CN" sz="2400" dirty="0">
                 <a:solidFill>
                   <a:srgbClr val="747F83"/>
                 </a:solidFill>
                 <a:latin typeface="Roboto" panose="02000000000000000000" pitchFamily="2" charset="0"/>
                 <a:cs typeface="Times New Roman" panose="02020603050405020304" pitchFamily="18" charset="0"/>
               </a:rPr>
-              <a:t>cd redis-4.0.11 &amp;&amp; make</a:t>
-            </a:r>
-          </a:p>
-          <a:p>
-            <a:pPr marL="171450" indent="-171450">
-              <a:buFont typeface="Arial" panose="020B0604020202020204" pitchFamily="34" charset="0"/>
-              <a:buChar char="•"/>
-            </a:pPr>
-            <a:r>
-              <a:rPr lang="da-DK" sz="1100" dirty="0">
+              <a:t>81000 </a:t>
+            </a:r>
+            <a:r>
+              <a:rPr lang="zh-CN" altLang="en-US" sz="2400" dirty="0">
                 <a:solidFill>
                   <a:srgbClr val="747F83"/>
                 </a:solidFill>
                 <a:latin typeface="Roboto" panose="02000000000000000000" pitchFamily="2" charset="0"/>
                 <a:cs typeface="Times New Roman" panose="02020603050405020304" pitchFamily="18" charset="0"/>
               </a:rPr>
-              <a:t>cd src &amp;&amp; ./redis-server &lt;redis.conf</a:t>
-            </a:r>
-            <a:r>
-              <a:rPr lang="zh-CN" altLang="en-US" sz="1100" dirty="0">
+              <a:t>次</a:t>
+            </a:r>
+            <a:r>
+              <a:rPr lang="en-US" altLang="zh-CN" sz="2400" dirty="0">
                 <a:solidFill>
                   <a:srgbClr val="747F83"/>
                 </a:solidFill>
                 <a:latin typeface="Roboto" panose="02000000000000000000" pitchFamily="2" charset="0"/>
                 <a:cs typeface="Times New Roman" panose="02020603050405020304" pitchFamily="18" charset="0"/>
               </a:rPr>
-              <a:t>配置</a:t>
-            </a:r>
-            <a:r>
-              <a:rPr lang="en-US" altLang="zh-CN" sz="1100" dirty="0">
+              <a:t>/</a:t>
+            </a:r>
+            <a:r>
+              <a:rPr lang="zh-CN" altLang="en-US" sz="2400" dirty="0">
                 <a:solidFill>
                   <a:srgbClr val="747F83"/>
                 </a:solidFill>
                 <a:latin typeface="Roboto" panose="02000000000000000000" pitchFamily="2" charset="0"/>
                 <a:cs typeface="Times New Roman" panose="02020603050405020304" pitchFamily="18" charset="0"/>
               </a:rPr>
-              <a:t>&gt;</a:t>
-            </a:r>
-            <a:endParaRPr lang="da-DK" sz="1100" dirty="0">
+              <a:t>秒</a:t>
+            </a:r>
+            <a:endParaRPr lang="da-DK" sz="2400" dirty="0">
               <a:solidFill>
                 <a:srgbClr val="747F83"/>
               </a:solidFill>
@@ -29904,8 +30759,8 @@
         </p:nvSpPr>
         <p:spPr>
           <a:xfrm>
-            <a:off x="524856" y="2787507"/>
-            <a:ext cx="3182224" cy="1142513"/>
+            <a:off x="524856" y="2787508"/>
+            <a:ext cx="3182224" cy="1038926"/>
           </a:xfrm>
           <a:prstGeom prst="roundRect">
             <a:avLst/>
@@ -29945,152 +30800,6 @@
       </p:sp>
       <p:sp>
         <p:nvSpPr>
-          <p:cNvPr id="14" name="Rectangle 13">
-            <a:extLst>
-              <a:ext uri="{FF2B5EF4-FFF2-40B4-BE49-F238E27FC236}">
-                <a16:creationId xmlns:a16="http://schemas.microsoft.com/office/drawing/2014/main" id="{125749EB-D70B-4B0A-915D-167C49ADC920}"/>
-              </a:ext>
-            </a:extLst>
-          </p:cNvPr>
-          <p:cNvSpPr/>
-          <p:nvPr/>
-        </p:nvSpPr>
-        <p:spPr>
-          <a:xfrm>
-            <a:off x="317535" y="4038563"/>
-            <a:ext cx="1930866" cy="367216"/>
-          </a:xfrm>
-          <a:prstGeom prst="rect">
-            <a:avLst/>
-          </a:prstGeom>
-        </p:spPr>
-        <p:txBody>
-          <a:bodyPr wrap="square">
-            <a:spAutoFit/>
-          </a:bodyPr>
-          <a:lstStyle/>
-          <a:p>
-            <a:pPr algn="ctr">
-              <a:lnSpc>
-                <a:spcPct val="107000"/>
-              </a:lnSpc>
-              <a:spcAft>
-                <a:spcPts val="800"/>
-              </a:spcAft>
-            </a:pPr>
-            <a:r>
-              <a:rPr lang="en-US" dirty="0">
-                <a:solidFill>
-                  <a:srgbClr val="747F83"/>
-                </a:solidFill>
-                <a:latin typeface="Roboto" panose="02000000000000000000" pitchFamily="2" charset="0"/>
-                <a:ea typeface="Roboto" panose="02000000000000000000" pitchFamily="2" charset="0"/>
-                <a:cs typeface="Times New Roman" panose="02020603050405020304" pitchFamily="18" charset="0"/>
-              </a:rPr>
-              <a:t>Way 2: apt install</a:t>
-            </a:r>
-          </a:p>
-        </p:txBody>
-      </p:sp>
-      <p:sp>
-        <p:nvSpPr>
-          <p:cNvPr id="15" name="Rectangle 14">
-            <a:extLst>
-              <a:ext uri="{FF2B5EF4-FFF2-40B4-BE49-F238E27FC236}">
-                <a16:creationId xmlns:a16="http://schemas.microsoft.com/office/drawing/2014/main" id="{1BA71F2B-EB5E-4F4B-BDC2-528E4057A02B}"/>
-              </a:ext>
-            </a:extLst>
-          </p:cNvPr>
-          <p:cNvSpPr/>
-          <p:nvPr/>
-        </p:nvSpPr>
-        <p:spPr>
-          <a:xfrm>
-            <a:off x="509617" y="4646684"/>
-            <a:ext cx="3084799" cy="430887"/>
-          </a:xfrm>
-          <a:prstGeom prst="rect">
-            <a:avLst/>
-          </a:prstGeom>
-        </p:spPr>
-        <p:txBody>
-          <a:bodyPr wrap="square">
-            <a:spAutoFit/>
-          </a:bodyPr>
-          <a:lstStyle/>
-          <a:p>
-            <a:pPr marL="171450" indent="-171450">
-              <a:buFont typeface="Arial" panose="020B0604020202020204" pitchFamily="34" charset="0"/>
-              <a:buChar char="•"/>
-            </a:pPr>
-            <a:r>
-              <a:rPr lang="da-DK" sz="1100" dirty="0">
-                <a:solidFill>
-                  <a:srgbClr val="747F83"/>
-                </a:solidFill>
-                <a:latin typeface="Roboto" panose="02000000000000000000" pitchFamily="2" charset="0"/>
-                <a:cs typeface="Times New Roman" panose="02020603050405020304" pitchFamily="18" charset="0"/>
-              </a:rPr>
-              <a:t>sudo apt-get install redis-server &amp;&amp; redis-server</a:t>
-            </a:r>
-          </a:p>
-        </p:txBody>
-      </p:sp>
-      <p:sp>
-        <p:nvSpPr>
-          <p:cNvPr id="16" name="Rectangle: Rounded Corners 15">
-            <a:extLst>
-              <a:ext uri="{FF2B5EF4-FFF2-40B4-BE49-F238E27FC236}">
-                <a16:creationId xmlns:a16="http://schemas.microsoft.com/office/drawing/2014/main" id="{BC1DD228-7300-438D-AEBD-9B86EA8439D9}"/>
-              </a:ext>
-            </a:extLst>
-          </p:cNvPr>
-          <p:cNvSpPr/>
-          <p:nvPr/>
-        </p:nvSpPr>
-        <p:spPr>
-          <a:xfrm>
-            <a:off x="460904" y="4544419"/>
-            <a:ext cx="3182224" cy="609601"/>
-          </a:xfrm>
-          <a:prstGeom prst="roundRect">
-            <a:avLst/>
-          </a:prstGeom>
-          <a:noFill/>
-          <a:ln>
-            <a:solidFill>
-              <a:srgbClr val="747F83"/>
-            </a:solidFill>
-            <a:prstDash val="sysDash"/>
-          </a:ln>
-        </p:spPr>
-        <p:style>
-          <a:lnRef idx="2">
-            <a:schemeClr val="accent1">
-              <a:shade val="50000"/>
-            </a:schemeClr>
-          </a:lnRef>
-          <a:fillRef idx="1">
-            <a:schemeClr val="accent1"/>
-          </a:fillRef>
-          <a:effectRef idx="0">
-            <a:schemeClr val="accent1"/>
-          </a:effectRef>
-          <a:fontRef idx="minor">
-            <a:schemeClr val="lt1"/>
-          </a:fontRef>
-        </p:style>
-        <p:txBody>
-          <a:bodyPr rtlCol="0" anchor="ctr"/>
-          <a:lstStyle/>
-          <a:p>
-            <a:pPr algn="ctr"/>
-            <a:endParaRPr lang="en-US"/>
-          </a:p>
-        </p:txBody>
-      </p:sp>
-      <p:sp>
-        <p:nvSpPr>
           <p:cNvPr id="17" name="Rectangle 16">
             <a:extLst>
               <a:ext uri="{FF2B5EF4-FFF2-40B4-BE49-F238E27FC236}">
@@ -30116,7 +30825,7 @@
           </a:bodyPr>
           <a:lstStyle/>
           <a:p>
-            <a:pPr algn="ctr">
+            <a:pPr>
               <a:lnSpc>
                 <a:spcPct val="107000"/>
               </a:lnSpc>
@@ -30125,7 +30834,7 @@
               </a:spcAft>
             </a:pPr>
             <a:r>
-              <a:rPr lang="en-US" dirty="0">
+              <a:rPr lang="zh-CN" altLang="en-US" dirty="0">
                 <a:solidFill>
                   <a:srgbClr val="747F83"/>
                 </a:solidFill>
@@ -30133,8 +30842,16 @@
                 <a:ea typeface="Roboto" panose="02000000000000000000" pitchFamily="2" charset="0"/>
                 <a:cs typeface="Times New Roman" panose="02020603050405020304" pitchFamily="18" charset="0"/>
               </a:rPr>
-              <a:t>Way 3: docker</a:t>
-            </a:r>
+              <a:t>淘汰策略</a:t>
+            </a:r>
+            <a:endParaRPr lang="en-US" dirty="0">
+              <a:solidFill>
+                <a:srgbClr val="747F83"/>
+              </a:solidFill>
+              <a:latin typeface="Roboto" panose="02000000000000000000" pitchFamily="2" charset="0"/>
+              <a:ea typeface="Roboto" panose="02000000000000000000" pitchFamily="2" charset="0"/>
+              <a:cs typeface="Times New Roman" panose="02020603050405020304" pitchFamily="18" charset="0"/>
+            </a:endParaRPr>
           </a:p>
         </p:txBody>
       </p:sp>
@@ -30152,8 +30869,8 @@
         </p:nvSpPr>
         <p:spPr>
           <a:xfrm>
-            <a:off x="4575467" y="2887715"/>
-            <a:ext cx="3084799" cy="938719"/>
+            <a:off x="4303553" y="2887715"/>
+            <a:ext cx="3356714" cy="1107996"/>
           </a:xfrm>
           <a:prstGeom prst="rect">
             <a:avLst/>
@@ -30170,45 +30887,132 @@
               <a:buChar char="•"/>
             </a:pPr>
             <a:r>
-              <a:rPr lang="zh-CN" altLang="en-US" sz="1100" dirty="0">
+              <a:rPr lang="en-US" altLang="zh-CN" sz="1100" dirty="0">
                 <a:solidFill>
                   <a:srgbClr val="747F83"/>
                 </a:solidFill>
                 <a:latin typeface="Roboto" panose="02000000000000000000" pitchFamily="2" charset="0"/>
                 <a:cs typeface="Times New Roman" panose="02020603050405020304" pitchFamily="18" charset="0"/>
               </a:rPr>
-              <a:t>安装好</a:t>
-            </a:r>
-            <a:r>
-              <a:rPr lang="da-DK" sz="1100" dirty="0">
+              <a:t>&gt;=</a:t>
+            </a:r>
+            <a:r>
+              <a:rPr lang="zh-CN" altLang="en-US" sz="1100" dirty="0">
                 <a:solidFill>
                   <a:srgbClr val="747F83"/>
                 </a:solidFill>
                 <a:latin typeface="Roboto" panose="02000000000000000000" pitchFamily="2" charset="0"/>
                 <a:cs typeface="Times New Roman" panose="02020603050405020304" pitchFamily="18" charset="0"/>
               </a:rPr>
-              <a:t>docker,</a:t>
-            </a:r>
-            <a:r>
-              <a:rPr lang="zh-CN" altLang="en-US" sz="1100" dirty="0">
+              <a:t> </a:t>
+            </a:r>
+            <a:r>
+              <a:rPr lang="en-US" altLang="zh-CN" sz="1100" dirty="0">
                 <a:solidFill>
                   <a:srgbClr val="747F83"/>
                 </a:solidFill>
                 <a:latin typeface="Roboto" panose="02000000000000000000" pitchFamily="2" charset="0"/>
                 <a:cs typeface="Times New Roman" panose="02020603050405020304" pitchFamily="18" charset="0"/>
               </a:rPr>
-              <a:t>启动好</a:t>
-            </a:r>
-            <a:r>
-              <a:rPr lang="da-DK" sz="1100" dirty="0">
+              <a:t>6</a:t>
+            </a:r>
+            <a:r>
+              <a:rPr lang="zh-CN" altLang="en-US" sz="1100" dirty="0">
                 <a:solidFill>
                   <a:srgbClr val="747F83"/>
                 </a:solidFill>
                 <a:latin typeface="Roboto" panose="02000000000000000000" pitchFamily="2" charset="0"/>
                 <a:cs typeface="Times New Roman" panose="02020603050405020304" pitchFamily="18" charset="0"/>
               </a:rPr>
-              <a:t>docker service</a:t>
-            </a:r>
+              <a:t>种</a:t>
+            </a:r>
+            <a:r>
+              <a:rPr lang="en-US" altLang="zh-CN" sz="1100" dirty="0">
+                <a:solidFill>
+                  <a:srgbClr val="747F83"/>
+                </a:solidFill>
+                <a:latin typeface="Roboto" panose="02000000000000000000" pitchFamily="2" charset="0"/>
+                <a:cs typeface="Times New Roman" panose="02020603050405020304" pitchFamily="18" charset="0"/>
+              </a:rPr>
+              <a:t> , </a:t>
+            </a:r>
+            <a:r>
+              <a:rPr lang="zh-CN" altLang="en-US" sz="1100" dirty="0">
+                <a:solidFill>
+                  <a:srgbClr val="747F83"/>
+                </a:solidFill>
+                <a:latin typeface="Roboto" panose="02000000000000000000" pitchFamily="2" charset="0"/>
+                <a:cs typeface="Times New Roman" panose="02020603050405020304" pitchFamily="18" charset="0"/>
+              </a:rPr>
+              <a:t>如何执行</a:t>
+            </a:r>
+            <a:r>
+              <a:rPr lang="en-US" altLang="zh-CN" sz="1100" dirty="0">
+                <a:solidFill>
+                  <a:srgbClr val="747F83"/>
+                </a:solidFill>
+                <a:latin typeface="Roboto" panose="02000000000000000000" pitchFamily="2" charset="0"/>
+                <a:cs typeface="Times New Roman" panose="02020603050405020304" pitchFamily="18" charset="0"/>
+              </a:rPr>
+              <a:t>, </a:t>
+            </a:r>
+            <a:r>
+              <a:rPr lang="zh-CN" altLang="en-US" sz="1100" dirty="0">
+                <a:solidFill>
+                  <a:srgbClr val="747F83"/>
+                </a:solidFill>
+                <a:latin typeface="Roboto" panose="02000000000000000000" pitchFamily="2" charset="0"/>
+                <a:cs typeface="Times New Roman" panose="02020603050405020304" pitchFamily="18" charset="0"/>
+              </a:rPr>
+              <a:t>看 </a:t>
+            </a:r>
+            <a:r>
+              <a:rPr lang="en-US" altLang="zh-CN" sz="1100" dirty="0">
+                <a:solidFill>
+                  <a:srgbClr val="747F83"/>
+                </a:solidFill>
+                <a:latin typeface="Roboto" panose="02000000000000000000" pitchFamily="2" charset="0"/>
+                <a:cs typeface="Times New Roman" panose="02020603050405020304" pitchFamily="18" charset="0"/>
+              </a:rPr>
+              <a:t>“</a:t>
+            </a:r>
+            <a:r>
+              <a:rPr lang="en-US" altLang="zh-CN" sz="1100" dirty="0" err="1">
+                <a:solidFill>
+                  <a:srgbClr val="747F83"/>
+                </a:solidFill>
+                <a:latin typeface="Roboto" panose="02000000000000000000" pitchFamily="2" charset="0"/>
+                <a:cs typeface="Times New Roman" panose="02020603050405020304" pitchFamily="18" charset="0"/>
+              </a:rPr>
+              <a:t>maxmemory</a:t>
+            </a:r>
+            <a:r>
+              <a:rPr lang="en-US" altLang="zh-CN" sz="1100" dirty="0">
+                <a:solidFill>
+                  <a:srgbClr val="747F83"/>
+                </a:solidFill>
+                <a:latin typeface="Roboto" panose="02000000000000000000" pitchFamily="2" charset="0"/>
+                <a:cs typeface="Times New Roman" panose="02020603050405020304" pitchFamily="18" charset="0"/>
+              </a:rPr>
+              <a:t>-policy”</a:t>
+            </a:r>
+            <a:r>
+              <a:rPr lang="zh-CN" altLang="en-US" sz="1100">
+                <a:solidFill>
+                  <a:srgbClr val="747F83"/>
+                </a:solidFill>
+                <a:latin typeface="Roboto" panose="02000000000000000000" pitchFamily="2" charset="0"/>
+                <a:cs typeface="Times New Roman" panose="02020603050405020304" pitchFamily="18" charset="0"/>
+              </a:rPr>
+              <a:t>参数</a:t>
+            </a:r>
+            <a:endParaRPr lang="en-US" altLang="zh-CN" sz="1100" dirty="0">
+              <a:solidFill>
+                <a:srgbClr val="747F83"/>
+              </a:solidFill>
+              <a:latin typeface="Roboto" panose="02000000000000000000" pitchFamily="2" charset="0"/>
+              <a:cs typeface="Times New Roman" panose="02020603050405020304" pitchFamily="18" charset="0"/>
+            </a:endParaRPr>
           </a:p>
           <a:p>
             <a:pPr marL="171450" indent="-171450">
@@ -30216,14 +31020,144 @@
               <a:buChar char="•"/>
             </a:pPr>
             <a:r>
-              <a:rPr lang="da-DK" sz="1100" dirty="0">
+              <a:rPr lang="en-US" altLang="zh-CN" sz="1100" dirty="0">
                 <a:solidFill>
                   <a:srgbClr val="747F83"/>
                 </a:solidFill>
                 <a:latin typeface="Roboto" panose="02000000000000000000" pitchFamily="2" charset="0"/>
                 <a:cs typeface="Times New Roman" panose="02020603050405020304" pitchFamily="18" charset="0"/>
               </a:rPr>
-              <a:t>docker pull redis</a:t>
+              <a:t>Redis </a:t>
+            </a:r>
+            <a:r>
+              <a:rPr lang="zh-CN" altLang="en-US" sz="1100" dirty="0">
+                <a:solidFill>
+                  <a:srgbClr val="747F83"/>
+                </a:solidFill>
+                <a:latin typeface="Roboto" panose="02000000000000000000" pitchFamily="2" charset="0"/>
+                <a:cs typeface="Times New Roman" panose="02020603050405020304" pitchFamily="18" charset="0"/>
+              </a:rPr>
+              <a:t>主要采用 </a:t>
+            </a:r>
+            <a:r>
+              <a:rPr lang="en-US" altLang="zh-CN" sz="1100" dirty="0">
+                <a:solidFill>
+                  <a:srgbClr val="747F83"/>
+                </a:solidFill>
+                <a:latin typeface="Roboto" panose="02000000000000000000" pitchFamily="2" charset="0"/>
+                <a:cs typeface="Times New Roman" panose="02020603050405020304" pitchFamily="18" charset="0"/>
+              </a:rPr>
+              <a:t>LRU(</a:t>
+            </a:r>
+            <a:r>
+              <a:rPr lang="zh-CN" altLang="en-US" sz="1100" dirty="0">
+                <a:solidFill>
+                  <a:srgbClr val="747F83"/>
+                </a:solidFill>
+                <a:latin typeface="Roboto" panose="02000000000000000000" pitchFamily="2" charset="0"/>
+                <a:cs typeface="Times New Roman" panose="02020603050405020304" pitchFamily="18" charset="0"/>
+              </a:rPr>
+              <a:t>最近最少使用</a:t>
+            </a:r>
+            <a:r>
+              <a:rPr lang="en-US" altLang="zh-CN" sz="1100" dirty="0">
+                <a:solidFill>
+                  <a:srgbClr val="747F83"/>
+                </a:solidFill>
+                <a:latin typeface="Roboto" panose="02000000000000000000" pitchFamily="2" charset="0"/>
+                <a:cs typeface="Times New Roman" panose="02020603050405020304" pitchFamily="18" charset="0"/>
+              </a:rPr>
+              <a:t>)</a:t>
+            </a:r>
+            <a:r>
+              <a:rPr lang="zh-CN" altLang="en-US" sz="1100" dirty="0">
+                <a:solidFill>
+                  <a:srgbClr val="747F83"/>
+                </a:solidFill>
+                <a:latin typeface="Roboto" panose="02000000000000000000" pitchFamily="2" charset="0"/>
+                <a:cs typeface="Times New Roman" panose="02020603050405020304" pitchFamily="18" charset="0"/>
+              </a:rPr>
+              <a:t>策略，但是</a:t>
+            </a:r>
+            <a:r>
+              <a:rPr lang="en-US" altLang="zh-CN" sz="1100" dirty="0">
+                <a:solidFill>
+                  <a:srgbClr val="747F83"/>
+                </a:solidFill>
+                <a:latin typeface="Roboto" panose="02000000000000000000" pitchFamily="2" charset="0"/>
+                <a:cs typeface="Times New Roman" panose="02020603050405020304" pitchFamily="18" charset="0"/>
+              </a:rPr>
+              <a:t>Redis</a:t>
+            </a:r>
+            <a:r>
+              <a:rPr lang="zh-CN" altLang="en-US" sz="1100" dirty="0">
+                <a:solidFill>
+                  <a:srgbClr val="747F83"/>
+                </a:solidFill>
+                <a:latin typeface="Roboto" panose="02000000000000000000" pitchFamily="2" charset="0"/>
+                <a:cs typeface="Times New Roman" panose="02020603050405020304" pitchFamily="18" charset="0"/>
+              </a:rPr>
+              <a:t>是随机抽样来执行</a:t>
+            </a:r>
+            <a:r>
+              <a:rPr lang="en-US" altLang="zh-CN" sz="1100" dirty="0">
+                <a:solidFill>
+                  <a:srgbClr val="747F83"/>
+                </a:solidFill>
+                <a:latin typeface="Roboto" panose="02000000000000000000" pitchFamily="2" charset="0"/>
+                <a:cs typeface="Times New Roman" panose="02020603050405020304" pitchFamily="18" charset="0"/>
+              </a:rPr>
+              <a:t>LRU</a:t>
+            </a:r>
+            <a:r>
+              <a:rPr lang="zh-CN" altLang="en-US" sz="1100" dirty="0">
+                <a:solidFill>
+                  <a:srgbClr val="747F83"/>
+                </a:solidFill>
+                <a:latin typeface="Roboto" panose="02000000000000000000" pitchFamily="2" charset="0"/>
+                <a:cs typeface="Times New Roman" panose="02020603050405020304" pitchFamily="18" charset="0"/>
+              </a:rPr>
+              <a:t>。（</a:t>
+            </a:r>
+            <a:r>
+              <a:rPr lang="en-US" altLang="zh-CN" sz="1100" dirty="0">
+                <a:solidFill>
+                  <a:srgbClr val="747F83"/>
+                </a:solidFill>
+                <a:latin typeface="Roboto" panose="02000000000000000000" pitchFamily="2" charset="0"/>
+                <a:cs typeface="Times New Roman" panose="02020603050405020304" pitchFamily="18" charset="0"/>
+              </a:rPr>
+              <a:t>Redis 3.0 </a:t>
+            </a:r>
+            <a:r>
+              <a:rPr lang="zh-CN" altLang="en-US" sz="1100" dirty="0">
+                <a:solidFill>
+                  <a:srgbClr val="747F83"/>
+                </a:solidFill>
+                <a:latin typeface="Roboto" panose="02000000000000000000" pitchFamily="2" charset="0"/>
+                <a:cs typeface="Times New Roman" panose="02020603050405020304" pitchFamily="18" charset="0"/>
+              </a:rPr>
+              <a:t>有改进 </a:t>
+            </a:r>
+            <a:r>
+              <a:rPr lang="en-US" altLang="zh-CN" sz="1100" dirty="0">
+                <a:solidFill>
+                  <a:srgbClr val="747F83"/>
+                </a:solidFill>
+                <a:latin typeface="Roboto" panose="02000000000000000000" pitchFamily="2" charset="0"/>
+                <a:cs typeface="Times New Roman" panose="02020603050405020304" pitchFamily="18" charset="0"/>
+              </a:rPr>
+              <a:t>LRU</a:t>
+            </a:r>
+            <a:r>
+              <a:rPr lang="zh-CN" altLang="en-US" sz="1100" dirty="0">
+                <a:solidFill>
+                  <a:srgbClr val="747F83"/>
+                </a:solidFill>
+                <a:latin typeface="Roboto" panose="02000000000000000000" pitchFamily="2" charset="0"/>
+                <a:cs typeface="Times New Roman" panose="02020603050405020304" pitchFamily="18" charset="0"/>
+              </a:rPr>
+              <a:t>算法）</a:t>
             </a:r>
           </a:p>
           <a:p>
@@ -30232,31 +31166,82 @@
               <a:buChar char="•"/>
             </a:pPr>
             <a:r>
-              <a:rPr lang="da-DK" sz="1100" dirty="0">
+              <a:rPr lang="zh-CN" altLang="en-US" sz="1100" dirty="0">
                 <a:solidFill>
                   <a:srgbClr val="747F83"/>
                 </a:solidFill>
                 <a:latin typeface="Roboto" panose="02000000000000000000" pitchFamily="2" charset="0"/>
                 <a:cs typeface="Times New Roman" panose="02020603050405020304" pitchFamily="18" charset="0"/>
               </a:rPr>
-              <a:t>docker run --name myredis -d -p 6379:6379 -v /docker/redis:/data redis</a:t>
-            </a:r>
-          </a:p>
-          <a:p>
-            <a:pPr marL="171450" indent="-171450">
-              <a:buFont typeface="Arial" panose="020B0604020202020204" pitchFamily="34" charset="0"/>
-              <a:buChar char="•"/>
-            </a:pPr>
-            <a:r>
-              <a:rPr lang="da-DK" sz="1100" dirty="0">
+              <a:t>从</a:t>
+            </a:r>
+            <a:r>
+              <a:rPr lang="en-US" altLang="zh-CN" sz="1100" dirty="0">
                 <a:solidFill>
                   <a:srgbClr val="747F83"/>
                 </a:solidFill>
                 <a:latin typeface="Roboto" panose="02000000000000000000" pitchFamily="2" charset="0"/>
                 <a:cs typeface="Times New Roman" panose="02020603050405020304" pitchFamily="18" charset="0"/>
               </a:rPr>
-              <a:t>docker exec -it myredis redis-cli</a:t>
-            </a:r>
+              <a:t>Redis 4.0 </a:t>
+            </a:r>
+            <a:r>
+              <a:rPr lang="zh-CN" altLang="en-US" sz="1100" dirty="0">
+                <a:solidFill>
+                  <a:srgbClr val="747F83"/>
+                </a:solidFill>
+                <a:latin typeface="Roboto" panose="02000000000000000000" pitchFamily="2" charset="0"/>
+                <a:cs typeface="Times New Roman" panose="02020603050405020304" pitchFamily="18" charset="0"/>
+              </a:rPr>
+              <a:t>开始，增加了</a:t>
+            </a:r>
+            <a:r>
+              <a:rPr lang="en-US" altLang="zh-CN" sz="1100" dirty="0">
+                <a:solidFill>
+                  <a:srgbClr val="747F83"/>
+                </a:solidFill>
+                <a:latin typeface="Roboto" panose="02000000000000000000" pitchFamily="2" charset="0"/>
+                <a:cs typeface="Times New Roman" panose="02020603050405020304" pitchFamily="18" charset="0"/>
+              </a:rPr>
+              <a:t>LFU(</a:t>
+            </a:r>
+            <a:r>
+              <a:rPr lang="zh-CN" altLang="en-US" sz="1100" dirty="0">
+                <a:solidFill>
+                  <a:srgbClr val="747F83"/>
+                </a:solidFill>
+                <a:latin typeface="Roboto" panose="02000000000000000000" pitchFamily="2" charset="0"/>
+                <a:cs typeface="Times New Roman" panose="02020603050405020304" pitchFamily="18" charset="0"/>
+              </a:rPr>
+              <a:t>最少频繁使用</a:t>
+            </a:r>
+            <a:r>
+              <a:rPr lang="en-US" altLang="zh-CN" sz="1100" dirty="0">
+                <a:solidFill>
+                  <a:srgbClr val="747F83"/>
+                </a:solidFill>
+                <a:latin typeface="Roboto" panose="02000000000000000000" pitchFamily="2" charset="0"/>
+                <a:cs typeface="Times New Roman" panose="02020603050405020304" pitchFamily="18" charset="0"/>
+              </a:rPr>
+              <a:t>)</a:t>
+            </a:r>
+            <a:r>
+              <a:rPr lang="zh-CN" altLang="en-US" sz="1100" dirty="0">
+                <a:solidFill>
+                  <a:srgbClr val="747F83"/>
+                </a:solidFill>
+                <a:latin typeface="Roboto" panose="02000000000000000000" pitchFamily="2" charset="0"/>
+                <a:cs typeface="Times New Roman" panose="02020603050405020304" pitchFamily="18" charset="0"/>
+              </a:rPr>
+              <a:t>策略</a:t>
+            </a:r>
+            <a:endParaRPr lang="da-DK" sz="1100" dirty="0">
+              <a:solidFill>
+                <a:srgbClr val="747F83"/>
+              </a:solidFill>
+              <a:latin typeface="Roboto" panose="02000000000000000000" pitchFamily="2" charset="0"/>
+              <a:cs typeface="Times New Roman" panose="02020603050405020304" pitchFamily="18" charset="0"/>
+            </a:endParaRPr>
           </a:p>
         </p:txBody>
       </p:sp>
@@ -30274,8 +31259,8 @@
         </p:nvSpPr>
         <p:spPr>
           <a:xfrm>
-            <a:off x="4526754" y="2785450"/>
-            <a:ext cx="3182224" cy="1142513"/>
+            <a:off x="4207401" y="2785450"/>
+            <a:ext cx="3501577" cy="1345959"/>
           </a:xfrm>
           <a:prstGeom prst="roundRect">
             <a:avLst/>
@@ -30369,8 +31354,8 @@
         </p:nvSpPr>
         <p:spPr>
           <a:xfrm>
-            <a:off x="95145" y="265029"/>
-            <a:ext cx="1832715" cy="367216"/>
+            <a:off x="0" y="188118"/>
+            <a:ext cx="2992004" cy="519886"/>
           </a:xfrm>
           <a:prstGeom prst="rect">
             <a:avLst/>
@@ -30391,7 +31376,7 @@
               </a:spcAft>
             </a:pPr>
             <a:r>
-              <a:rPr lang="en-US" dirty="0">
+              <a:rPr lang="en-US" sz="2800" dirty="0">
                 <a:solidFill>
                   <a:srgbClr val="747F83"/>
                 </a:solidFill>
@@ -30501,7 +31486,29 @@
                 <a:ea typeface="Roboto" panose="02000000000000000000" pitchFamily="2" charset="0"/>
                 <a:cs typeface="Times New Roman" panose="02020603050405020304" pitchFamily="18" charset="0"/>
               </a:rPr>
-              <a:t>是一个开源的使用 </a:t>
+              <a:t>是一个开源的，遵循</a:t>
+            </a:r>
+            <a:r>
+              <a:rPr lang="en-US" altLang="zh-CN" dirty="0">
+                <a:solidFill>
+                  <a:srgbClr val="747F83"/>
+                </a:solidFill>
+                <a:latin typeface="Roboto" panose="02000000000000000000" pitchFamily="2" charset="0"/>
+                <a:ea typeface="Roboto" panose="02000000000000000000" pitchFamily="2" charset="0"/>
+                <a:cs typeface="Times New Roman" panose="02020603050405020304" pitchFamily="18" charset="0"/>
+              </a:rPr>
+              <a:t>BSD</a:t>
+            </a:r>
+            <a:r>
+              <a:rPr lang="zh-CN" altLang="en-US" dirty="0">
+                <a:solidFill>
+                  <a:srgbClr val="747F83"/>
+                </a:solidFill>
+                <a:latin typeface="Roboto" panose="02000000000000000000" pitchFamily="2" charset="0"/>
+                <a:ea typeface="Roboto" panose="02000000000000000000" pitchFamily="2" charset="0"/>
+                <a:cs typeface="Times New Roman" panose="02020603050405020304" pitchFamily="18" charset="0"/>
+              </a:rPr>
+              <a:t>协议，使用 </a:t>
             </a:r>
             <a:r>
               <a:rPr lang="en-US" altLang="zh-CN" dirty="0">
@@ -30640,7 +31647,7 @@
           </a:bodyPr>
           <a:lstStyle/>
           <a:p>
-            <a:pPr algn="ctr">
+            <a:pPr>
               <a:lnSpc>
                 <a:spcPct val="107000"/>
               </a:lnSpc>
@@ -30649,7 +31656,7 @@
               </a:spcAft>
             </a:pPr>
             <a:r>
-              <a:rPr lang="en-US" dirty="0">
+              <a:rPr lang="zh-CN" altLang="en-US" dirty="0">
                 <a:solidFill>
                   <a:srgbClr val="747F83"/>
                 </a:solidFill>
@@ -30657,8 +31664,16 @@
                 <a:ea typeface="Roboto" panose="02000000000000000000" pitchFamily="2" charset="0"/>
                 <a:cs typeface="Times New Roman" panose="02020603050405020304" pitchFamily="18" charset="0"/>
               </a:rPr>
-              <a:t>Way 4: source code install</a:t>
-            </a:r>
+              <a:t>最大内存配置</a:t>
+            </a:r>
+            <a:endParaRPr lang="en-US" dirty="0">
+              <a:solidFill>
+                <a:srgbClr val="747F83"/>
+              </a:solidFill>
+              <a:latin typeface="Roboto" panose="02000000000000000000" pitchFamily="2" charset="0"/>
+              <a:ea typeface="Roboto" panose="02000000000000000000" pitchFamily="2" charset="0"/>
+              <a:cs typeface="Times New Roman" panose="02020603050405020304" pitchFamily="18" charset="0"/>
+            </a:endParaRPr>
           </a:p>
         </p:txBody>
       </p:sp>
@@ -30676,8 +31691,8 @@
         </p:nvSpPr>
         <p:spPr>
           <a:xfrm>
-            <a:off x="8523020" y="2887715"/>
-            <a:ext cx="3084799" cy="1277273"/>
+            <a:off x="8363094" y="2887715"/>
+            <a:ext cx="3244725" cy="938719"/>
           </a:xfrm>
           <a:prstGeom prst="rect">
             <a:avLst/>
@@ -30694,44 +31709,34 @@
               <a:buChar char="•"/>
             </a:pPr>
             <a:r>
-              <a:rPr lang="en-US" altLang="zh-CN" sz="1100" dirty="0">
+              <a:rPr lang="en-US" altLang="zh-CN" sz="1100" dirty="0" err="1">
                 <a:solidFill>
                   <a:srgbClr val="747F83"/>
                 </a:solidFill>
                 <a:latin typeface="Roboto" panose="02000000000000000000" pitchFamily="2" charset="0"/>
                 <a:cs typeface="Times New Roman" panose="02020603050405020304" pitchFamily="18" charset="0"/>
               </a:rPr>
-              <a:t>git clone --branch 2.8 --depth 1 </a:t>
-            </a:r>
-            <a:r>
-              <a:rPr lang="en-US" altLang="zh-CN" sz="1100" dirty="0" err="1">
+              <a:t>redis.conf</a:t>
+            </a:r>
+            <a:r>
+              <a:rPr lang="en-US" altLang="zh-CN" sz="1100" dirty="0">
                 <a:solidFill>
                   <a:srgbClr val="747F83"/>
                 </a:solidFill>
                 <a:latin typeface="Roboto" panose="02000000000000000000" pitchFamily="2" charset="0"/>
                 <a:cs typeface="Times New Roman" panose="02020603050405020304" pitchFamily="18" charset="0"/>
               </a:rPr>
-              <a:t>git@github.com:antirez</a:t>
-            </a:r>
-            <a:r>
-              <a:rPr lang="en-US" altLang="zh-CN" sz="1100" dirty="0">
+              <a:t> </a:t>
+            </a:r>
+            <a:r>
+              <a:rPr lang="zh-CN" altLang="en-US" sz="1100" dirty="0">
                 <a:solidFill>
                   <a:srgbClr val="747F83"/>
                 </a:solidFill>
                 <a:latin typeface="Roboto" panose="02000000000000000000" pitchFamily="2" charset="0"/>
                 <a:cs typeface="Times New Roman" panose="02020603050405020304" pitchFamily="18" charset="0"/>
               </a:rPr>
-              <a:t>/</a:t>
-            </a:r>
-            <a:r>
-              <a:rPr lang="en-US" altLang="zh-CN" sz="1100" dirty="0" err="1">
-                <a:solidFill>
-                  <a:srgbClr val="747F83"/>
-                </a:solidFill>
-                <a:latin typeface="Roboto" panose="02000000000000000000" pitchFamily="2" charset="0"/>
-                <a:cs typeface="Times New Roman" panose="02020603050405020304" pitchFamily="18" charset="0"/>
-              </a:rPr>
-              <a:t>redis.git</a:t>
+              <a:t>文件中配置</a:t>
             </a:r>
             <a:endParaRPr lang="en-US" altLang="zh-CN" sz="1100" dirty="0">
               <a:solidFill>
@@ -30747,32 +31752,45 @@
               <a:buChar char="•"/>
             </a:pPr>
             <a:r>
-              <a:rPr lang="en-US" altLang="zh-CN" sz="1100" dirty="0">
+              <a:rPr lang="zh-CN" altLang="en-US" sz="1100" dirty="0">
                 <a:solidFill>
                   <a:srgbClr val="747F83"/>
                 </a:solidFill>
                 <a:latin typeface="Roboto" panose="02000000000000000000" pitchFamily="2" charset="0"/>
                 <a:cs typeface="Times New Roman" panose="02020603050405020304" pitchFamily="18" charset="0"/>
               </a:rPr>
-              <a:t>cd </a:t>
-            </a:r>
-            <a:r>
-              <a:rPr lang="en-US" altLang="zh-CN" sz="1100" dirty="0" err="1">
+              <a:t>可动态配置：</a:t>
+            </a:r>
+            <a:r>
+              <a:rPr lang="en-US" altLang="zh-CN" sz="1100" dirty="0">
                 <a:solidFill>
                   <a:srgbClr val="747F83"/>
                 </a:solidFill>
                 <a:latin typeface="Roboto" panose="02000000000000000000" pitchFamily="2" charset="0"/>
                 <a:cs typeface="Times New Roman" panose="02020603050405020304" pitchFamily="18" charset="0"/>
               </a:rPr>
-              <a:t>redis</a:t>
-            </a:r>
-            <a:endParaRPr lang="en-US" altLang="zh-CN" sz="1100" dirty="0">
-              <a:solidFill>
-                <a:srgbClr val="747F83"/>
-              </a:solidFill>
-              <a:latin typeface="Roboto" panose="02000000000000000000" pitchFamily="2" charset="0"/>
-              <a:cs typeface="Times New Roman" panose="02020603050405020304" pitchFamily="18" charset="0"/>
-            </a:endParaRPr>
+              <a:t>config set </a:t>
+            </a:r>
+            <a:r>
+              <a:rPr lang="en-US" altLang="zh-CN" sz="1100" dirty="0" err="1">
+                <a:solidFill>
+                  <a:srgbClr val="747F83"/>
+                </a:solidFill>
+                <a:latin typeface="Roboto" panose="02000000000000000000" pitchFamily="2" charset="0"/>
+                <a:cs typeface="Times New Roman" panose="02020603050405020304" pitchFamily="18" charset="0"/>
+              </a:rPr>
+              <a:t>maxmemory</a:t>
+            </a:r>
+            <a:r>
+              <a:rPr lang="en-US" altLang="zh-CN" sz="1100" dirty="0">
+                <a:solidFill>
+                  <a:srgbClr val="747F83"/>
+                </a:solidFill>
+                <a:latin typeface="Roboto" panose="02000000000000000000" pitchFamily="2" charset="0"/>
+                <a:cs typeface="Times New Roman" panose="02020603050405020304" pitchFamily="18" charset="0"/>
+              </a:rPr>
+              <a:t> “100mb”</a:t>
+            </a:r>
           </a:p>
           <a:p>
             <a:pPr marL="171450" indent="-171450">
@@ -30780,80 +31798,74 @@
               <a:buChar char="•"/>
             </a:pPr>
             <a:r>
-              <a:rPr lang="en-US" altLang="zh-CN" sz="1100" dirty="0">
+              <a:rPr lang="en-US" altLang="zh-CN" sz="1100" dirty="0" err="1">
                 <a:solidFill>
                   <a:srgbClr val="747F83"/>
                 </a:solidFill>
                 <a:latin typeface="Roboto" panose="02000000000000000000" pitchFamily="2" charset="0"/>
                 <a:cs typeface="Times New Roman" panose="02020603050405020304" pitchFamily="18" charset="0"/>
               </a:rPr>
-              <a:t>make</a:t>
-            </a:r>
-          </a:p>
-          <a:p>
-            <a:pPr marL="171450" indent="-171450">
-              <a:buFont typeface="Arial" panose="020B0604020202020204" pitchFamily="34" charset="0"/>
-              <a:buChar char="•"/>
-            </a:pPr>
-            <a:r>
-              <a:rPr lang="en-US" altLang="zh-CN" sz="1100" dirty="0">
+              <a:t>maxmemory</a:t>
+            </a:r>
+            <a:r>
+              <a:rPr lang="zh-CN" altLang="en-US" sz="1100" dirty="0">
                 <a:solidFill>
                   <a:srgbClr val="747F83"/>
                 </a:solidFill>
                 <a:latin typeface="Roboto" panose="02000000000000000000" pitchFamily="2" charset="0"/>
                 <a:cs typeface="Times New Roman" panose="02020603050405020304" pitchFamily="18" charset="0"/>
               </a:rPr>
-              <a:t>./</a:t>
-            </a:r>
-            <a:r>
-              <a:rPr lang="en-US" altLang="zh-CN" sz="1100" dirty="0" err="1">
+              <a:t>在</a:t>
+            </a:r>
+            <a:r>
+              <a:rPr lang="en-US" altLang="zh-CN" sz="1100" dirty="0">
                 <a:solidFill>
                   <a:srgbClr val="747F83"/>
                 </a:solidFill>
                 <a:latin typeface="Roboto" panose="02000000000000000000" pitchFamily="2" charset="0"/>
                 <a:cs typeface="Times New Roman" panose="02020603050405020304" pitchFamily="18" charset="0"/>
               </a:rPr>
-              <a:t>redis</a:t>
-            </a:r>
-            <a:r>
-              <a:rPr lang="en-US" altLang="zh-CN" sz="1100" dirty="0">
+              <a:t>64</a:t>
+            </a:r>
+            <a:r>
+              <a:rPr lang="zh-CN" altLang="en-US" sz="1100" dirty="0">
                 <a:solidFill>
                   <a:srgbClr val="747F83"/>
                 </a:solidFill>
                 <a:latin typeface="Roboto" panose="02000000000000000000" pitchFamily="2" charset="0"/>
                 <a:cs typeface="Times New Roman" panose="02020603050405020304" pitchFamily="18" charset="0"/>
               </a:rPr>
-              <a:t>-server --</a:t>
-            </a:r>
-            <a:r>
-              <a:rPr lang="en-US" altLang="zh-CN" sz="1100" dirty="0" err="1">
+              <a:t>位操作系统中默认是</a:t>
+            </a:r>
+            <a:r>
+              <a:rPr lang="en-US" altLang="zh-CN" sz="1100" dirty="0">
                 <a:solidFill>
                   <a:srgbClr val="747F83"/>
                 </a:solidFill>
                 <a:latin typeface="Roboto" panose="02000000000000000000" pitchFamily="2" charset="0"/>
                 <a:cs typeface="Times New Roman" panose="02020603050405020304" pitchFamily="18" charset="0"/>
               </a:rPr>
-              <a:t>daemonize</a:t>
-            </a:r>
-            <a:r>
-              <a:rPr lang="en-US" altLang="zh-CN" sz="1100" dirty="0">
+              <a:t>0</a:t>
+            </a:r>
+            <a:r>
+              <a:rPr lang="zh-CN" altLang="en-US" sz="1100" dirty="0">
                 <a:solidFill>
                   <a:srgbClr val="747F83"/>
                 </a:solidFill>
                 <a:latin typeface="Roboto" panose="02000000000000000000" pitchFamily="2" charset="0"/>
                 <a:cs typeface="Times New Roman" panose="02020603050405020304" pitchFamily="18" charset="0"/>
               </a:rPr>
-              <a:t> yes [</a:t>
-            </a:r>
-            <a:r>
-              <a:rPr lang="en-US" altLang="zh-CN" sz="1100" dirty="0" err="1">
+              <a:t>，表示没有上限限制，在</a:t>
+            </a:r>
+            <a:r>
+              <a:rPr lang="en-US" altLang="zh-CN" sz="1100" dirty="0">
                 <a:solidFill>
                   <a:srgbClr val="747F83"/>
                 </a:solidFill>
                 <a:latin typeface="Roboto" panose="02000000000000000000" pitchFamily="2" charset="0"/>
                 <a:cs typeface="Times New Roman" panose="02020603050405020304" pitchFamily="18" charset="0"/>
               </a:rPr>
-              <a:t>daemonize</a:t>
+              <a:t>32</a:t>
             </a:r>
             <a:r>
               <a:rPr lang="zh-CN" altLang="en-US" sz="1100" dirty="0">
@@ -30863,7 +31875,7 @@
                 <a:latin typeface="Roboto" panose="02000000000000000000" pitchFamily="2" charset="0"/>
                 <a:cs typeface="Times New Roman" panose="02020603050405020304" pitchFamily="18" charset="0"/>
               </a:rPr>
-              <a:t>为</a:t>
+              <a:t>位操作系统中，因为系统只能识别</a:t>
             </a:r>
             <a:r>
               <a:rPr lang="en-US" altLang="zh-CN" sz="1100" dirty="0">
@@ -30873,7 +31885,7 @@
                 <a:latin typeface="Roboto" panose="02000000000000000000" pitchFamily="2" charset="0"/>
                 <a:cs typeface="Times New Roman" panose="02020603050405020304" pitchFamily="18" charset="0"/>
               </a:rPr>
-              <a:t>yes</a:t>
+              <a:t>3GB</a:t>
             </a:r>
             <a:r>
               <a:rPr lang="zh-CN" altLang="en-US" sz="1100" dirty="0">
@@ -30883,7 +31895,7 @@
                 <a:latin typeface="Roboto" panose="02000000000000000000" pitchFamily="2" charset="0"/>
                 <a:cs typeface="Times New Roman" panose="02020603050405020304" pitchFamily="18" charset="0"/>
               </a:rPr>
-              <a:t>表示在后台跑</a:t>
+              <a:t>内存，因此默认是</a:t>
             </a:r>
             <a:r>
               <a:rPr lang="en-US" altLang="zh-CN" sz="1100" dirty="0">
@@ -30893,43 +31905,17 @@
                 <a:latin typeface="Roboto" panose="02000000000000000000" pitchFamily="2" charset="0"/>
                 <a:cs typeface="Times New Roman" panose="02020603050405020304" pitchFamily="18" charset="0"/>
               </a:rPr>
-              <a:t>]</a:t>
-            </a:r>
-          </a:p>
-          <a:p>
-            <a:pPr marL="171450" indent="-171450">
-              <a:buFont typeface="Arial" panose="020B0604020202020204" pitchFamily="34" charset="0"/>
-              <a:buChar char="•"/>
-            </a:pPr>
-            <a:r>
-              <a:rPr lang="en-US" altLang="zh-CN" sz="1100" dirty="0">
+              <a:t>3GB</a:t>
+            </a:r>
+            <a:r>
+              <a:rPr lang="zh-CN" altLang="en-US" sz="1100" dirty="0">
                 <a:solidFill>
                   <a:srgbClr val="747F83"/>
                 </a:solidFill>
                 <a:latin typeface="Roboto" panose="02000000000000000000" pitchFamily="2" charset="0"/>
                 <a:cs typeface="Times New Roman" panose="02020603050405020304" pitchFamily="18" charset="0"/>
               </a:rPr>
-              <a:t>./</a:t>
-            </a:r>
-            <a:r>
-              <a:rPr lang="en-US" altLang="zh-CN" sz="1100" dirty="0" err="1">
-                <a:solidFill>
-                  <a:srgbClr val="747F83"/>
-                </a:solidFill>
-                <a:latin typeface="Roboto" panose="02000000000000000000" pitchFamily="2" charset="0"/>
-                <a:cs typeface="Times New Roman" panose="02020603050405020304" pitchFamily="18" charset="0"/>
-              </a:rPr>
-              <a:t>redis</a:t>
-            </a:r>
-            <a:r>
-              <a:rPr lang="en-US" altLang="zh-CN" sz="1100" dirty="0">
-                <a:solidFill>
-                  <a:srgbClr val="747F83"/>
-                </a:solidFill>
-                <a:latin typeface="Roboto" panose="02000000000000000000" pitchFamily="2" charset="0"/>
-                <a:cs typeface="Times New Roman" panose="02020603050405020304" pitchFamily="18" charset="0"/>
-              </a:rPr>
-              <a:t>-cli</a:t>
+              <a:t>。</a:t>
             </a:r>
             <a:endParaRPr lang="da-DK" sz="1100" dirty="0">
               <a:solidFill>
@@ -30955,8 +31941,8 @@
         </p:nvSpPr>
         <p:spPr>
           <a:xfrm>
-            <a:off x="8474307" y="2785450"/>
-            <a:ext cx="3182224" cy="1466002"/>
+            <a:off x="8237989" y="2785450"/>
+            <a:ext cx="3418542" cy="1466002"/>
           </a:xfrm>
           <a:prstGeom prst="roundRect">
             <a:avLst/>
@@ -30997,13 +31983,16 @@
     </p:spTree>
     <p:extLst>
       <p:ext uri="{BB962C8B-B14F-4D97-AF65-F5344CB8AC3E}">
-        <p14:creationId xmlns:p14="http://schemas.microsoft.com/office/powerpoint/2010/main" val="690817163"/>
+        <p14:creationId xmlns:p14="http://schemas.microsoft.com/office/powerpoint/2010/main" val="243850695"/>
       </p:ext>
     </p:extLst>
   </p:cSld>
   <p:clrMapOvr>
     <a:masterClrMapping/>
   </p:clrMapOvr>
+  <p:transition>
+    <p:fade/>
+  </p:transition>
 </p:sld>
 </file>
 
@@ -31302,6 +32291,1640 @@
       </p:sp>
       <p:sp>
         <p:nvSpPr>
+          <p:cNvPr id="45" name="Rectangle 44">
+            <a:extLst>
+              <a:ext uri="{FF2B5EF4-FFF2-40B4-BE49-F238E27FC236}">
+                <a16:creationId xmlns:a16="http://schemas.microsoft.com/office/drawing/2014/main" id="{4E624493-CF24-434C-BA9A-6213D35814A4}"/>
+              </a:ext>
+            </a:extLst>
+          </p:cNvPr>
+          <p:cNvSpPr/>
+          <p:nvPr/>
+        </p:nvSpPr>
+        <p:spPr>
+          <a:xfrm>
+            <a:off x="421264" y="5715032"/>
+            <a:ext cx="4109173" cy="972317"/>
+          </a:xfrm>
+          <a:prstGeom prst="rect">
+            <a:avLst/>
+          </a:prstGeom>
+        </p:spPr>
+        <p:txBody>
+          <a:bodyPr wrap="square">
+            <a:spAutoFit/>
+          </a:bodyPr>
+          <a:lstStyle/>
+          <a:p>
+            <a:pPr algn="just">
+              <a:lnSpc>
+                <a:spcPct val="107000"/>
+              </a:lnSpc>
+              <a:spcAft>
+                <a:spcPts val="800"/>
+              </a:spcAft>
+            </a:pPr>
+            <a:r>
+              <a:rPr lang="en-US" sz="1400" dirty="0">
+                <a:solidFill>
+                  <a:schemeClr val="bg1"/>
+                </a:solidFill>
+                <a:latin typeface="Roboto" panose="02000000000000000000" pitchFamily="2" charset="0"/>
+                <a:ea typeface="Roboto" panose="02000000000000000000" pitchFamily="2" charset="0"/>
+                <a:cs typeface="Times New Roman" panose="02020603050405020304" pitchFamily="18" charset="0"/>
+              </a:rPr>
+              <a:t>For  windows , please </a:t>
+            </a:r>
+            <a:r>
+              <a:rPr lang="en-US" sz="1400" dirty="0" err="1">
+                <a:solidFill>
+                  <a:schemeClr val="bg1"/>
+                </a:solidFill>
+                <a:latin typeface="Roboto" panose="02000000000000000000" pitchFamily="2" charset="0"/>
+                <a:ea typeface="Roboto" panose="02000000000000000000" pitchFamily="2" charset="0"/>
+                <a:cs typeface="Times New Roman" panose="02020603050405020304" pitchFamily="18" charset="0"/>
+              </a:rPr>
+              <a:t>baidu</a:t>
+            </a:r>
+            <a:r>
+              <a:rPr lang="en-US" sz="1400" dirty="0">
+                <a:solidFill>
+                  <a:schemeClr val="bg1"/>
+                </a:solidFill>
+                <a:latin typeface="Roboto" panose="02000000000000000000" pitchFamily="2" charset="0"/>
+                <a:ea typeface="Roboto" panose="02000000000000000000" pitchFamily="2" charset="0"/>
+                <a:cs typeface="Times New Roman" panose="02020603050405020304" pitchFamily="18" charset="0"/>
+              </a:rPr>
+              <a:t>.</a:t>
+            </a:r>
+          </a:p>
+          <a:p>
+            <a:pPr algn="just">
+              <a:lnSpc>
+                <a:spcPct val="107000"/>
+              </a:lnSpc>
+              <a:spcAft>
+                <a:spcPts val="800"/>
+              </a:spcAft>
+            </a:pPr>
+            <a:r>
+              <a:rPr lang="en-US" sz="1400" dirty="0">
+                <a:solidFill>
+                  <a:schemeClr val="bg1"/>
+                </a:solidFill>
+                <a:latin typeface="Roboto" panose="02000000000000000000" pitchFamily="2" charset="0"/>
+                <a:ea typeface="Roboto" panose="02000000000000000000" pitchFamily="2" charset="0"/>
+                <a:cs typeface="Times New Roman" panose="02020603050405020304" pitchFamily="18" charset="0"/>
+              </a:rPr>
+              <a:t>Redis: https://redis.io/</a:t>
+            </a:r>
+          </a:p>
+          <a:p>
+            <a:pPr algn="just">
+              <a:lnSpc>
+                <a:spcPct val="107000"/>
+              </a:lnSpc>
+              <a:spcAft>
+                <a:spcPts val="800"/>
+              </a:spcAft>
+            </a:pPr>
+            <a:endParaRPr lang="en-US" sz="1400" dirty="0">
+              <a:solidFill>
+                <a:schemeClr val="bg1"/>
+              </a:solidFill>
+              <a:latin typeface="Roboto" panose="02000000000000000000" pitchFamily="2" charset="0"/>
+              <a:ea typeface="Roboto" panose="02000000000000000000" pitchFamily="2" charset="0"/>
+              <a:cs typeface="Times New Roman" panose="02020603050405020304" pitchFamily="18" charset="0"/>
+            </a:endParaRPr>
+          </a:p>
+        </p:txBody>
+      </p:sp>
+      <p:pic>
+        <p:nvPicPr>
+          <p:cNvPr id="58" name="Graphic 57" descr="Puzzle">
+            <a:extLst>
+              <a:ext uri="{FF2B5EF4-FFF2-40B4-BE49-F238E27FC236}">
+                <a16:creationId xmlns:a16="http://schemas.microsoft.com/office/drawing/2014/main" id="{DFE666EB-2056-42A7-A7CB-0E3C1D6B6C8E}"/>
+              </a:ext>
+            </a:extLst>
+          </p:cNvPr>
+          <p:cNvPicPr>
+            <a:picLocks noChangeAspect="1"/>
+          </p:cNvPicPr>
+          <p:nvPr/>
+        </p:nvPicPr>
+        <p:blipFill>
+          <a:blip r:embed="rId2">
+            <a:extLst>
+              <a:ext uri="{28A0092B-C50C-407E-A947-70E740481C1C}">
+                <a14:useLocalDpi xmlns:a14="http://schemas.microsoft.com/office/drawing/2010/main" val="0"/>
+              </a:ext>
+              <a:ext uri="{96DAC541-7B7A-43D3-8B79-37D633B846F1}">
+                <asvg:svgBlip xmlns:asvg="http://schemas.microsoft.com/office/drawing/2016/SVG/main" r:embed="rId3"/>
+              </a:ext>
+            </a:extLst>
+          </a:blip>
+          <a:stretch>
+            <a:fillRect/>
+          </a:stretch>
+        </p:blipFill>
+        <p:spPr>
+          <a:xfrm>
+            <a:off x="2751588" y="5580188"/>
+            <a:ext cx="914400" cy="914400"/>
+          </a:xfrm>
+          <a:prstGeom prst="rect">
+            <a:avLst/>
+          </a:prstGeom>
+        </p:spPr>
+      </p:pic>
+      <p:sp>
+        <p:nvSpPr>
+          <p:cNvPr id="7" name="Rectangle 6">
+            <a:extLst>
+              <a:ext uri="{FF2B5EF4-FFF2-40B4-BE49-F238E27FC236}">
+                <a16:creationId xmlns:a16="http://schemas.microsoft.com/office/drawing/2014/main" id="{3E3D8D74-A3E3-4E5D-AD53-492125564668}"/>
+              </a:ext>
+            </a:extLst>
+          </p:cNvPr>
+          <p:cNvSpPr/>
+          <p:nvPr/>
+        </p:nvSpPr>
+        <p:spPr>
+          <a:xfrm>
+            <a:off x="413644" y="1404361"/>
+            <a:ext cx="2850924" cy="367216"/>
+          </a:xfrm>
+          <a:prstGeom prst="rect">
+            <a:avLst/>
+          </a:prstGeom>
+        </p:spPr>
+        <p:txBody>
+          <a:bodyPr wrap="square">
+            <a:spAutoFit/>
+          </a:bodyPr>
+          <a:lstStyle/>
+          <a:p>
+            <a:pPr algn="ctr">
+              <a:lnSpc>
+                <a:spcPct val="107000"/>
+              </a:lnSpc>
+              <a:spcAft>
+                <a:spcPts val="800"/>
+              </a:spcAft>
+            </a:pPr>
+            <a:r>
+              <a:rPr lang="en-US" dirty="0">
+                <a:solidFill>
+                  <a:srgbClr val="747F83"/>
+                </a:solidFill>
+                <a:latin typeface="Roboto" panose="02000000000000000000" pitchFamily="2" charset="0"/>
+                <a:ea typeface="Roboto" panose="02000000000000000000" pitchFamily="2" charset="0"/>
+                <a:cs typeface="Times New Roman" panose="02020603050405020304" pitchFamily="18" charset="0"/>
+              </a:rPr>
+              <a:t>Way 1: download &amp; Install</a:t>
+            </a:r>
+          </a:p>
+        </p:txBody>
+      </p:sp>
+      <p:sp>
+        <p:nvSpPr>
+          <p:cNvPr id="8" name="TextBox 7">
+            <a:extLst>
+              <a:ext uri="{FF2B5EF4-FFF2-40B4-BE49-F238E27FC236}">
+                <a16:creationId xmlns:a16="http://schemas.microsoft.com/office/drawing/2014/main" id="{4A183D92-08D4-4DE5-8E47-F84E795A46EE}"/>
+              </a:ext>
+            </a:extLst>
+          </p:cNvPr>
+          <p:cNvSpPr txBox="1"/>
+          <p:nvPr/>
+        </p:nvSpPr>
+        <p:spPr>
+          <a:xfrm>
+            <a:off x="6695711" y="5543549"/>
+            <a:ext cx="5225526" cy="830997"/>
+          </a:xfrm>
+          <a:prstGeom prst="rect">
+            <a:avLst/>
+          </a:prstGeom>
+          <a:noFill/>
+          <a:ln>
+            <a:noFill/>
+          </a:ln>
+        </p:spPr>
+        <p:txBody>
+          <a:bodyPr wrap="square" rtlCol="0">
+            <a:spAutoFit/>
+          </a:bodyPr>
+          <a:lstStyle/>
+          <a:p>
+            <a:pPr algn="r"/>
+            <a:r>
+              <a:rPr lang="en-US" altLang="zh-CN" sz="4800" dirty="0">
+                <a:solidFill>
+                  <a:srgbClr val="FFFFFF"/>
+                </a:solidFill>
+                <a:latin typeface="Roboto Medium" panose="02000000000000000000" pitchFamily="2" charset="0"/>
+                <a:ea typeface="Roboto Medium" panose="02000000000000000000" pitchFamily="2" charset="0"/>
+              </a:rPr>
+              <a:t>Install and Play</a:t>
+            </a:r>
+            <a:endParaRPr lang="en-US" sz="4800" dirty="0">
+              <a:solidFill>
+                <a:srgbClr val="FFFFFF"/>
+              </a:solidFill>
+              <a:latin typeface="Roboto Medium" panose="02000000000000000000" pitchFamily="2" charset="0"/>
+              <a:ea typeface="Roboto Medium" panose="02000000000000000000" pitchFamily="2" charset="0"/>
+            </a:endParaRPr>
+          </a:p>
+        </p:txBody>
+      </p:sp>
+      <p:cxnSp>
+        <p:nvCxnSpPr>
+          <p:cNvPr id="9" name="Straight Connector 8">
+            <a:extLst>
+              <a:ext uri="{FF2B5EF4-FFF2-40B4-BE49-F238E27FC236}">
+                <a16:creationId xmlns:a16="http://schemas.microsoft.com/office/drawing/2014/main" id="{83F06C21-1645-4742-836E-B19DFBA3222A}"/>
+              </a:ext>
+            </a:extLst>
+          </p:cNvPr>
+          <p:cNvCxnSpPr>
+            <a:cxnSpLocks/>
+          </p:cNvCxnSpPr>
+          <p:nvPr/>
+        </p:nvCxnSpPr>
+        <p:spPr>
+          <a:xfrm>
+            <a:off x="7509164" y="6494588"/>
+            <a:ext cx="4412073" cy="0"/>
+          </a:xfrm>
+          <a:prstGeom prst="line">
+            <a:avLst/>
+          </a:prstGeom>
+          <a:ln w="38100">
+            <a:solidFill>
+              <a:srgbClr val="FFFFFF"/>
+            </a:solidFill>
+          </a:ln>
+        </p:spPr>
+        <p:style>
+          <a:lnRef idx="1">
+            <a:schemeClr val="accent1"/>
+          </a:lnRef>
+          <a:fillRef idx="0">
+            <a:schemeClr val="accent1"/>
+          </a:fillRef>
+          <a:effectRef idx="0">
+            <a:schemeClr val="accent1"/>
+          </a:effectRef>
+          <a:fontRef idx="minor">
+            <a:schemeClr val="tx1"/>
+          </a:fontRef>
+        </p:style>
+      </p:cxnSp>
+      <p:sp>
+        <p:nvSpPr>
+          <p:cNvPr id="10" name="Rectangle 9">
+            <a:extLst>
+              <a:ext uri="{FF2B5EF4-FFF2-40B4-BE49-F238E27FC236}">
+                <a16:creationId xmlns:a16="http://schemas.microsoft.com/office/drawing/2014/main" id="{208A00F7-0981-4412-9A6B-23D18C815DDF}"/>
+              </a:ext>
+            </a:extLst>
+          </p:cNvPr>
+          <p:cNvSpPr/>
+          <p:nvPr/>
+        </p:nvSpPr>
+        <p:spPr>
+          <a:xfrm>
+            <a:off x="0" y="449841"/>
+            <a:ext cx="5546031" cy="458780"/>
+          </a:xfrm>
+          <a:prstGeom prst="rect">
+            <a:avLst/>
+          </a:prstGeom>
+        </p:spPr>
+        <p:txBody>
+          <a:bodyPr wrap="square">
+            <a:spAutoFit/>
+          </a:bodyPr>
+          <a:lstStyle/>
+          <a:p>
+            <a:pPr algn="ctr">
+              <a:lnSpc>
+                <a:spcPct val="107000"/>
+              </a:lnSpc>
+              <a:spcAft>
+                <a:spcPts val="800"/>
+              </a:spcAft>
+            </a:pPr>
+            <a:r>
+              <a:rPr lang="en-US" sz="2400" dirty="0">
+                <a:solidFill>
+                  <a:srgbClr val="747F83"/>
+                </a:solidFill>
+                <a:latin typeface="Roboto" panose="02000000000000000000" pitchFamily="2" charset="0"/>
+                <a:ea typeface="Roboto" panose="02000000000000000000" pitchFamily="2" charset="0"/>
+                <a:cs typeface="Times New Roman" panose="02020603050405020304" pitchFamily="18" charset="0"/>
+              </a:rPr>
+              <a:t>If want to try at Linux (VM Ubuntu):</a:t>
+            </a:r>
+          </a:p>
+        </p:txBody>
+      </p:sp>
+      <p:sp>
+        <p:nvSpPr>
+          <p:cNvPr id="11" name="Rectangle 10">
+            <a:extLst>
+              <a:ext uri="{FF2B5EF4-FFF2-40B4-BE49-F238E27FC236}">
+                <a16:creationId xmlns:a16="http://schemas.microsoft.com/office/drawing/2014/main" id="{BAAFA2DD-8741-4D6A-B54D-989DD4918218}"/>
+              </a:ext>
+            </a:extLst>
+          </p:cNvPr>
+          <p:cNvSpPr/>
+          <p:nvPr/>
+        </p:nvSpPr>
+        <p:spPr>
+          <a:xfrm>
+            <a:off x="573569" y="1975371"/>
+            <a:ext cx="3084799" cy="938719"/>
+          </a:xfrm>
+          <a:prstGeom prst="rect">
+            <a:avLst/>
+          </a:prstGeom>
+        </p:spPr>
+        <p:txBody>
+          <a:bodyPr wrap="square">
+            <a:spAutoFit/>
+          </a:bodyPr>
+          <a:lstStyle/>
+          <a:p>
+            <a:pPr marL="171450" indent="-171450">
+              <a:buFont typeface="Arial" panose="020B0604020202020204" pitchFamily="34" charset="0"/>
+              <a:buChar char="•"/>
+            </a:pPr>
+            <a:r>
+              <a:rPr lang="da-DK" sz="1100" dirty="0">
+                <a:solidFill>
+                  <a:srgbClr val="747F83"/>
+                </a:solidFill>
+                <a:latin typeface="Roboto" panose="02000000000000000000" pitchFamily="2" charset="0"/>
+                <a:cs typeface="Times New Roman" panose="02020603050405020304" pitchFamily="18" charset="0"/>
+              </a:rPr>
+              <a:t>wget </a:t>
+            </a:r>
+            <a:r>
+              <a:rPr lang="da-DK" sz="1100" dirty="0">
+                <a:solidFill>
+                  <a:srgbClr val="747F83"/>
+                </a:solidFill>
+                <a:latin typeface="Roboto" panose="02000000000000000000" pitchFamily="2" charset="0"/>
+                <a:cs typeface="Times New Roman" panose="02020603050405020304" pitchFamily="18" charset="0"/>
+                <a:hlinkClick r:id="rId4"/>
+              </a:rPr>
+              <a:t>http://download.redis.io/releases/redis-4.0.11.tar.gz</a:t>
+            </a:r>
+            <a:endParaRPr lang="da-DK" sz="1100" dirty="0">
+              <a:solidFill>
+                <a:srgbClr val="747F83"/>
+              </a:solidFill>
+              <a:latin typeface="Roboto" panose="02000000000000000000" pitchFamily="2" charset="0"/>
+              <a:cs typeface="Times New Roman" panose="02020603050405020304" pitchFamily="18" charset="0"/>
+            </a:endParaRPr>
+          </a:p>
+          <a:p>
+            <a:pPr marL="171450" indent="-171450">
+              <a:buFont typeface="Arial" panose="020B0604020202020204" pitchFamily="34" charset="0"/>
+              <a:buChar char="•"/>
+            </a:pPr>
+            <a:r>
+              <a:rPr lang="da-DK" sz="1100" dirty="0">
+                <a:solidFill>
+                  <a:srgbClr val="747F83"/>
+                </a:solidFill>
+                <a:latin typeface="Roboto" panose="02000000000000000000" pitchFamily="2" charset="0"/>
+                <a:cs typeface="Times New Roman" panose="02020603050405020304" pitchFamily="18" charset="0"/>
+              </a:rPr>
+              <a:t>tar xzf redis-4.0.11.tar.gz</a:t>
+            </a:r>
+          </a:p>
+          <a:p>
+            <a:pPr marL="171450" indent="-171450">
+              <a:buFont typeface="Arial" panose="020B0604020202020204" pitchFamily="34" charset="0"/>
+              <a:buChar char="•"/>
+            </a:pPr>
+            <a:r>
+              <a:rPr lang="da-DK" sz="1100" dirty="0">
+                <a:solidFill>
+                  <a:srgbClr val="747F83"/>
+                </a:solidFill>
+                <a:latin typeface="Roboto" panose="02000000000000000000" pitchFamily="2" charset="0"/>
+                <a:cs typeface="Times New Roman" panose="02020603050405020304" pitchFamily="18" charset="0"/>
+              </a:rPr>
+              <a:t>cd redis-4.0.11 &amp;&amp; make</a:t>
+            </a:r>
+          </a:p>
+          <a:p>
+            <a:pPr marL="171450" indent="-171450">
+              <a:buFont typeface="Arial" panose="020B0604020202020204" pitchFamily="34" charset="0"/>
+              <a:buChar char="•"/>
+            </a:pPr>
+            <a:r>
+              <a:rPr lang="da-DK" sz="1100" dirty="0">
+                <a:solidFill>
+                  <a:srgbClr val="747F83"/>
+                </a:solidFill>
+                <a:latin typeface="Roboto" panose="02000000000000000000" pitchFamily="2" charset="0"/>
+                <a:cs typeface="Times New Roman" panose="02020603050405020304" pitchFamily="18" charset="0"/>
+              </a:rPr>
+              <a:t>cd src &amp;&amp; ./redis-server &lt;redis.conf</a:t>
+            </a:r>
+            <a:r>
+              <a:rPr lang="zh-CN" altLang="en-US" sz="1100" dirty="0">
+                <a:solidFill>
+                  <a:srgbClr val="747F83"/>
+                </a:solidFill>
+                <a:latin typeface="Roboto" panose="02000000000000000000" pitchFamily="2" charset="0"/>
+                <a:cs typeface="Times New Roman" panose="02020603050405020304" pitchFamily="18" charset="0"/>
+              </a:rPr>
+              <a:t>配置</a:t>
+            </a:r>
+            <a:r>
+              <a:rPr lang="en-US" altLang="zh-CN" sz="1100" dirty="0">
+                <a:solidFill>
+                  <a:srgbClr val="747F83"/>
+                </a:solidFill>
+                <a:latin typeface="Roboto" panose="02000000000000000000" pitchFamily="2" charset="0"/>
+                <a:cs typeface="Times New Roman" panose="02020603050405020304" pitchFamily="18" charset="0"/>
+              </a:rPr>
+              <a:t>&gt;</a:t>
+            </a:r>
+            <a:endParaRPr lang="da-DK" sz="1100" dirty="0">
+              <a:solidFill>
+                <a:srgbClr val="747F83"/>
+              </a:solidFill>
+              <a:latin typeface="Roboto" panose="02000000000000000000" pitchFamily="2" charset="0"/>
+              <a:cs typeface="Times New Roman" panose="02020603050405020304" pitchFamily="18" charset="0"/>
+            </a:endParaRPr>
+          </a:p>
+        </p:txBody>
+      </p:sp>
+      <p:sp>
+        <p:nvSpPr>
+          <p:cNvPr id="2" name="Rectangle: Rounded Corners 1">
+            <a:extLst>
+              <a:ext uri="{FF2B5EF4-FFF2-40B4-BE49-F238E27FC236}">
+                <a16:creationId xmlns:a16="http://schemas.microsoft.com/office/drawing/2014/main" id="{56A0C3C2-AF64-4C62-B27D-92C0DD258F8F}"/>
+              </a:ext>
+            </a:extLst>
+          </p:cNvPr>
+          <p:cNvSpPr/>
+          <p:nvPr/>
+        </p:nvSpPr>
+        <p:spPr>
+          <a:xfrm>
+            <a:off x="524856" y="1873106"/>
+            <a:ext cx="3182224" cy="1142513"/>
+          </a:xfrm>
+          <a:prstGeom prst="roundRect">
+            <a:avLst/>
+          </a:prstGeom>
+          <a:noFill/>
+          <a:ln>
+            <a:solidFill>
+              <a:srgbClr val="747F83"/>
+            </a:solidFill>
+            <a:prstDash val="sysDash"/>
+          </a:ln>
+        </p:spPr>
+        <p:style>
+          <a:lnRef idx="2">
+            <a:schemeClr val="accent1">
+              <a:shade val="50000"/>
+            </a:schemeClr>
+          </a:lnRef>
+          <a:fillRef idx="1">
+            <a:schemeClr val="accent1"/>
+          </a:fillRef>
+          <a:effectRef idx="0">
+            <a:schemeClr val="accent1"/>
+          </a:effectRef>
+          <a:fontRef idx="minor">
+            <a:schemeClr val="lt1"/>
+          </a:fontRef>
+        </p:style>
+        <p:txBody>
+          <a:bodyPr rtlCol="0" anchor="ctr"/>
+          <a:lstStyle/>
+          <a:p>
+            <a:pPr algn="ctr"/>
+            <a:endParaRPr lang="en-US"/>
+          </a:p>
+        </p:txBody>
+      </p:sp>
+      <p:sp>
+        <p:nvSpPr>
+          <p:cNvPr id="14" name="Rectangle 13">
+            <a:extLst>
+              <a:ext uri="{FF2B5EF4-FFF2-40B4-BE49-F238E27FC236}">
+                <a16:creationId xmlns:a16="http://schemas.microsoft.com/office/drawing/2014/main" id="{125749EB-D70B-4B0A-915D-167C49ADC920}"/>
+              </a:ext>
+            </a:extLst>
+          </p:cNvPr>
+          <p:cNvSpPr/>
+          <p:nvPr/>
+        </p:nvSpPr>
+        <p:spPr>
+          <a:xfrm>
+            <a:off x="317535" y="3124162"/>
+            <a:ext cx="1930866" cy="367216"/>
+          </a:xfrm>
+          <a:prstGeom prst="rect">
+            <a:avLst/>
+          </a:prstGeom>
+        </p:spPr>
+        <p:txBody>
+          <a:bodyPr wrap="square">
+            <a:spAutoFit/>
+          </a:bodyPr>
+          <a:lstStyle/>
+          <a:p>
+            <a:pPr algn="ctr">
+              <a:lnSpc>
+                <a:spcPct val="107000"/>
+              </a:lnSpc>
+              <a:spcAft>
+                <a:spcPts val="800"/>
+              </a:spcAft>
+            </a:pPr>
+            <a:r>
+              <a:rPr lang="en-US" dirty="0">
+                <a:solidFill>
+                  <a:srgbClr val="747F83"/>
+                </a:solidFill>
+                <a:latin typeface="Roboto" panose="02000000000000000000" pitchFamily="2" charset="0"/>
+                <a:ea typeface="Roboto" panose="02000000000000000000" pitchFamily="2" charset="0"/>
+                <a:cs typeface="Times New Roman" panose="02020603050405020304" pitchFamily="18" charset="0"/>
+              </a:rPr>
+              <a:t>Way 2: apt install</a:t>
+            </a:r>
+          </a:p>
+        </p:txBody>
+      </p:sp>
+      <p:sp>
+        <p:nvSpPr>
+          <p:cNvPr id="15" name="Rectangle 14">
+            <a:extLst>
+              <a:ext uri="{FF2B5EF4-FFF2-40B4-BE49-F238E27FC236}">
+                <a16:creationId xmlns:a16="http://schemas.microsoft.com/office/drawing/2014/main" id="{1BA71F2B-EB5E-4F4B-BDC2-528E4057A02B}"/>
+              </a:ext>
+            </a:extLst>
+          </p:cNvPr>
+          <p:cNvSpPr/>
+          <p:nvPr/>
+        </p:nvSpPr>
+        <p:spPr>
+          <a:xfrm>
+            <a:off x="509617" y="3732283"/>
+            <a:ext cx="3084799" cy="430887"/>
+          </a:xfrm>
+          <a:prstGeom prst="rect">
+            <a:avLst/>
+          </a:prstGeom>
+        </p:spPr>
+        <p:txBody>
+          <a:bodyPr wrap="square">
+            <a:spAutoFit/>
+          </a:bodyPr>
+          <a:lstStyle/>
+          <a:p>
+            <a:pPr marL="171450" indent="-171450">
+              <a:buFont typeface="Arial" panose="020B0604020202020204" pitchFamily="34" charset="0"/>
+              <a:buChar char="•"/>
+            </a:pPr>
+            <a:r>
+              <a:rPr lang="da-DK" sz="1100" dirty="0">
+                <a:solidFill>
+                  <a:srgbClr val="747F83"/>
+                </a:solidFill>
+                <a:latin typeface="Roboto" panose="02000000000000000000" pitchFamily="2" charset="0"/>
+                <a:cs typeface="Times New Roman" panose="02020603050405020304" pitchFamily="18" charset="0"/>
+              </a:rPr>
+              <a:t>sudo apt-get install redis-server &amp;&amp; redis-server</a:t>
+            </a:r>
+          </a:p>
+        </p:txBody>
+      </p:sp>
+      <p:sp>
+        <p:nvSpPr>
+          <p:cNvPr id="16" name="Rectangle: Rounded Corners 15">
+            <a:extLst>
+              <a:ext uri="{FF2B5EF4-FFF2-40B4-BE49-F238E27FC236}">
+                <a16:creationId xmlns:a16="http://schemas.microsoft.com/office/drawing/2014/main" id="{BC1DD228-7300-438D-AEBD-9B86EA8439D9}"/>
+              </a:ext>
+            </a:extLst>
+          </p:cNvPr>
+          <p:cNvSpPr/>
+          <p:nvPr/>
+        </p:nvSpPr>
+        <p:spPr>
+          <a:xfrm>
+            <a:off x="460904" y="3630018"/>
+            <a:ext cx="3182224" cy="609601"/>
+          </a:xfrm>
+          <a:prstGeom prst="roundRect">
+            <a:avLst/>
+          </a:prstGeom>
+          <a:noFill/>
+          <a:ln>
+            <a:solidFill>
+              <a:srgbClr val="747F83"/>
+            </a:solidFill>
+            <a:prstDash val="sysDash"/>
+          </a:ln>
+        </p:spPr>
+        <p:style>
+          <a:lnRef idx="2">
+            <a:schemeClr val="accent1">
+              <a:shade val="50000"/>
+            </a:schemeClr>
+          </a:lnRef>
+          <a:fillRef idx="1">
+            <a:schemeClr val="accent1"/>
+          </a:fillRef>
+          <a:effectRef idx="0">
+            <a:schemeClr val="accent1"/>
+          </a:effectRef>
+          <a:fontRef idx="minor">
+            <a:schemeClr val="lt1"/>
+          </a:fontRef>
+        </p:style>
+        <p:txBody>
+          <a:bodyPr rtlCol="0" anchor="ctr"/>
+          <a:lstStyle/>
+          <a:p>
+            <a:pPr algn="ctr"/>
+            <a:endParaRPr lang="en-US"/>
+          </a:p>
+        </p:txBody>
+      </p:sp>
+      <p:sp>
+        <p:nvSpPr>
+          <p:cNvPr id="17" name="Rectangle 16">
+            <a:extLst>
+              <a:ext uri="{FF2B5EF4-FFF2-40B4-BE49-F238E27FC236}">
+                <a16:creationId xmlns:a16="http://schemas.microsoft.com/office/drawing/2014/main" id="{843E9CE9-68A4-4647-BF94-C87FFED11BFF}"/>
+              </a:ext>
+            </a:extLst>
+          </p:cNvPr>
+          <p:cNvSpPr/>
+          <p:nvPr/>
+        </p:nvSpPr>
+        <p:spPr>
+          <a:xfrm>
+            <a:off x="4415542" y="1402304"/>
+            <a:ext cx="1688078" cy="367216"/>
+          </a:xfrm>
+          <a:prstGeom prst="rect">
+            <a:avLst/>
+          </a:prstGeom>
+        </p:spPr>
+        <p:txBody>
+          <a:bodyPr wrap="square">
+            <a:spAutoFit/>
+          </a:bodyPr>
+          <a:lstStyle/>
+          <a:p>
+            <a:pPr algn="ctr">
+              <a:lnSpc>
+                <a:spcPct val="107000"/>
+              </a:lnSpc>
+              <a:spcAft>
+                <a:spcPts val="800"/>
+              </a:spcAft>
+            </a:pPr>
+            <a:r>
+              <a:rPr lang="en-US" dirty="0">
+                <a:solidFill>
+                  <a:srgbClr val="747F83"/>
+                </a:solidFill>
+                <a:latin typeface="Roboto" panose="02000000000000000000" pitchFamily="2" charset="0"/>
+                <a:ea typeface="Roboto" panose="02000000000000000000" pitchFamily="2" charset="0"/>
+                <a:cs typeface="Times New Roman" panose="02020603050405020304" pitchFamily="18" charset="0"/>
+              </a:rPr>
+              <a:t>Way 3: docker</a:t>
+            </a:r>
+          </a:p>
+        </p:txBody>
+      </p:sp>
+      <p:sp>
+        <p:nvSpPr>
+          <p:cNvPr id="18" name="Rectangle 17">
+            <a:extLst>
+              <a:ext uri="{FF2B5EF4-FFF2-40B4-BE49-F238E27FC236}">
+                <a16:creationId xmlns:a16="http://schemas.microsoft.com/office/drawing/2014/main" id="{4AB170B9-5165-4B94-8194-4AF63D3CEA27}"/>
+              </a:ext>
+            </a:extLst>
+          </p:cNvPr>
+          <p:cNvSpPr/>
+          <p:nvPr/>
+        </p:nvSpPr>
+        <p:spPr>
+          <a:xfrm>
+            <a:off x="4575467" y="1973314"/>
+            <a:ext cx="3084799" cy="938719"/>
+          </a:xfrm>
+          <a:prstGeom prst="rect">
+            <a:avLst/>
+          </a:prstGeom>
+        </p:spPr>
+        <p:txBody>
+          <a:bodyPr wrap="square">
+            <a:spAutoFit/>
+          </a:bodyPr>
+          <a:lstStyle/>
+          <a:p>
+            <a:pPr marL="171450" indent="-171450">
+              <a:buFont typeface="Arial" panose="020B0604020202020204" pitchFamily="34" charset="0"/>
+              <a:buChar char="•"/>
+            </a:pPr>
+            <a:r>
+              <a:rPr lang="zh-CN" altLang="en-US" sz="1100" dirty="0">
+                <a:solidFill>
+                  <a:srgbClr val="747F83"/>
+                </a:solidFill>
+                <a:latin typeface="Roboto" panose="02000000000000000000" pitchFamily="2" charset="0"/>
+                <a:cs typeface="Times New Roman" panose="02020603050405020304" pitchFamily="18" charset="0"/>
+              </a:rPr>
+              <a:t>安装好</a:t>
+            </a:r>
+            <a:r>
+              <a:rPr lang="da-DK" sz="1100" dirty="0">
+                <a:solidFill>
+                  <a:srgbClr val="747F83"/>
+                </a:solidFill>
+                <a:latin typeface="Roboto" panose="02000000000000000000" pitchFamily="2" charset="0"/>
+                <a:cs typeface="Times New Roman" panose="02020603050405020304" pitchFamily="18" charset="0"/>
+              </a:rPr>
+              <a:t>docker,</a:t>
+            </a:r>
+            <a:r>
+              <a:rPr lang="zh-CN" altLang="en-US" sz="1100" dirty="0">
+                <a:solidFill>
+                  <a:srgbClr val="747F83"/>
+                </a:solidFill>
+                <a:latin typeface="Roboto" panose="02000000000000000000" pitchFamily="2" charset="0"/>
+                <a:cs typeface="Times New Roman" panose="02020603050405020304" pitchFamily="18" charset="0"/>
+              </a:rPr>
+              <a:t>启动好</a:t>
+            </a:r>
+            <a:r>
+              <a:rPr lang="da-DK" sz="1100" dirty="0">
+                <a:solidFill>
+                  <a:srgbClr val="747F83"/>
+                </a:solidFill>
+                <a:latin typeface="Roboto" panose="02000000000000000000" pitchFamily="2" charset="0"/>
+                <a:cs typeface="Times New Roman" panose="02020603050405020304" pitchFamily="18" charset="0"/>
+              </a:rPr>
+              <a:t>docker service</a:t>
+            </a:r>
+          </a:p>
+          <a:p>
+            <a:pPr marL="171450" indent="-171450">
+              <a:buFont typeface="Arial" panose="020B0604020202020204" pitchFamily="34" charset="0"/>
+              <a:buChar char="•"/>
+            </a:pPr>
+            <a:r>
+              <a:rPr lang="da-DK" sz="1100" dirty="0">
+                <a:solidFill>
+                  <a:srgbClr val="747F83"/>
+                </a:solidFill>
+                <a:latin typeface="Roboto" panose="02000000000000000000" pitchFamily="2" charset="0"/>
+                <a:cs typeface="Times New Roman" panose="02020603050405020304" pitchFamily="18" charset="0"/>
+              </a:rPr>
+              <a:t>docker pull redis</a:t>
+            </a:r>
+          </a:p>
+          <a:p>
+            <a:pPr marL="171450" indent="-171450">
+              <a:buFont typeface="Arial" panose="020B0604020202020204" pitchFamily="34" charset="0"/>
+              <a:buChar char="•"/>
+            </a:pPr>
+            <a:r>
+              <a:rPr lang="da-DK" sz="1100" dirty="0">
+                <a:solidFill>
+                  <a:srgbClr val="747F83"/>
+                </a:solidFill>
+                <a:latin typeface="Roboto" panose="02000000000000000000" pitchFamily="2" charset="0"/>
+                <a:cs typeface="Times New Roman" panose="02020603050405020304" pitchFamily="18" charset="0"/>
+              </a:rPr>
+              <a:t>docker run --name myredis -d -p 6379:6379 -v /docker/redis:/data redis</a:t>
+            </a:r>
+          </a:p>
+          <a:p>
+            <a:pPr marL="171450" indent="-171450">
+              <a:buFont typeface="Arial" panose="020B0604020202020204" pitchFamily="34" charset="0"/>
+              <a:buChar char="•"/>
+            </a:pPr>
+            <a:r>
+              <a:rPr lang="da-DK" sz="1100" dirty="0">
+                <a:solidFill>
+                  <a:srgbClr val="747F83"/>
+                </a:solidFill>
+                <a:latin typeface="Roboto" panose="02000000000000000000" pitchFamily="2" charset="0"/>
+                <a:cs typeface="Times New Roman" panose="02020603050405020304" pitchFamily="18" charset="0"/>
+              </a:rPr>
+              <a:t>docker exec -it myredis redis-cli</a:t>
+            </a:r>
+          </a:p>
+        </p:txBody>
+      </p:sp>
+      <p:sp>
+        <p:nvSpPr>
+          <p:cNvPr id="19" name="Rectangle: Rounded Corners 18">
+            <a:extLst>
+              <a:ext uri="{FF2B5EF4-FFF2-40B4-BE49-F238E27FC236}">
+                <a16:creationId xmlns:a16="http://schemas.microsoft.com/office/drawing/2014/main" id="{19DBA382-4B69-4994-9255-A33E888AD80F}"/>
+              </a:ext>
+            </a:extLst>
+          </p:cNvPr>
+          <p:cNvSpPr/>
+          <p:nvPr/>
+        </p:nvSpPr>
+        <p:spPr>
+          <a:xfrm>
+            <a:off x="4526754" y="1871049"/>
+            <a:ext cx="3182224" cy="1142513"/>
+          </a:xfrm>
+          <a:prstGeom prst="roundRect">
+            <a:avLst/>
+          </a:prstGeom>
+          <a:noFill/>
+          <a:ln>
+            <a:solidFill>
+              <a:srgbClr val="747F83"/>
+            </a:solidFill>
+            <a:prstDash val="sysDash"/>
+          </a:ln>
+        </p:spPr>
+        <p:style>
+          <a:lnRef idx="2">
+            <a:schemeClr val="accent1">
+              <a:shade val="50000"/>
+            </a:schemeClr>
+          </a:lnRef>
+          <a:fillRef idx="1">
+            <a:schemeClr val="accent1"/>
+          </a:fillRef>
+          <a:effectRef idx="0">
+            <a:schemeClr val="accent1"/>
+          </a:effectRef>
+          <a:fontRef idx="minor">
+            <a:schemeClr val="lt1"/>
+          </a:fontRef>
+        </p:style>
+        <p:txBody>
+          <a:bodyPr rtlCol="0" anchor="ctr"/>
+          <a:lstStyle/>
+          <a:p>
+            <a:pPr algn="ctr"/>
+            <a:endParaRPr lang="en-US"/>
+          </a:p>
+        </p:txBody>
+      </p:sp>
+      <p:cxnSp>
+        <p:nvCxnSpPr>
+          <p:cNvPr id="5" name="Straight Connector 4">
+            <a:extLst>
+              <a:ext uri="{FF2B5EF4-FFF2-40B4-BE49-F238E27FC236}">
+                <a16:creationId xmlns:a16="http://schemas.microsoft.com/office/drawing/2014/main" id="{54CFE066-3920-4939-A6C0-C75E1F1EB4FF}"/>
+              </a:ext>
+            </a:extLst>
+          </p:cNvPr>
+          <p:cNvCxnSpPr/>
+          <p:nvPr/>
+        </p:nvCxnSpPr>
+        <p:spPr>
+          <a:xfrm>
+            <a:off x="413644" y="918357"/>
+            <a:ext cx="3909060" cy="0"/>
+          </a:xfrm>
+          <a:prstGeom prst="line">
+            <a:avLst/>
+          </a:prstGeom>
+          <a:ln w="12700">
+            <a:solidFill>
+              <a:srgbClr val="ABD0BF"/>
+            </a:solidFill>
+            <a:prstDash val="dash"/>
+          </a:ln>
+        </p:spPr>
+        <p:style>
+          <a:lnRef idx="1">
+            <a:schemeClr val="accent1"/>
+          </a:lnRef>
+          <a:fillRef idx="0">
+            <a:schemeClr val="accent1"/>
+          </a:fillRef>
+          <a:effectRef idx="0">
+            <a:schemeClr val="accent1"/>
+          </a:effectRef>
+          <a:fontRef idx="minor">
+            <a:schemeClr val="tx1"/>
+          </a:fontRef>
+        </p:style>
+      </p:cxnSp>
+      <p:sp>
+        <p:nvSpPr>
+          <p:cNvPr id="30" name="Rectangle 29">
+            <a:extLst>
+              <a:ext uri="{FF2B5EF4-FFF2-40B4-BE49-F238E27FC236}">
+                <a16:creationId xmlns:a16="http://schemas.microsoft.com/office/drawing/2014/main" id="{43ED10A8-0F40-4B5A-8A18-4BB223C049E9}"/>
+              </a:ext>
+            </a:extLst>
+          </p:cNvPr>
+          <p:cNvSpPr/>
+          <p:nvPr/>
+        </p:nvSpPr>
+        <p:spPr>
+          <a:xfrm>
+            <a:off x="8363094" y="1402304"/>
+            <a:ext cx="2929745" cy="367216"/>
+          </a:xfrm>
+          <a:prstGeom prst="rect">
+            <a:avLst/>
+          </a:prstGeom>
+        </p:spPr>
+        <p:txBody>
+          <a:bodyPr wrap="square">
+            <a:spAutoFit/>
+          </a:bodyPr>
+          <a:lstStyle/>
+          <a:p>
+            <a:pPr algn="ctr">
+              <a:lnSpc>
+                <a:spcPct val="107000"/>
+              </a:lnSpc>
+              <a:spcAft>
+                <a:spcPts val="800"/>
+              </a:spcAft>
+            </a:pPr>
+            <a:r>
+              <a:rPr lang="en-US" dirty="0">
+                <a:solidFill>
+                  <a:srgbClr val="747F83"/>
+                </a:solidFill>
+                <a:latin typeface="Roboto" panose="02000000000000000000" pitchFamily="2" charset="0"/>
+                <a:ea typeface="Roboto" panose="02000000000000000000" pitchFamily="2" charset="0"/>
+                <a:cs typeface="Times New Roman" panose="02020603050405020304" pitchFamily="18" charset="0"/>
+              </a:rPr>
+              <a:t>Way 4: source code install</a:t>
+            </a:r>
+          </a:p>
+        </p:txBody>
+      </p:sp>
+      <p:sp>
+        <p:nvSpPr>
+          <p:cNvPr id="31" name="Rectangle 30">
+            <a:extLst>
+              <a:ext uri="{FF2B5EF4-FFF2-40B4-BE49-F238E27FC236}">
+                <a16:creationId xmlns:a16="http://schemas.microsoft.com/office/drawing/2014/main" id="{D47C006B-1C4C-46E5-B14B-F1DC26CA27FC}"/>
+              </a:ext>
+            </a:extLst>
+          </p:cNvPr>
+          <p:cNvSpPr/>
+          <p:nvPr/>
+        </p:nvSpPr>
+        <p:spPr>
+          <a:xfrm>
+            <a:off x="8523020" y="1973314"/>
+            <a:ext cx="3084799" cy="1277273"/>
+          </a:xfrm>
+          <a:prstGeom prst="rect">
+            <a:avLst/>
+          </a:prstGeom>
+        </p:spPr>
+        <p:txBody>
+          <a:bodyPr wrap="square">
+            <a:spAutoFit/>
+          </a:bodyPr>
+          <a:lstStyle/>
+          <a:p>
+            <a:pPr marL="171450" indent="-171450">
+              <a:buFont typeface="Arial" panose="020B0604020202020204" pitchFamily="34" charset="0"/>
+              <a:buChar char="•"/>
+            </a:pPr>
+            <a:r>
+              <a:rPr lang="en-US" altLang="zh-CN" sz="1100" dirty="0">
+                <a:solidFill>
+                  <a:srgbClr val="747F83"/>
+                </a:solidFill>
+                <a:latin typeface="Roboto" panose="02000000000000000000" pitchFamily="2" charset="0"/>
+                <a:cs typeface="Times New Roman" panose="02020603050405020304" pitchFamily="18" charset="0"/>
+              </a:rPr>
+              <a:t>git clone --branch 2.8 --depth 1 </a:t>
+            </a:r>
+            <a:r>
+              <a:rPr lang="en-US" altLang="zh-CN" sz="1100" dirty="0" err="1">
+                <a:solidFill>
+                  <a:srgbClr val="747F83"/>
+                </a:solidFill>
+                <a:latin typeface="Roboto" panose="02000000000000000000" pitchFamily="2" charset="0"/>
+                <a:cs typeface="Times New Roman" panose="02020603050405020304" pitchFamily="18" charset="0"/>
+              </a:rPr>
+              <a:t>git@github.com:antirez</a:t>
+            </a:r>
+            <a:r>
+              <a:rPr lang="en-US" altLang="zh-CN" sz="1100" dirty="0">
+                <a:solidFill>
+                  <a:srgbClr val="747F83"/>
+                </a:solidFill>
+                <a:latin typeface="Roboto" panose="02000000000000000000" pitchFamily="2" charset="0"/>
+                <a:cs typeface="Times New Roman" panose="02020603050405020304" pitchFamily="18" charset="0"/>
+              </a:rPr>
+              <a:t>/</a:t>
+            </a:r>
+            <a:r>
+              <a:rPr lang="en-US" altLang="zh-CN" sz="1100" dirty="0" err="1">
+                <a:solidFill>
+                  <a:srgbClr val="747F83"/>
+                </a:solidFill>
+                <a:latin typeface="Roboto" panose="02000000000000000000" pitchFamily="2" charset="0"/>
+                <a:cs typeface="Times New Roman" panose="02020603050405020304" pitchFamily="18" charset="0"/>
+              </a:rPr>
+              <a:t>redis.git</a:t>
+            </a:r>
+            <a:endParaRPr lang="en-US" altLang="zh-CN" sz="1100" dirty="0">
+              <a:solidFill>
+                <a:srgbClr val="747F83"/>
+              </a:solidFill>
+              <a:latin typeface="Roboto" panose="02000000000000000000" pitchFamily="2" charset="0"/>
+              <a:cs typeface="Times New Roman" panose="02020603050405020304" pitchFamily="18" charset="0"/>
+            </a:endParaRPr>
+          </a:p>
+          <a:p>
+            <a:pPr marL="171450" indent="-171450">
+              <a:buFont typeface="Arial" panose="020B0604020202020204" pitchFamily="34" charset="0"/>
+              <a:buChar char="•"/>
+            </a:pPr>
+            <a:r>
+              <a:rPr lang="en-US" altLang="zh-CN" sz="1100" dirty="0">
+                <a:solidFill>
+                  <a:srgbClr val="747F83"/>
+                </a:solidFill>
+                <a:latin typeface="Roboto" panose="02000000000000000000" pitchFamily="2" charset="0"/>
+                <a:cs typeface="Times New Roman" panose="02020603050405020304" pitchFamily="18" charset="0"/>
+              </a:rPr>
+              <a:t>cd </a:t>
+            </a:r>
+            <a:r>
+              <a:rPr lang="en-US" altLang="zh-CN" sz="1100" dirty="0" err="1">
+                <a:solidFill>
+                  <a:srgbClr val="747F83"/>
+                </a:solidFill>
+                <a:latin typeface="Roboto" panose="02000000000000000000" pitchFamily="2" charset="0"/>
+                <a:cs typeface="Times New Roman" panose="02020603050405020304" pitchFamily="18" charset="0"/>
+              </a:rPr>
+              <a:t>redis</a:t>
+            </a:r>
+            <a:endParaRPr lang="en-US" altLang="zh-CN" sz="1100" dirty="0">
+              <a:solidFill>
+                <a:srgbClr val="747F83"/>
+              </a:solidFill>
+              <a:latin typeface="Roboto" panose="02000000000000000000" pitchFamily="2" charset="0"/>
+              <a:cs typeface="Times New Roman" panose="02020603050405020304" pitchFamily="18" charset="0"/>
+            </a:endParaRPr>
+          </a:p>
+          <a:p>
+            <a:pPr marL="171450" indent="-171450">
+              <a:buFont typeface="Arial" panose="020B0604020202020204" pitchFamily="34" charset="0"/>
+              <a:buChar char="•"/>
+            </a:pPr>
+            <a:r>
+              <a:rPr lang="en-US" altLang="zh-CN" sz="1100" dirty="0">
+                <a:solidFill>
+                  <a:srgbClr val="747F83"/>
+                </a:solidFill>
+                <a:latin typeface="Roboto" panose="02000000000000000000" pitchFamily="2" charset="0"/>
+                <a:cs typeface="Times New Roman" panose="02020603050405020304" pitchFamily="18" charset="0"/>
+              </a:rPr>
+              <a:t>make</a:t>
+            </a:r>
+          </a:p>
+          <a:p>
+            <a:pPr marL="171450" indent="-171450">
+              <a:buFont typeface="Arial" panose="020B0604020202020204" pitchFamily="34" charset="0"/>
+              <a:buChar char="•"/>
+            </a:pPr>
+            <a:r>
+              <a:rPr lang="en-US" altLang="zh-CN" sz="1100" dirty="0">
+                <a:solidFill>
+                  <a:srgbClr val="747F83"/>
+                </a:solidFill>
+                <a:latin typeface="Roboto" panose="02000000000000000000" pitchFamily="2" charset="0"/>
+                <a:cs typeface="Times New Roman" panose="02020603050405020304" pitchFamily="18" charset="0"/>
+              </a:rPr>
+              <a:t>./</a:t>
+            </a:r>
+            <a:r>
+              <a:rPr lang="en-US" altLang="zh-CN" sz="1100" dirty="0" err="1">
+                <a:solidFill>
+                  <a:srgbClr val="747F83"/>
+                </a:solidFill>
+                <a:latin typeface="Roboto" panose="02000000000000000000" pitchFamily="2" charset="0"/>
+                <a:cs typeface="Times New Roman" panose="02020603050405020304" pitchFamily="18" charset="0"/>
+              </a:rPr>
+              <a:t>redis</a:t>
+            </a:r>
+            <a:r>
+              <a:rPr lang="en-US" altLang="zh-CN" sz="1100" dirty="0">
+                <a:solidFill>
+                  <a:srgbClr val="747F83"/>
+                </a:solidFill>
+                <a:latin typeface="Roboto" panose="02000000000000000000" pitchFamily="2" charset="0"/>
+                <a:cs typeface="Times New Roman" panose="02020603050405020304" pitchFamily="18" charset="0"/>
+              </a:rPr>
+              <a:t>-server --</a:t>
+            </a:r>
+            <a:r>
+              <a:rPr lang="en-US" altLang="zh-CN" sz="1100" dirty="0" err="1">
+                <a:solidFill>
+                  <a:srgbClr val="747F83"/>
+                </a:solidFill>
+                <a:latin typeface="Roboto" panose="02000000000000000000" pitchFamily="2" charset="0"/>
+                <a:cs typeface="Times New Roman" panose="02020603050405020304" pitchFamily="18" charset="0"/>
+              </a:rPr>
+              <a:t>daemonize</a:t>
+            </a:r>
+            <a:r>
+              <a:rPr lang="en-US" altLang="zh-CN" sz="1100" dirty="0">
+                <a:solidFill>
+                  <a:srgbClr val="747F83"/>
+                </a:solidFill>
+                <a:latin typeface="Roboto" panose="02000000000000000000" pitchFamily="2" charset="0"/>
+                <a:cs typeface="Times New Roman" panose="02020603050405020304" pitchFamily="18" charset="0"/>
+              </a:rPr>
+              <a:t> yes [</a:t>
+            </a:r>
+            <a:r>
+              <a:rPr lang="en-US" altLang="zh-CN" sz="1100" dirty="0" err="1">
+                <a:solidFill>
+                  <a:srgbClr val="747F83"/>
+                </a:solidFill>
+                <a:latin typeface="Roboto" panose="02000000000000000000" pitchFamily="2" charset="0"/>
+                <a:cs typeface="Times New Roman" panose="02020603050405020304" pitchFamily="18" charset="0"/>
+              </a:rPr>
+              <a:t>daemonize</a:t>
+            </a:r>
+            <a:r>
+              <a:rPr lang="zh-CN" altLang="en-US" sz="1100" dirty="0">
+                <a:solidFill>
+                  <a:srgbClr val="747F83"/>
+                </a:solidFill>
+                <a:latin typeface="Roboto" panose="02000000000000000000" pitchFamily="2" charset="0"/>
+                <a:cs typeface="Times New Roman" panose="02020603050405020304" pitchFamily="18" charset="0"/>
+              </a:rPr>
+              <a:t>为</a:t>
+            </a:r>
+            <a:r>
+              <a:rPr lang="en-US" altLang="zh-CN" sz="1100" dirty="0">
+                <a:solidFill>
+                  <a:srgbClr val="747F83"/>
+                </a:solidFill>
+                <a:latin typeface="Roboto" panose="02000000000000000000" pitchFamily="2" charset="0"/>
+                <a:cs typeface="Times New Roman" panose="02020603050405020304" pitchFamily="18" charset="0"/>
+              </a:rPr>
+              <a:t>yes</a:t>
+            </a:r>
+            <a:r>
+              <a:rPr lang="zh-CN" altLang="en-US" sz="1100" dirty="0">
+                <a:solidFill>
+                  <a:srgbClr val="747F83"/>
+                </a:solidFill>
+                <a:latin typeface="Roboto" panose="02000000000000000000" pitchFamily="2" charset="0"/>
+                <a:cs typeface="Times New Roman" panose="02020603050405020304" pitchFamily="18" charset="0"/>
+              </a:rPr>
+              <a:t>表示在后台跑</a:t>
+            </a:r>
+            <a:r>
+              <a:rPr lang="en-US" altLang="zh-CN" sz="1100" dirty="0">
+                <a:solidFill>
+                  <a:srgbClr val="747F83"/>
+                </a:solidFill>
+                <a:latin typeface="Roboto" panose="02000000000000000000" pitchFamily="2" charset="0"/>
+                <a:cs typeface="Times New Roman" panose="02020603050405020304" pitchFamily="18" charset="0"/>
+              </a:rPr>
+              <a:t>]</a:t>
+            </a:r>
+          </a:p>
+          <a:p>
+            <a:pPr marL="171450" indent="-171450">
+              <a:buFont typeface="Arial" panose="020B0604020202020204" pitchFamily="34" charset="0"/>
+              <a:buChar char="•"/>
+            </a:pPr>
+            <a:r>
+              <a:rPr lang="en-US" altLang="zh-CN" sz="1100" dirty="0">
+                <a:solidFill>
+                  <a:srgbClr val="747F83"/>
+                </a:solidFill>
+                <a:latin typeface="Roboto" panose="02000000000000000000" pitchFamily="2" charset="0"/>
+                <a:cs typeface="Times New Roman" panose="02020603050405020304" pitchFamily="18" charset="0"/>
+              </a:rPr>
+              <a:t>./</a:t>
+            </a:r>
+            <a:r>
+              <a:rPr lang="en-US" altLang="zh-CN" sz="1100" dirty="0" err="1">
+                <a:solidFill>
+                  <a:srgbClr val="747F83"/>
+                </a:solidFill>
+                <a:latin typeface="Roboto" panose="02000000000000000000" pitchFamily="2" charset="0"/>
+                <a:cs typeface="Times New Roman" panose="02020603050405020304" pitchFamily="18" charset="0"/>
+              </a:rPr>
+              <a:t>redis</a:t>
+            </a:r>
+            <a:r>
+              <a:rPr lang="en-US" altLang="zh-CN" sz="1100" dirty="0">
+                <a:solidFill>
+                  <a:srgbClr val="747F83"/>
+                </a:solidFill>
+                <a:latin typeface="Roboto" panose="02000000000000000000" pitchFamily="2" charset="0"/>
+                <a:cs typeface="Times New Roman" panose="02020603050405020304" pitchFamily="18" charset="0"/>
+              </a:rPr>
+              <a:t>-cli</a:t>
+            </a:r>
+            <a:endParaRPr lang="da-DK" sz="1100" dirty="0">
+              <a:solidFill>
+                <a:srgbClr val="747F83"/>
+              </a:solidFill>
+              <a:latin typeface="Roboto" panose="02000000000000000000" pitchFamily="2" charset="0"/>
+              <a:cs typeface="Times New Roman" panose="02020603050405020304" pitchFamily="18" charset="0"/>
+            </a:endParaRPr>
+          </a:p>
+        </p:txBody>
+      </p:sp>
+      <p:sp>
+        <p:nvSpPr>
+          <p:cNvPr id="32" name="Rectangle: Rounded Corners 31">
+            <a:extLst>
+              <a:ext uri="{FF2B5EF4-FFF2-40B4-BE49-F238E27FC236}">
+                <a16:creationId xmlns:a16="http://schemas.microsoft.com/office/drawing/2014/main" id="{5B2D04A4-9B94-463C-9009-449DA32E30BD}"/>
+              </a:ext>
+            </a:extLst>
+          </p:cNvPr>
+          <p:cNvSpPr/>
+          <p:nvPr/>
+        </p:nvSpPr>
+        <p:spPr>
+          <a:xfrm>
+            <a:off x="8474307" y="1871049"/>
+            <a:ext cx="3182224" cy="1466002"/>
+          </a:xfrm>
+          <a:prstGeom prst="roundRect">
+            <a:avLst/>
+          </a:prstGeom>
+          <a:noFill/>
+          <a:ln>
+            <a:solidFill>
+              <a:srgbClr val="747F83"/>
+            </a:solidFill>
+            <a:prstDash val="sysDash"/>
+          </a:ln>
+        </p:spPr>
+        <p:style>
+          <a:lnRef idx="2">
+            <a:schemeClr val="accent1">
+              <a:shade val="50000"/>
+            </a:schemeClr>
+          </a:lnRef>
+          <a:fillRef idx="1">
+            <a:schemeClr val="accent1"/>
+          </a:fillRef>
+          <a:effectRef idx="0">
+            <a:schemeClr val="accent1"/>
+          </a:effectRef>
+          <a:fontRef idx="minor">
+            <a:schemeClr val="lt1"/>
+          </a:fontRef>
+        </p:style>
+        <p:txBody>
+          <a:bodyPr rtlCol="0" anchor="ctr"/>
+          <a:lstStyle/>
+          <a:p>
+            <a:pPr algn="ctr"/>
+            <a:endParaRPr lang="en-US"/>
+          </a:p>
+        </p:txBody>
+      </p:sp>
+    </p:spTree>
+    <p:extLst>
+      <p:ext uri="{BB962C8B-B14F-4D97-AF65-F5344CB8AC3E}">
+        <p14:creationId xmlns:p14="http://schemas.microsoft.com/office/powerpoint/2010/main" val="690817163"/>
+      </p:ext>
+    </p:extLst>
+  </p:cSld>
+  <p:clrMapOvr>
+    <a:masterClrMapping/>
+  </p:clrMapOvr>
+  <p:transition>
+    <p:fade/>
+  </p:transition>
+</p:sld>
+</file>
+
+<file path=ppt/slides/slide6.xml><?xml version="1.0" encoding="utf-8"?>
+<p:sld xmlns:a="http://schemas.openxmlformats.org/drawingml/2006/main" xmlns:r="http://schemas.openxmlformats.org/officeDocument/2006/relationships" xmlns:p="http://schemas.openxmlformats.org/presentationml/2006/main">
+  <p:cSld>
+    <p:spTree>
+      <p:nvGrpSpPr>
+        <p:cNvPr id="1" name=""/>
+        <p:cNvGrpSpPr/>
+        <p:nvPr/>
+      </p:nvGrpSpPr>
+      <p:grpSpPr>
+        <a:xfrm>
+          <a:off x="0" y="0"/>
+          <a:ext cx="0" cy="0"/>
+          <a:chOff x="0" y="0"/>
+          <a:chExt cx="0" cy="0"/>
+        </a:xfrm>
+      </p:grpSpPr>
+      <p:sp>
+        <p:nvSpPr>
+          <p:cNvPr id="59" name="Freeform 22">
+            <a:extLst>
+              <a:ext uri="{FF2B5EF4-FFF2-40B4-BE49-F238E27FC236}">
+                <a16:creationId xmlns:a16="http://schemas.microsoft.com/office/drawing/2014/main" id="{DB8BB0C2-3592-4C49-A8A6-61334D47DE3F}"/>
+              </a:ext>
+            </a:extLst>
+          </p:cNvPr>
+          <p:cNvSpPr>
+            <a:spLocks/>
+          </p:cNvSpPr>
+          <p:nvPr/>
+        </p:nvSpPr>
+        <p:spPr bwMode="auto">
+          <a:xfrm>
+            <a:off x="0" y="4357687"/>
+            <a:ext cx="12192000" cy="2371725"/>
+          </a:xfrm>
+          <a:custGeom>
+            <a:avLst/>
+            <a:gdLst>
+              <a:gd name="T0" fmla="*/ 0 w 3283"/>
+              <a:gd name="T1" fmla="*/ 348 h 725"/>
+              <a:gd name="T2" fmla="*/ 1059 w 3283"/>
+              <a:gd name="T3" fmla="*/ 58 h 725"/>
+              <a:gd name="T4" fmla="*/ 1698 w 3283"/>
+              <a:gd name="T5" fmla="*/ 56 h 725"/>
+              <a:gd name="T6" fmla="*/ 2268 w 3283"/>
+              <a:gd name="T7" fmla="*/ 209 h 725"/>
+              <a:gd name="T8" fmla="*/ 2940 w 3283"/>
+              <a:gd name="T9" fmla="*/ 182 h 725"/>
+              <a:gd name="T10" fmla="*/ 3283 w 3283"/>
+              <a:gd name="T11" fmla="*/ 60 h 725"/>
+              <a:gd name="T12" fmla="*/ 3283 w 3283"/>
+              <a:gd name="T13" fmla="*/ 725 h 725"/>
+              <a:gd name="T14" fmla="*/ 0 w 3283"/>
+              <a:gd name="T15" fmla="*/ 725 h 725"/>
+              <a:gd name="T16" fmla="*/ 0 w 3283"/>
+              <a:gd name="T17" fmla="*/ 348 h 725"/>
+            </a:gdLst>
+            <a:ahLst/>
+            <a:cxnLst>
+              <a:cxn ang="0">
+                <a:pos x="T0" y="T1"/>
+              </a:cxn>
+              <a:cxn ang="0">
+                <a:pos x="T2" y="T3"/>
+              </a:cxn>
+              <a:cxn ang="0">
+                <a:pos x="T4" y="T5"/>
+              </a:cxn>
+              <a:cxn ang="0">
+                <a:pos x="T6" y="T7"/>
+              </a:cxn>
+              <a:cxn ang="0">
+                <a:pos x="T8" y="T9"/>
+              </a:cxn>
+              <a:cxn ang="0">
+                <a:pos x="T10" y="T11"/>
+              </a:cxn>
+              <a:cxn ang="0">
+                <a:pos x="T12" y="T13"/>
+              </a:cxn>
+              <a:cxn ang="0">
+                <a:pos x="T14" y="T15"/>
+              </a:cxn>
+              <a:cxn ang="0">
+                <a:pos x="T16" y="T17"/>
+              </a:cxn>
+            </a:cxnLst>
+            <a:rect l="0" t="0" r="r" b="b"/>
+            <a:pathLst>
+              <a:path w="3283" h="725">
+                <a:moveTo>
+                  <a:pt x="0" y="348"/>
+                </a:moveTo>
+                <a:cubicBezTo>
+                  <a:pt x="1059" y="58"/>
+                  <a:pt x="1059" y="58"/>
+                  <a:pt x="1059" y="58"/>
+                </a:cubicBezTo>
+                <a:cubicBezTo>
+                  <a:pt x="1268" y="1"/>
+                  <a:pt x="1489" y="0"/>
+                  <a:pt x="1698" y="56"/>
+                </a:cubicBezTo>
+                <a:cubicBezTo>
+                  <a:pt x="2268" y="209"/>
+                  <a:pt x="2268" y="209"/>
+                  <a:pt x="2268" y="209"/>
+                </a:cubicBezTo>
+                <a:cubicBezTo>
+                  <a:pt x="2490" y="268"/>
+                  <a:pt x="2724" y="259"/>
+                  <a:pt x="2940" y="182"/>
+                </a:cubicBezTo>
+                <a:cubicBezTo>
+                  <a:pt x="3283" y="60"/>
+                  <a:pt x="3283" y="60"/>
+                  <a:pt x="3283" y="60"/>
+                </a:cubicBezTo>
+                <a:cubicBezTo>
+                  <a:pt x="3283" y="725"/>
+                  <a:pt x="3283" y="725"/>
+                  <a:pt x="3283" y="725"/>
+                </a:cubicBezTo>
+                <a:cubicBezTo>
+                  <a:pt x="0" y="725"/>
+                  <a:pt x="0" y="725"/>
+                  <a:pt x="0" y="725"/>
+                </a:cubicBezTo>
+                <a:lnTo>
+                  <a:pt x="0" y="348"/>
+                </a:lnTo>
+                <a:close/>
+              </a:path>
+            </a:pathLst>
+          </a:custGeom>
+          <a:solidFill>
+            <a:srgbClr val="FFFFFF"/>
+          </a:solidFill>
+          <a:ln>
+            <a:noFill/>
+          </a:ln>
+        </p:spPr>
+        <p:txBody>
+          <a:bodyPr vert="horz" wrap="square" lIns="91440" tIns="45720" rIns="91440" bIns="45720" numCol="1" anchor="t" anchorCtr="0" compatLnSpc="1">
+            <a:prstTxWarp prst="textNoShape">
+              <a:avLst/>
+            </a:prstTxWarp>
+          </a:bodyPr>
+          <a:lstStyle/>
+          <a:p>
+            <a:endParaRPr lang="en-US"/>
+          </a:p>
+        </p:txBody>
+      </p:sp>
+      <p:sp>
+        <p:nvSpPr>
+          <p:cNvPr id="39" name="Freeform 22">
+            <a:extLst>
+              <a:ext uri="{FF2B5EF4-FFF2-40B4-BE49-F238E27FC236}">
+                <a16:creationId xmlns:a16="http://schemas.microsoft.com/office/drawing/2014/main" id="{20B7B5ED-B235-4676-892C-62C1D59BE27E}"/>
+              </a:ext>
+            </a:extLst>
+          </p:cNvPr>
+          <p:cNvSpPr>
+            <a:spLocks/>
+          </p:cNvSpPr>
+          <p:nvPr/>
+        </p:nvSpPr>
+        <p:spPr bwMode="auto">
+          <a:xfrm>
+            <a:off x="0" y="4486275"/>
+            <a:ext cx="12192000" cy="2371725"/>
+          </a:xfrm>
+          <a:custGeom>
+            <a:avLst/>
+            <a:gdLst>
+              <a:gd name="T0" fmla="*/ 0 w 3283"/>
+              <a:gd name="T1" fmla="*/ 348 h 725"/>
+              <a:gd name="T2" fmla="*/ 1059 w 3283"/>
+              <a:gd name="T3" fmla="*/ 58 h 725"/>
+              <a:gd name="T4" fmla="*/ 1698 w 3283"/>
+              <a:gd name="T5" fmla="*/ 56 h 725"/>
+              <a:gd name="T6" fmla="*/ 2268 w 3283"/>
+              <a:gd name="T7" fmla="*/ 209 h 725"/>
+              <a:gd name="T8" fmla="*/ 2940 w 3283"/>
+              <a:gd name="T9" fmla="*/ 182 h 725"/>
+              <a:gd name="T10" fmla="*/ 3283 w 3283"/>
+              <a:gd name="T11" fmla="*/ 60 h 725"/>
+              <a:gd name="T12" fmla="*/ 3283 w 3283"/>
+              <a:gd name="T13" fmla="*/ 725 h 725"/>
+              <a:gd name="T14" fmla="*/ 0 w 3283"/>
+              <a:gd name="T15" fmla="*/ 725 h 725"/>
+              <a:gd name="T16" fmla="*/ 0 w 3283"/>
+              <a:gd name="T17" fmla="*/ 348 h 725"/>
+            </a:gdLst>
+            <a:ahLst/>
+            <a:cxnLst>
+              <a:cxn ang="0">
+                <a:pos x="T0" y="T1"/>
+              </a:cxn>
+              <a:cxn ang="0">
+                <a:pos x="T2" y="T3"/>
+              </a:cxn>
+              <a:cxn ang="0">
+                <a:pos x="T4" y="T5"/>
+              </a:cxn>
+              <a:cxn ang="0">
+                <a:pos x="T6" y="T7"/>
+              </a:cxn>
+              <a:cxn ang="0">
+                <a:pos x="T8" y="T9"/>
+              </a:cxn>
+              <a:cxn ang="0">
+                <a:pos x="T10" y="T11"/>
+              </a:cxn>
+              <a:cxn ang="0">
+                <a:pos x="T12" y="T13"/>
+              </a:cxn>
+              <a:cxn ang="0">
+                <a:pos x="T14" y="T15"/>
+              </a:cxn>
+              <a:cxn ang="0">
+                <a:pos x="T16" y="T17"/>
+              </a:cxn>
+            </a:cxnLst>
+            <a:rect l="0" t="0" r="r" b="b"/>
+            <a:pathLst>
+              <a:path w="3283" h="725">
+                <a:moveTo>
+                  <a:pt x="0" y="348"/>
+                </a:moveTo>
+                <a:cubicBezTo>
+                  <a:pt x="1059" y="58"/>
+                  <a:pt x="1059" y="58"/>
+                  <a:pt x="1059" y="58"/>
+                </a:cubicBezTo>
+                <a:cubicBezTo>
+                  <a:pt x="1268" y="1"/>
+                  <a:pt x="1489" y="0"/>
+                  <a:pt x="1698" y="56"/>
+                </a:cubicBezTo>
+                <a:cubicBezTo>
+                  <a:pt x="2268" y="209"/>
+                  <a:pt x="2268" y="209"/>
+                  <a:pt x="2268" y="209"/>
+                </a:cubicBezTo>
+                <a:cubicBezTo>
+                  <a:pt x="2490" y="268"/>
+                  <a:pt x="2724" y="259"/>
+                  <a:pt x="2940" y="182"/>
+                </a:cubicBezTo>
+                <a:cubicBezTo>
+                  <a:pt x="3283" y="60"/>
+                  <a:pt x="3283" y="60"/>
+                  <a:pt x="3283" y="60"/>
+                </a:cubicBezTo>
+                <a:cubicBezTo>
+                  <a:pt x="3283" y="725"/>
+                  <a:pt x="3283" y="725"/>
+                  <a:pt x="3283" y="725"/>
+                </a:cubicBezTo>
+                <a:cubicBezTo>
+                  <a:pt x="0" y="725"/>
+                  <a:pt x="0" y="725"/>
+                  <a:pt x="0" y="725"/>
+                </a:cubicBezTo>
+                <a:lnTo>
+                  <a:pt x="0" y="348"/>
+                </a:lnTo>
+                <a:close/>
+              </a:path>
+            </a:pathLst>
+          </a:custGeom>
+          <a:solidFill>
+            <a:srgbClr val="747F83"/>
+          </a:solidFill>
+          <a:ln>
+            <a:noFill/>
+          </a:ln>
+        </p:spPr>
+        <p:txBody>
+          <a:bodyPr vert="horz" wrap="square" lIns="91440" tIns="45720" rIns="91440" bIns="45720" numCol="1" anchor="t" anchorCtr="0" compatLnSpc="1">
+            <a:prstTxWarp prst="textNoShape">
+              <a:avLst/>
+            </a:prstTxWarp>
+          </a:bodyPr>
+          <a:lstStyle/>
+          <a:p>
+            <a:endParaRPr lang="en-US"/>
+          </a:p>
+        </p:txBody>
+      </p:sp>
+      <p:sp>
+        <p:nvSpPr>
           <p:cNvPr id="8" name="TextBox 7">
             <a:extLst>
               <a:ext uri="{FF2B5EF4-FFF2-40B4-BE49-F238E27FC236}">
@@ -31973,10 +34596,13 @@
   <p:clrMapOvr>
     <a:masterClrMapping/>
   </p:clrMapOvr>
+  <p:transition>
+    <p:fade/>
+  </p:transition>
 </p:sld>
 </file>
 
-<file path=ppt/slides/slide6.xml><?xml version="1.0" encoding="utf-8"?>
+<file path=ppt/slides/slide7.xml><?xml version="1.0" encoding="utf-8"?>
 <p:sld xmlns:a="http://schemas.openxmlformats.org/drawingml/2006/main" xmlns:r="http://schemas.openxmlformats.org/officeDocument/2006/relationships" xmlns:p="http://schemas.openxmlformats.org/presentationml/2006/main">
   <p:cSld>
     <p:spTree>
@@ -34662,36 +37288,6 @@
           </a:p>
         </p:txBody>
       </p:sp>
-      <p:pic>
-        <p:nvPicPr>
-          <p:cNvPr id="48" name="Picture 47">
-            <a:extLst>
-              <a:ext uri="{FF2B5EF4-FFF2-40B4-BE49-F238E27FC236}">
-                <a16:creationId xmlns:a16="http://schemas.microsoft.com/office/drawing/2014/main" id="{34705F3C-2A4B-4726-B141-552501E1A150}"/>
-              </a:ext>
-            </a:extLst>
-          </p:cNvPr>
-          <p:cNvPicPr>
-            <a:picLocks noChangeAspect="1"/>
-          </p:cNvPicPr>
-          <p:nvPr/>
-        </p:nvPicPr>
-        <p:blipFill>
-          <a:blip r:embed="rId3"/>
-          <a:stretch>
-            <a:fillRect/>
-          </a:stretch>
-        </p:blipFill>
-        <p:spPr>
-          <a:xfrm>
-            <a:off x="3535485" y="3331662"/>
-            <a:ext cx="3798943" cy="2839125"/>
-          </a:xfrm>
-          <a:prstGeom prst="rect">
-            <a:avLst/>
-          </a:prstGeom>
-        </p:spPr>
-      </p:pic>
       <p:sp>
         <p:nvSpPr>
           <p:cNvPr id="49" name="Rectangle 48">
@@ -34804,6 +37400,36 @@
           </a:p>
         </p:txBody>
       </p:sp>
+      <p:pic>
+        <p:nvPicPr>
+          <p:cNvPr id="2" name="Picture 1">
+            <a:extLst>
+              <a:ext uri="{FF2B5EF4-FFF2-40B4-BE49-F238E27FC236}">
+                <a16:creationId xmlns:a16="http://schemas.microsoft.com/office/drawing/2014/main" id="{70F74043-1CF5-4A92-9889-2C3AD67E8072}"/>
+              </a:ext>
+            </a:extLst>
+          </p:cNvPr>
+          <p:cNvPicPr>
+            <a:picLocks noChangeAspect="1"/>
+          </p:cNvPicPr>
+          <p:nvPr/>
+        </p:nvPicPr>
+        <p:blipFill>
+          <a:blip r:embed="rId3"/>
+          <a:stretch>
+            <a:fillRect/>
+          </a:stretch>
+        </p:blipFill>
+        <p:spPr>
+          <a:xfrm>
+            <a:off x="3117650" y="3218514"/>
+            <a:ext cx="4207507" cy="3283908"/>
+          </a:xfrm>
+          <a:prstGeom prst="rect">
+            <a:avLst/>
+          </a:prstGeom>
+        </p:spPr>
+      </p:pic>
     </p:spTree>
     <p:extLst>
       <p:ext uri="{BB962C8B-B14F-4D97-AF65-F5344CB8AC3E}">
@@ -34814,6 +37440,9 @@
   <p:clrMapOvr>
     <a:masterClrMapping/>
   </p:clrMapOvr>
+  <p:transition>
+    <p:fade/>
+  </p:transition>
   <p:timing>
     <p:tnLst>
       <p:par>
@@ -34848,7 +37477,7 @@
                                           </p:stCondLst>
                                         </p:cTn>
                                         <p:tgtEl>
-                                          <p:spTgt spid="48"/>
+                                          <p:spTgt spid="2"/>
                                         </p:tgtEl>
                                         <p:attrNameLst>
                                           <p:attrName>style.visibility</p:attrName>
@@ -34862,7 +37491,7 @@
                                       <p:cBhvr>
                                         <p:cTn id="7" dur="500"/>
                                         <p:tgtEl>
-                                          <p:spTgt spid="48"/>
+                                          <p:spTgt spid="2"/>
                                         </p:tgtEl>
                                       </p:cBhvr>
                                     </p:animEffect>
@@ -34900,7 +37529,7 @@
 </p:sld>
 </file>
 
-<file path=ppt/slides/slide7.xml><?xml version="1.0" encoding="utf-8"?>
+<file path=ppt/slides/slide8.xml><?xml version="1.0" encoding="utf-8"?>
 <p:sld xmlns:a="http://schemas.openxmlformats.org/drawingml/2006/main" xmlns:r="http://schemas.openxmlformats.org/officeDocument/2006/relationships" xmlns:p="http://schemas.openxmlformats.org/presentationml/2006/main">
   <p:cSld>
     <p:spTree>
@@ -35499,10 +38128,13 @@
   <p:clrMapOvr>
     <a:masterClrMapping/>
   </p:clrMapOvr>
+  <p:transition>
+    <p:fade/>
+  </p:transition>
 </p:sld>
 </file>
 
-<file path=ppt/slides/slide8.xml><?xml version="1.0" encoding="utf-8"?>
+<file path=ppt/slides/slide9.xml><?xml version="1.0" encoding="utf-8"?>
 <p:sld xmlns:a="http://schemas.openxmlformats.org/drawingml/2006/main" xmlns:r="http://schemas.openxmlformats.org/officeDocument/2006/relationships" xmlns:p="http://schemas.openxmlformats.org/presentationml/2006/main">
   <p:cSld>
     <p:spTree>
@@ -35697,7 +38329,7 @@
                 <a:ea typeface="Roboto" panose="02000000000000000000" pitchFamily="2" charset="0"/>
                 <a:cs typeface="Times New Roman" panose="02020603050405020304" pitchFamily="18" charset="0"/>
               </a:rPr>
-              <a:t> 2.x </a:t>
+              <a:t> 1.4 </a:t>
             </a:r>
             <a:r>
               <a:rPr lang="zh-CN" altLang="en-US" sz="1400" dirty="0">
@@ -36442,7 +39074,7 @@
               </a:spcAft>
             </a:pPr>
             <a:r>
-              <a:rPr lang="zh-CN" altLang="en-US" sz="1400" dirty="0">
+              <a:rPr lang="en-US" altLang="zh-CN" sz="1400" dirty="0" err="1">
                 <a:solidFill>
                   <a:srgbClr val="747F83"/>
                 </a:solidFill>
@@ -36450,7 +39082,29 @@
                 <a:ea typeface="Roboto" panose="02000000000000000000" pitchFamily="2" charset="0"/>
                 <a:cs typeface="Times New Roman" panose="02020603050405020304" pitchFamily="18" charset="0"/>
               </a:rPr>
-              <a:t>并且，也将其内部的默认</a:t>
+              <a:t>Springboo</a:t>
+            </a:r>
+            <a:r>
+              <a:rPr lang="en-US" altLang="zh-CN" sz="1400" dirty="0">
+                <a:solidFill>
+                  <a:srgbClr val="747F83"/>
+                </a:solidFill>
+                <a:latin typeface="Roboto" panose="02000000000000000000" pitchFamily="2" charset="0"/>
+                <a:ea typeface="Roboto" panose="02000000000000000000" pitchFamily="2" charset="0"/>
+                <a:cs typeface="Times New Roman" panose="02020603050405020304" pitchFamily="18" charset="0"/>
+              </a:rPr>
+              <a:t> 2.x</a:t>
+            </a:r>
+            <a:r>
+              <a:rPr lang="zh-CN" altLang="en-US" sz="1400" dirty="0">
+                <a:solidFill>
+                  <a:srgbClr val="747F83"/>
+                </a:solidFill>
+                <a:latin typeface="Roboto" panose="02000000000000000000" pitchFamily="2" charset="0"/>
+                <a:ea typeface="Roboto" panose="02000000000000000000" pitchFamily="2" charset="0"/>
+                <a:cs typeface="Times New Roman" panose="02020603050405020304" pitchFamily="18" charset="0"/>
+              </a:rPr>
+              <a:t>，也将其内部的默认</a:t>
             </a:r>
             <a:r>
               <a:rPr lang="en-US" altLang="zh-CN" sz="1400" dirty="0">
@@ -38030,42 +40684,12 @@
           </a:p>
         </p:txBody>
       </p:sp>
-    </p:spTree>
-    <p:extLst>
-      <p:ext uri="{BB962C8B-B14F-4D97-AF65-F5344CB8AC3E}">
-        <p14:creationId xmlns:p14="http://schemas.microsoft.com/office/powerpoint/2010/main" val="2599873572"/>
-      </p:ext>
-    </p:extLst>
-  </p:cSld>
-  <p:clrMapOvr>
-    <a:masterClrMapping/>
-  </p:clrMapOvr>
-</p:sld>
-</file>
-
-<file path=ppt/slides/slide9.xml><?xml version="1.0" encoding="utf-8"?>
-<p:sld xmlns:a="http://schemas.openxmlformats.org/drawingml/2006/main" xmlns:r="http://schemas.openxmlformats.org/officeDocument/2006/relationships" xmlns:p="http://schemas.openxmlformats.org/presentationml/2006/main">
-  <p:cSld>
-    <p:spTree>
-      <p:nvGrpSpPr>
-        <p:cNvPr id="1" name=""/>
-        <p:cNvGrpSpPr/>
-        <p:nvPr/>
-      </p:nvGrpSpPr>
-      <p:grpSpPr>
-        <a:xfrm>
-          <a:off x="0" y="0"/>
-          <a:ext cx="0" cy="0"/>
-          <a:chOff x="0" y="0"/>
-          <a:chExt cx="0" cy="0"/>
-        </a:xfrm>
-      </p:grpSpPr>
       <p:sp>
         <p:nvSpPr>
-          <p:cNvPr id="2" name="Arrow: Pentagon 1">
-            <a:extLst>
-              <a:ext uri="{FF2B5EF4-FFF2-40B4-BE49-F238E27FC236}">
-                <a16:creationId xmlns:a16="http://schemas.microsoft.com/office/drawing/2014/main" id="{A887C8AB-ED58-41CA-82A1-7E11B08AB979}"/>
+          <p:cNvPr id="35" name="Rectangle 34">
+            <a:extLst>
+              <a:ext uri="{FF2B5EF4-FFF2-40B4-BE49-F238E27FC236}">
+                <a16:creationId xmlns:a16="http://schemas.microsoft.com/office/drawing/2014/main" id="{A6150D21-CE2D-4ACE-8596-34491DCDB0F2}"/>
               </a:ext>
             </a:extLst>
           </p:cNvPr>
@@ -38074,17 +40698,239 @@
         </p:nvSpPr>
         <p:spPr>
           <a:xfrm>
-            <a:off x="0" y="2380342"/>
-            <a:ext cx="4601029" cy="928914"/>
+            <a:off x="4640773" y="1398740"/>
+            <a:ext cx="2904972" cy="252633"/>
           </a:xfrm>
-          <a:prstGeom prst="homePlate">
+          <a:prstGeom prst="rect">
             <a:avLst/>
           </a:prstGeom>
-          <a:solidFill>
-            <a:srgbClr val="747F83"/>
-          </a:solidFill>
+        </p:spPr>
+        <p:txBody>
+          <a:bodyPr wrap="square">
+            <a:spAutoFit/>
+          </a:bodyPr>
+          <a:lstStyle/>
+          <a:p>
+            <a:pPr algn="just">
+              <a:lnSpc>
+                <a:spcPct val="107000"/>
+              </a:lnSpc>
+              <a:spcAft>
+                <a:spcPts val="800"/>
+              </a:spcAft>
+            </a:pPr>
+            <a:r>
+              <a:rPr lang="en-US" altLang="zh-CN" sz="1050" dirty="0" err="1">
+                <a:solidFill>
+                  <a:srgbClr val="747F83"/>
+                </a:solidFill>
+                <a:latin typeface="Roboto" panose="02000000000000000000" pitchFamily="2" charset="0"/>
+                <a:ea typeface="Roboto" panose="02000000000000000000" pitchFamily="2" charset="0"/>
+                <a:cs typeface="Times New Roman" panose="02020603050405020304" pitchFamily="18" charset="0"/>
+              </a:rPr>
+              <a:t>org.springframework.boot.spring</a:t>
+            </a:r>
+            <a:r>
+              <a:rPr lang="en-US" altLang="zh-CN" sz="1050" dirty="0">
+                <a:solidFill>
+                  <a:srgbClr val="747F83"/>
+                </a:solidFill>
+                <a:latin typeface="Roboto" panose="02000000000000000000" pitchFamily="2" charset="0"/>
+                <a:ea typeface="Roboto" panose="02000000000000000000" pitchFamily="2" charset="0"/>
+                <a:cs typeface="Times New Roman" panose="02020603050405020304" pitchFamily="18" charset="0"/>
+              </a:rPr>
+              <a:t>-boot-starter</a:t>
+            </a:r>
+          </a:p>
+        </p:txBody>
+      </p:sp>
+      <p:sp>
+        <p:nvSpPr>
+          <p:cNvPr id="36" name="Rectangle 35">
+            <a:extLst>
+              <a:ext uri="{FF2B5EF4-FFF2-40B4-BE49-F238E27FC236}">
+                <a16:creationId xmlns:a16="http://schemas.microsoft.com/office/drawing/2014/main" id="{EB947699-A827-4D4A-99D8-FA2D0EFC162B}"/>
+              </a:ext>
+            </a:extLst>
+          </p:cNvPr>
+          <p:cNvSpPr/>
+          <p:nvPr/>
+        </p:nvSpPr>
+        <p:spPr>
+          <a:xfrm>
+            <a:off x="4727521" y="1636289"/>
+            <a:ext cx="2818224" cy="252633"/>
+          </a:xfrm>
+          <a:prstGeom prst="rect">
+            <a:avLst/>
+          </a:prstGeom>
+        </p:spPr>
+        <p:txBody>
+          <a:bodyPr wrap="square">
+            <a:spAutoFit/>
+          </a:bodyPr>
+          <a:lstStyle/>
+          <a:p>
+            <a:pPr algn="just">
+              <a:lnSpc>
+                <a:spcPct val="107000"/>
+              </a:lnSpc>
+              <a:spcAft>
+                <a:spcPts val="800"/>
+              </a:spcAft>
+            </a:pPr>
+            <a:r>
+              <a:rPr lang="en-US" altLang="zh-CN" sz="1050" dirty="0" err="1">
+                <a:solidFill>
+                  <a:srgbClr val="747F83"/>
+                </a:solidFill>
+                <a:latin typeface="Roboto" panose="02000000000000000000" pitchFamily="2" charset="0"/>
+                <a:ea typeface="Roboto" panose="02000000000000000000" pitchFamily="2" charset="0"/>
+                <a:cs typeface="Times New Roman" panose="02020603050405020304" pitchFamily="18" charset="0"/>
+              </a:rPr>
+              <a:t>org.springframework.data.spring</a:t>
+            </a:r>
+            <a:r>
+              <a:rPr lang="en-US" altLang="zh-CN" sz="1050" dirty="0">
+                <a:solidFill>
+                  <a:srgbClr val="747F83"/>
+                </a:solidFill>
+                <a:latin typeface="Roboto" panose="02000000000000000000" pitchFamily="2" charset="0"/>
+                <a:ea typeface="Roboto" panose="02000000000000000000" pitchFamily="2" charset="0"/>
+                <a:cs typeface="Times New Roman" panose="02020603050405020304" pitchFamily="18" charset="0"/>
+              </a:rPr>
+              <a:t>-data-</a:t>
+            </a:r>
+            <a:r>
+              <a:rPr lang="en-US" altLang="zh-CN" sz="1050" dirty="0" err="1">
+                <a:solidFill>
+                  <a:srgbClr val="747F83"/>
+                </a:solidFill>
+                <a:latin typeface="Roboto" panose="02000000000000000000" pitchFamily="2" charset="0"/>
+                <a:ea typeface="Roboto" panose="02000000000000000000" pitchFamily="2" charset="0"/>
+                <a:cs typeface="Times New Roman" panose="02020603050405020304" pitchFamily="18" charset="0"/>
+              </a:rPr>
+              <a:t>redis</a:t>
+            </a:r>
+            <a:endParaRPr lang="en-US" altLang="zh-CN" sz="1050" dirty="0">
+              <a:solidFill>
+                <a:srgbClr val="747F83"/>
+              </a:solidFill>
+              <a:latin typeface="Roboto" panose="02000000000000000000" pitchFamily="2" charset="0"/>
+              <a:ea typeface="Roboto" panose="02000000000000000000" pitchFamily="2" charset="0"/>
+              <a:cs typeface="Times New Roman" panose="02020603050405020304" pitchFamily="18" charset="0"/>
+            </a:endParaRPr>
+          </a:p>
+        </p:txBody>
+      </p:sp>
+      <p:sp>
+        <p:nvSpPr>
+          <p:cNvPr id="37" name="Rectangle 36">
+            <a:extLst>
+              <a:ext uri="{FF2B5EF4-FFF2-40B4-BE49-F238E27FC236}">
+                <a16:creationId xmlns:a16="http://schemas.microsoft.com/office/drawing/2014/main" id="{B00F55FB-BEFB-42C5-B532-B268E84FE2F6}"/>
+              </a:ext>
+            </a:extLst>
+          </p:cNvPr>
+          <p:cNvSpPr/>
+          <p:nvPr/>
+        </p:nvSpPr>
+        <p:spPr>
+          <a:xfrm>
+            <a:off x="4678005" y="1914501"/>
+            <a:ext cx="2818224" cy="252633"/>
+          </a:xfrm>
+          <a:prstGeom prst="rect">
+            <a:avLst/>
+          </a:prstGeom>
+        </p:spPr>
+        <p:txBody>
+          <a:bodyPr wrap="square">
+            <a:spAutoFit/>
+          </a:bodyPr>
+          <a:lstStyle/>
+          <a:p>
+            <a:pPr algn="just">
+              <a:lnSpc>
+                <a:spcPct val="107000"/>
+              </a:lnSpc>
+              <a:spcAft>
+                <a:spcPts val="800"/>
+              </a:spcAft>
+            </a:pPr>
+            <a:r>
+              <a:rPr lang="en-US" altLang="zh-CN" sz="1050" dirty="0" err="1">
+                <a:solidFill>
+                  <a:srgbClr val="747F83"/>
+                </a:solidFill>
+                <a:latin typeface="Roboto" panose="02000000000000000000" pitchFamily="2" charset="0"/>
+                <a:ea typeface="Roboto" panose="02000000000000000000" pitchFamily="2" charset="0"/>
+                <a:cs typeface="Times New Roman" panose="02020603050405020304" pitchFamily="18" charset="0"/>
+              </a:rPr>
+              <a:t>redis.clients.jedis</a:t>
+            </a:r>
+            <a:r>
+              <a:rPr lang="en-US" altLang="zh-CN" sz="1050" dirty="0">
+                <a:solidFill>
+                  <a:srgbClr val="747F83"/>
+                </a:solidFill>
+                <a:latin typeface="Roboto" panose="02000000000000000000" pitchFamily="2" charset="0"/>
+                <a:ea typeface="Roboto" panose="02000000000000000000" pitchFamily="2" charset="0"/>
+                <a:cs typeface="Times New Roman" panose="02020603050405020304" pitchFamily="18" charset="0"/>
+              </a:rPr>
+              <a:t> / </a:t>
+            </a:r>
+            <a:r>
+              <a:rPr lang="en-US" altLang="zh-CN" sz="1050" dirty="0" err="1">
+                <a:solidFill>
+                  <a:srgbClr val="747F83"/>
+                </a:solidFill>
+                <a:latin typeface="Roboto" panose="02000000000000000000" pitchFamily="2" charset="0"/>
+                <a:ea typeface="Roboto" panose="02000000000000000000" pitchFamily="2" charset="0"/>
+                <a:cs typeface="Times New Roman" panose="02020603050405020304" pitchFamily="18" charset="0"/>
+              </a:rPr>
+              <a:t>io.lettuce.lettuce</a:t>
+            </a:r>
+            <a:r>
+              <a:rPr lang="en-US" altLang="zh-CN" sz="1050" dirty="0">
+                <a:solidFill>
+                  <a:srgbClr val="747F83"/>
+                </a:solidFill>
+                <a:latin typeface="Roboto" panose="02000000000000000000" pitchFamily="2" charset="0"/>
+                <a:ea typeface="Roboto" panose="02000000000000000000" pitchFamily="2" charset="0"/>
+                <a:cs typeface="Times New Roman" panose="02020603050405020304" pitchFamily="18" charset="0"/>
+              </a:rPr>
+              <a:t>-core</a:t>
+            </a:r>
+          </a:p>
+        </p:txBody>
+      </p:sp>
+      <p:sp>
+        <p:nvSpPr>
+          <p:cNvPr id="38" name="Rectangle: Rounded Corners 37">
+            <a:extLst>
+              <a:ext uri="{FF2B5EF4-FFF2-40B4-BE49-F238E27FC236}">
+                <a16:creationId xmlns:a16="http://schemas.microsoft.com/office/drawing/2014/main" id="{3AB758E5-A85B-4A6A-839B-A37301D4479E}"/>
+              </a:ext>
+            </a:extLst>
+          </p:cNvPr>
+          <p:cNvSpPr/>
+          <p:nvPr/>
+        </p:nvSpPr>
+        <p:spPr>
+          <a:xfrm>
+            <a:off x="4668264" y="1373300"/>
+            <a:ext cx="2827965" cy="830995"/>
+          </a:xfrm>
+          <a:prstGeom prst="roundRect">
+            <a:avLst/>
+          </a:prstGeom>
+          <a:noFill/>
           <a:ln>
-            <a:noFill/>
+            <a:solidFill>
+              <a:srgbClr val="949494"/>
+            </a:solidFill>
+            <a:prstDash val="dash"/>
           </a:ln>
         </p:spPr>
         <p:style>
@@ -38108,283 +40954,38 @@
           <a:lstStyle/>
           <a:p>
             <a:pPr algn="ctr"/>
-            <a:endParaRPr lang="en-US"/>
-          </a:p>
-        </p:txBody>
-      </p:sp>
-      <p:sp>
-        <p:nvSpPr>
-          <p:cNvPr id="3" name="Arrow: Pentagon 2">
-            <a:extLst>
-              <a:ext uri="{FF2B5EF4-FFF2-40B4-BE49-F238E27FC236}">
-                <a16:creationId xmlns:a16="http://schemas.microsoft.com/office/drawing/2014/main" id="{0A585EC1-6695-4E14-AE23-26214ECD367E}"/>
-              </a:ext>
-            </a:extLst>
-          </p:cNvPr>
-          <p:cNvSpPr/>
-          <p:nvPr/>
-        </p:nvSpPr>
-        <p:spPr>
-          <a:xfrm>
-            <a:off x="0" y="3367312"/>
-            <a:ext cx="5268686" cy="928914"/>
-          </a:xfrm>
-          <a:prstGeom prst="homePlate">
-            <a:avLst/>
-          </a:prstGeom>
-          <a:solidFill>
-            <a:srgbClr val="949494"/>
-          </a:solidFill>
-          <a:ln>
-            <a:noFill/>
-          </a:ln>
-        </p:spPr>
-        <p:style>
-          <a:lnRef idx="2">
-            <a:schemeClr val="accent1">
-              <a:shade val="50000"/>
-            </a:schemeClr>
-          </a:lnRef>
-          <a:fillRef idx="1">
-            <a:schemeClr val="accent1"/>
-          </a:fillRef>
-          <a:effectRef idx="0">
-            <a:schemeClr val="accent1"/>
-          </a:effectRef>
-          <a:fontRef idx="minor">
-            <a:schemeClr val="lt1"/>
-          </a:fontRef>
-        </p:style>
-        <p:txBody>
-          <a:bodyPr rtlCol="0" anchor="ctr"/>
-          <a:lstStyle/>
-          <a:p>
-            <a:pPr algn="ctr"/>
-            <a:endParaRPr lang="en-US"/>
-          </a:p>
-        </p:txBody>
-      </p:sp>
-      <p:pic>
-        <p:nvPicPr>
-          <p:cNvPr id="5" name="Graphic 4" descr="Bullseye">
-            <a:extLst>
-              <a:ext uri="{FF2B5EF4-FFF2-40B4-BE49-F238E27FC236}">
-                <a16:creationId xmlns:a16="http://schemas.microsoft.com/office/drawing/2014/main" id="{BA3FDB71-9471-4D03-83FA-9D0752C87B1D}"/>
-              </a:ext>
-            </a:extLst>
-          </p:cNvPr>
-          <p:cNvPicPr>
-            <a:picLocks noChangeAspect="1"/>
-          </p:cNvPicPr>
-          <p:nvPr/>
-        </p:nvPicPr>
-        <p:blipFill>
-          <a:blip r:embed="rId2">
-            <a:extLst>
-              <a:ext uri="{28A0092B-C50C-407E-A947-70E740481C1C}">
-                <a14:useLocalDpi xmlns:a14="http://schemas.microsoft.com/office/drawing/2010/main" val="0"/>
-              </a:ext>
-              <a:ext uri="{96DAC541-7B7A-43D3-8B79-37D633B846F1}">
-                <asvg:svgBlip xmlns:asvg="http://schemas.microsoft.com/office/drawing/2016/SVG/main" r:embed="rId3"/>
-              </a:ext>
-            </a:extLst>
-          </a:blip>
-          <a:stretch>
-            <a:fillRect/>
-          </a:stretch>
-        </p:blipFill>
-        <p:spPr>
-          <a:xfrm>
-            <a:off x="151739" y="2556545"/>
-            <a:ext cx="630934" cy="630934"/>
-          </a:xfrm>
-          <a:prstGeom prst="rect">
-            <a:avLst/>
-          </a:prstGeom>
-        </p:spPr>
-      </p:pic>
-      <p:pic>
-        <p:nvPicPr>
-          <p:cNvPr id="7" name="Graphic 6" descr="Money">
-            <a:extLst>
-              <a:ext uri="{FF2B5EF4-FFF2-40B4-BE49-F238E27FC236}">
-                <a16:creationId xmlns:a16="http://schemas.microsoft.com/office/drawing/2014/main" id="{DC5C7688-C4AE-4EE7-A84E-22AC3037BFF1}"/>
-              </a:ext>
-            </a:extLst>
-          </p:cNvPr>
-          <p:cNvPicPr>
-            <a:picLocks noChangeAspect="1"/>
-          </p:cNvPicPr>
-          <p:nvPr/>
-        </p:nvPicPr>
-        <p:blipFill>
-          <a:blip r:embed="rId4">
-            <a:extLst>
-              <a:ext uri="{28A0092B-C50C-407E-A947-70E740481C1C}">
-                <a14:useLocalDpi xmlns:a14="http://schemas.microsoft.com/office/drawing/2010/main" val="0"/>
-              </a:ext>
-              <a:ext uri="{96DAC541-7B7A-43D3-8B79-37D633B846F1}">
-                <asvg:svgBlip xmlns:asvg="http://schemas.microsoft.com/office/drawing/2016/SVG/main" r:embed="rId5"/>
-              </a:ext>
-            </a:extLst>
-          </a:blip>
-          <a:stretch>
-            <a:fillRect/>
-          </a:stretch>
-        </p:blipFill>
-        <p:spPr>
-          <a:xfrm>
-            <a:off x="151739" y="3526676"/>
-            <a:ext cx="630934" cy="630934"/>
-          </a:xfrm>
-          <a:prstGeom prst="rect">
-            <a:avLst/>
-          </a:prstGeom>
-        </p:spPr>
-      </p:pic>
-      <p:sp>
-        <p:nvSpPr>
-          <p:cNvPr id="8" name="Rectangle 7">
-            <a:extLst>
-              <a:ext uri="{FF2B5EF4-FFF2-40B4-BE49-F238E27FC236}">
-                <a16:creationId xmlns:a16="http://schemas.microsoft.com/office/drawing/2014/main" id="{66CBD1F4-8412-4A0A-9105-21F6E6BDD263}"/>
-              </a:ext>
-            </a:extLst>
-          </p:cNvPr>
-          <p:cNvSpPr/>
-          <p:nvPr/>
-        </p:nvSpPr>
-        <p:spPr>
-          <a:xfrm>
-            <a:off x="1177827" y="3635112"/>
-            <a:ext cx="3210406" cy="372346"/>
-          </a:xfrm>
-          <a:prstGeom prst="rect">
-            <a:avLst/>
-          </a:prstGeom>
-        </p:spPr>
-        <p:txBody>
-          <a:bodyPr wrap="square">
-            <a:spAutoFit/>
-          </a:bodyPr>
-          <a:lstStyle/>
-          <a:p>
-            <a:pPr algn="ctr">
-              <a:lnSpc>
-                <a:spcPct val="107000"/>
-              </a:lnSpc>
-              <a:spcAft>
-                <a:spcPts val="800"/>
-              </a:spcAft>
-            </a:pPr>
-            <a:r>
-              <a:rPr lang="en-US" altLang="zh-CN" dirty="0">
-                <a:solidFill>
-                  <a:schemeClr val="bg1"/>
-                </a:solidFill>
-                <a:latin typeface="Roboto" panose="02000000000000000000" pitchFamily="2" charset="0"/>
-                <a:ea typeface="Roboto" panose="02000000000000000000" pitchFamily="2" charset="0"/>
-                <a:cs typeface="Times New Roman" panose="02020603050405020304" pitchFamily="18" charset="0"/>
-              </a:rPr>
-              <a:t>spring-boot-starter-data-</a:t>
-            </a:r>
-            <a:r>
-              <a:rPr lang="en-US" altLang="zh-CN" dirty="0" err="1">
-                <a:solidFill>
-                  <a:schemeClr val="bg1"/>
-                </a:solidFill>
-                <a:latin typeface="Roboto" panose="02000000000000000000" pitchFamily="2" charset="0"/>
-                <a:ea typeface="Roboto" panose="02000000000000000000" pitchFamily="2" charset="0"/>
-                <a:cs typeface="Times New Roman" panose="02020603050405020304" pitchFamily="18" charset="0"/>
-              </a:rPr>
-              <a:t>redis</a:t>
-            </a:r>
-            <a:endParaRPr lang="en-US" dirty="0">
-              <a:solidFill>
-                <a:schemeClr val="bg1"/>
-              </a:solidFill>
-              <a:latin typeface="Roboto" panose="02000000000000000000" pitchFamily="2" charset="0"/>
-              <a:ea typeface="Roboto" panose="02000000000000000000" pitchFamily="2" charset="0"/>
-              <a:cs typeface="Times New Roman" panose="02020603050405020304" pitchFamily="18" charset="0"/>
-            </a:endParaRPr>
-          </a:p>
-        </p:txBody>
-      </p:sp>
-      <p:sp>
-        <p:nvSpPr>
-          <p:cNvPr id="11" name="TextBox 10">
-            <a:extLst>
-              <a:ext uri="{FF2B5EF4-FFF2-40B4-BE49-F238E27FC236}">
-                <a16:creationId xmlns:a16="http://schemas.microsoft.com/office/drawing/2014/main" id="{BD27E0AD-8F02-4B9E-ABBD-29BAC24D6AF2}"/>
-              </a:ext>
-            </a:extLst>
-          </p:cNvPr>
-          <p:cNvSpPr txBox="1"/>
-          <p:nvPr/>
-        </p:nvSpPr>
-        <p:spPr>
-          <a:xfrm>
-            <a:off x="3575600" y="0"/>
-            <a:ext cx="4483786" cy="830997"/>
-          </a:xfrm>
-          <a:prstGeom prst="rect">
-            <a:avLst/>
-          </a:prstGeom>
-          <a:noFill/>
-        </p:spPr>
-        <p:txBody>
-          <a:bodyPr wrap="square" rtlCol="0">
-            <a:spAutoFit/>
-          </a:bodyPr>
-          <a:lstStyle/>
-          <a:p>
-            <a:pPr algn="ctr"/>
-            <a:r>
-              <a:rPr lang="zh-CN" altLang="en-US" sz="4800" dirty="0">
-                <a:solidFill>
-                  <a:srgbClr val="747F83"/>
-                </a:solidFill>
-                <a:latin typeface="Roboto Medium" panose="02000000000000000000" pitchFamily="2" charset="0"/>
-                <a:ea typeface="Roboto Medium" panose="02000000000000000000" pitchFamily="2" charset="0"/>
-              </a:rPr>
-              <a:t>基础整合</a:t>
-            </a:r>
-            <a:endParaRPr lang="en-US" sz="4800" dirty="0">
-              <a:solidFill>
-                <a:srgbClr val="747F83"/>
-              </a:solidFill>
-              <a:latin typeface="Roboto Medium" panose="02000000000000000000" pitchFamily="2" charset="0"/>
-              <a:ea typeface="Roboto Medium" panose="02000000000000000000" pitchFamily="2" charset="0"/>
-            </a:endParaRPr>
+            <a:endParaRPr lang="en-US" dirty="0"/>
           </a:p>
         </p:txBody>
       </p:sp>
       <p:cxnSp>
         <p:nvCxnSpPr>
-          <p:cNvPr id="12" name="Straight Connector 11">
-            <a:extLst>
-              <a:ext uri="{FF2B5EF4-FFF2-40B4-BE49-F238E27FC236}">
-                <a16:creationId xmlns:a16="http://schemas.microsoft.com/office/drawing/2014/main" id="{857195B2-9DBA-44B2-A489-436A38773E9B}"/>
-              </a:ext>
-            </a:extLst>
-          </p:cNvPr>
-          <p:cNvCxnSpPr>
-            <a:cxnSpLocks/>
-          </p:cNvCxnSpPr>
+          <p:cNvPr id="3" name="Straight Arrow Connector 2">
+            <a:extLst>
+              <a:ext uri="{FF2B5EF4-FFF2-40B4-BE49-F238E27FC236}">
+                <a16:creationId xmlns:a16="http://schemas.microsoft.com/office/drawing/2014/main" id="{C47F2B4E-6918-458F-B123-07C4953DC9A5}"/>
+              </a:ext>
+            </a:extLst>
+          </p:cNvPr>
+          <p:cNvCxnSpPr/>
           <p:nvPr/>
         </p:nvCxnSpPr>
         <p:spPr>
-          <a:xfrm>
-            <a:off x="3699961" y="951039"/>
-            <a:ext cx="4235064" cy="0"/>
+          <a:xfrm flipV="1">
+            <a:off x="4051883" y="1747515"/>
+            <a:ext cx="528506" cy="600888"/>
           </a:xfrm>
-          <a:prstGeom prst="line">
+          <a:prstGeom prst="straightConnector1">
             <a:avLst/>
           </a:prstGeom>
-          <a:ln w="38100">
+          <a:ln>
             <a:solidFill>
-              <a:srgbClr val="747F83"/>
+              <a:schemeClr val="tx1">
+                <a:lumMod val="50000"/>
+                <a:lumOff val="50000"/>
+              </a:schemeClr>
             </a:solidFill>
+            <a:tailEnd type="triangle"/>
           </a:ln>
         </p:spPr>
         <p:style>
@@ -38402,516 +41003,19 @@
           </a:fontRef>
         </p:style>
       </p:cxnSp>
-      <p:sp>
-        <p:nvSpPr>
-          <p:cNvPr id="14" name="Subtitle 2">
-            <a:extLst>
-              <a:ext uri="{FF2B5EF4-FFF2-40B4-BE49-F238E27FC236}">
-                <a16:creationId xmlns:a16="http://schemas.microsoft.com/office/drawing/2014/main" id="{A0322042-169C-4684-B2CF-0BF56144951E}"/>
-              </a:ext>
-            </a:extLst>
-          </p:cNvPr>
-          <p:cNvSpPr txBox="1">
-            <a:spLocks/>
-          </p:cNvSpPr>
-          <p:nvPr/>
-        </p:nvSpPr>
-        <p:spPr>
-          <a:xfrm>
-            <a:off x="0" y="1893583"/>
-            <a:ext cx="2355654" cy="347617"/>
-          </a:xfrm>
-          <a:prstGeom prst="rect">
-            <a:avLst/>
-          </a:prstGeom>
-        </p:spPr>
-        <p:txBody>
-          <a:bodyPr vert="horz" lIns="91440" tIns="45720" rIns="91440" bIns="45720" rtlCol="0">
-            <a:noAutofit/>
-          </a:bodyPr>
-          <a:lstStyle>
-            <a:lvl1pPr marL="0" indent="0" algn="ctr" defTabSz="914400" rtl="0" eaLnBrk="1" latinLnBrk="0" hangingPunct="1">
-              <a:lnSpc>
-                <a:spcPct val="90000"/>
-              </a:lnSpc>
-              <a:spcBef>
-                <a:spcPts val="1000"/>
-              </a:spcBef>
-              <a:buFont typeface="Arial" panose="020B0604020202020204" pitchFamily="34" charset="0"/>
-              <a:buNone/>
-              <a:defRPr sz="2400" kern="1200">
-                <a:solidFill>
-                  <a:schemeClr val="tx1"/>
-                </a:solidFill>
-                <a:latin typeface="+mn-lt"/>
-                <a:ea typeface="+mn-ea"/>
-                <a:cs typeface="+mn-cs"/>
-              </a:defRPr>
-            </a:lvl1pPr>
-            <a:lvl2pPr marL="457200" indent="0" algn="ctr" defTabSz="914400" rtl="0" eaLnBrk="1" latinLnBrk="0" hangingPunct="1">
-              <a:lnSpc>
-                <a:spcPct val="90000"/>
-              </a:lnSpc>
-              <a:spcBef>
-                <a:spcPts val="500"/>
-              </a:spcBef>
-              <a:buFont typeface="Arial" panose="020B0604020202020204" pitchFamily="34" charset="0"/>
-              <a:buNone/>
-              <a:defRPr sz="2000" kern="1200">
-                <a:solidFill>
-                  <a:schemeClr val="tx1"/>
-                </a:solidFill>
-                <a:latin typeface="+mn-lt"/>
-                <a:ea typeface="+mn-ea"/>
-                <a:cs typeface="+mn-cs"/>
-              </a:defRPr>
-            </a:lvl2pPr>
-            <a:lvl3pPr marL="914400" indent="0" algn="ctr" defTabSz="914400" rtl="0" eaLnBrk="1" latinLnBrk="0" hangingPunct="1">
-              <a:lnSpc>
-                <a:spcPct val="90000"/>
-              </a:lnSpc>
-              <a:spcBef>
-                <a:spcPts val="500"/>
-              </a:spcBef>
-              <a:buFont typeface="Arial" panose="020B0604020202020204" pitchFamily="34" charset="0"/>
-              <a:buNone/>
-              <a:defRPr sz="1800" kern="1200">
-                <a:solidFill>
-                  <a:schemeClr val="tx1"/>
-                </a:solidFill>
-                <a:latin typeface="+mn-lt"/>
-                <a:ea typeface="+mn-ea"/>
-                <a:cs typeface="+mn-cs"/>
-              </a:defRPr>
-            </a:lvl3pPr>
-            <a:lvl4pPr marL="1371600" indent="0" algn="ctr" defTabSz="914400" rtl="0" eaLnBrk="1" latinLnBrk="0" hangingPunct="1">
-              <a:lnSpc>
-                <a:spcPct val="90000"/>
-              </a:lnSpc>
-              <a:spcBef>
-                <a:spcPts val="500"/>
-              </a:spcBef>
-              <a:buFont typeface="Arial" panose="020B0604020202020204" pitchFamily="34" charset="0"/>
-              <a:buNone/>
-              <a:defRPr sz="1600" kern="1200">
-                <a:solidFill>
-                  <a:schemeClr val="tx1"/>
-                </a:solidFill>
-                <a:latin typeface="+mn-lt"/>
-                <a:ea typeface="+mn-ea"/>
-                <a:cs typeface="+mn-cs"/>
-              </a:defRPr>
-            </a:lvl4pPr>
-            <a:lvl5pPr marL="1828800" indent="0" algn="ctr" defTabSz="914400" rtl="0" eaLnBrk="1" latinLnBrk="0" hangingPunct="1">
-              <a:lnSpc>
-                <a:spcPct val="90000"/>
-              </a:lnSpc>
-              <a:spcBef>
-                <a:spcPts val="500"/>
-              </a:spcBef>
-              <a:buFont typeface="Arial" panose="020B0604020202020204" pitchFamily="34" charset="0"/>
-              <a:buNone/>
-              <a:defRPr sz="1600" kern="1200">
-                <a:solidFill>
-                  <a:schemeClr val="tx1"/>
-                </a:solidFill>
-                <a:latin typeface="+mn-lt"/>
-                <a:ea typeface="+mn-ea"/>
-                <a:cs typeface="+mn-cs"/>
-              </a:defRPr>
-            </a:lvl5pPr>
-            <a:lvl6pPr marL="2286000" indent="0" algn="ctr" defTabSz="914400" rtl="0" eaLnBrk="1" latinLnBrk="0" hangingPunct="1">
-              <a:lnSpc>
-                <a:spcPct val="90000"/>
-              </a:lnSpc>
-              <a:spcBef>
-                <a:spcPts val="500"/>
-              </a:spcBef>
-              <a:buFont typeface="Arial" panose="020B0604020202020204" pitchFamily="34" charset="0"/>
-              <a:buNone/>
-              <a:defRPr sz="1600" kern="1200">
-                <a:solidFill>
-                  <a:schemeClr val="tx1"/>
-                </a:solidFill>
-                <a:latin typeface="+mn-lt"/>
-                <a:ea typeface="+mn-ea"/>
-                <a:cs typeface="+mn-cs"/>
-              </a:defRPr>
-            </a:lvl6pPr>
-            <a:lvl7pPr marL="2743200" indent="0" algn="ctr" defTabSz="914400" rtl="0" eaLnBrk="1" latinLnBrk="0" hangingPunct="1">
-              <a:lnSpc>
-                <a:spcPct val="90000"/>
-              </a:lnSpc>
-              <a:spcBef>
-                <a:spcPts val="500"/>
-              </a:spcBef>
-              <a:buFont typeface="Arial" panose="020B0604020202020204" pitchFamily="34" charset="0"/>
-              <a:buNone/>
-              <a:defRPr sz="1600" kern="1200">
-                <a:solidFill>
-                  <a:schemeClr val="tx1"/>
-                </a:solidFill>
-                <a:latin typeface="+mn-lt"/>
-                <a:ea typeface="+mn-ea"/>
-                <a:cs typeface="+mn-cs"/>
-              </a:defRPr>
-            </a:lvl7pPr>
-            <a:lvl8pPr marL="3200400" indent="0" algn="ctr" defTabSz="914400" rtl="0" eaLnBrk="1" latinLnBrk="0" hangingPunct="1">
-              <a:lnSpc>
-                <a:spcPct val="90000"/>
-              </a:lnSpc>
-              <a:spcBef>
-                <a:spcPts val="500"/>
-              </a:spcBef>
-              <a:buFont typeface="Arial" panose="020B0604020202020204" pitchFamily="34" charset="0"/>
-              <a:buNone/>
-              <a:defRPr sz="1600" kern="1200">
-                <a:solidFill>
-                  <a:schemeClr val="tx1"/>
-                </a:solidFill>
-                <a:latin typeface="+mn-lt"/>
-                <a:ea typeface="+mn-ea"/>
-                <a:cs typeface="+mn-cs"/>
-              </a:defRPr>
-            </a:lvl8pPr>
-            <a:lvl9pPr marL="3657600" indent="0" algn="ctr" defTabSz="914400" rtl="0" eaLnBrk="1" latinLnBrk="0" hangingPunct="1">
-              <a:lnSpc>
-                <a:spcPct val="90000"/>
-              </a:lnSpc>
-              <a:spcBef>
-                <a:spcPts val="500"/>
-              </a:spcBef>
-              <a:buFont typeface="Arial" panose="020B0604020202020204" pitchFamily="34" charset="0"/>
-              <a:buNone/>
-              <a:defRPr sz="1600" kern="1200">
-                <a:solidFill>
-                  <a:schemeClr val="tx1"/>
-                </a:solidFill>
-                <a:latin typeface="+mn-lt"/>
-                <a:ea typeface="+mn-ea"/>
-                <a:cs typeface="+mn-cs"/>
-              </a:defRPr>
-            </a:lvl9pPr>
-          </a:lstStyle>
-          <a:p>
-            <a:pPr algn="l"/>
-            <a:r>
-              <a:rPr lang="zh-CN" altLang="en-US" b="1" dirty="0">
-                <a:solidFill>
-                  <a:srgbClr val="747F83"/>
-                </a:solidFill>
-                <a:latin typeface="Roboto Medium" panose="02000000000000000000" pitchFamily="2" charset="0"/>
-                <a:ea typeface="Roboto Medium" panose="02000000000000000000" pitchFamily="2" charset="0"/>
-              </a:rPr>
-              <a:t>基础库：</a:t>
-            </a:r>
-            <a:endParaRPr lang="en-US" b="1" dirty="0">
-              <a:solidFill>
-                <a:srgbClr val="747F83"/>
-              </a:solidFill>
-              <a:latin typeface="Roboto Medium" panose="02000000000000000000" pitchFamily="2" charset="0"/>
-              <a:ea typeface="Roboto Medium" panose="02000000000000000000" pitchFamily="2" charset="0"/>
-            </a:endParaRPr>
-          </a:p>
-        </p:txBody>
-      </p:sp>
-      <p:sp>
-        <p:nvSpPr>
-          <p:cNvPr id="17" name="Rectangle 16">
-            <a:extLst>
-              <a:ext uri="{FF2B5EF4-FFF2-40B4-BE49-F238E27FC236}">
-                <a16:creationId xmlns:a16="http://schemas.microsoft.com/office/drawing/2014/main" id="{51EE87E0-4F6C-4CA0-8B66-1C50D9856C0A}"/>
-              </a:ext>
-            </a:extLst>
-          </p:cNvPr>
-          <p:cNvSpPr/>
-          <p:nvPr/>
-        </p:nvSpPr>
-        <p:spPr>
-          <a:xfrm>
-            <a:off x="920586" y="2658626"/>
-            <a:ext cx="3210406" cy="372346"/>
-          </a:xfrm>
-          <a:prstGeom prst="rect">
-            <a:avLst/>
-          </a:prstGeom>
-        </p:spPr>
-        <p:txBody>
-          <a:bodyPr wrap="square">
-            <a:spAutoFit/>
-          </a:bodyPr>
-          <a:lstStyle/>
-          <a:p>
-            <a:pPr algn="ctr">
-              <a:lnSpc>
-                <a:spcPct val="107000"/>
-              </a:lnSpc>
-              <a:spcAft>
-                <a:spcPts val="800"/>
-              </a:spcAft>
-            </a:pPr>
-            <a:r>
-              <a:rPr lang="en-US" altLang="zh-CN" dirty="0">
-                <a:solidFill>
-                  <a:schemeClr val="bg1"/>
-                </a:solidFill>
-                <a:latin typeface="Roboto" panose="02000000000000000000" pitchFamily="2" charset="0"/>
-                <a:ea typeface="Roboto" panose="02000000000000000000" pitchFamily="2" charset="0"/>
-                <a:cs typeface="Times New Roman" panose="02020603050405020304" pitchFamily="18" charset="0"/>
-              </a:rPr>
-              <a:t>redis.clients:jedis:2.9.0</a:t>
-            </a:r>
-            <a:endParaRPr lang="en-US" dirty="0">
-              <a:solidFill>
-                <a:schemeClr val="bg1"/>
-              </a:solidFill>
-              <a:latin typeface="Roboto" panose="02000000000000000000" pitchFamily="2" charset="0"/>
-              <a:ea typeface="Roboto" panose="02000000000000000000" pitchFamily="2" charset="0"/>
-              <a:cs typeface="Times New Roman" panose="02020603050405020304" pitchFamily="18" charset="0"/>
-            </a:endParaRPr>
-          </a:p>
-        </p:txBody>
-      </p:sp>
-      <p:pic>
-        <p:nvPicPr>
-          <p:cNvPr id="21" name="Picture 20">
-            <a:extLst>
-              <a:ext uri="{FF2B5EF4-FFF2-40B4-BE49-F238E27FC236}">
-                <a16:creationId xmlns:a16="http://schemas.microsoft.com/office/drawing/2014/main" id="{9B518DA0-8919-4A0B-996D-423697CA49E1}"/>
-              </a:ext>
-            </a:extLst>
-          </p:cNvPr>
-          <p:cNvPicPr>
-            <a:picLocks noChangeAspect="1"/>
-          </p:cNvPicPr>
-          <p:nvPr/>
-        </p:nvPicPr>
-        <p:blipFill>
-          <a:blip r:embed="rId6">
-            <a:extLst>
-              <a:ext uri="{28A0092B-C50C-407E-A947-70E740481C1C}">
-                <a14:useLocalDpi xmlns:a14="http://schemas.microsoft.com/office/drawing/2010/main" val="0"/>
-              </a:ext>
-            </a:extLst>
-          </a:blip>
-          <a:stretch>
-            <a:fillRect/>
-          </a:stretch>
-        </p:blipFill>
-        <p:spPr>
-          <a:xfrm>
-            <a:off x="6096000" y="1621191"/>
-            <a:ext cx="4343392" cy="2074869"/>
-          </a:xfrm>
-          <a:prstGeom prst="rect">
-            <a:avLst/>
-          </a:prstGeom>
-        </p:spPr>
-      </p:pic>
-      <p:grpSp>
-        <p:nvGrpSpPr>
-          <p:cNvPr id="25" name="Group 24">
-            <a:extLst>
-              <a:ext uri="{FF2B5EF4-FFF2-40B4-BE49-F238E27FC236}">
-                <a16:creationId xmlns:a16="http://schemas.microsoft.com/office/drawing/2014/main" id="{695A0379-7F4C-47C0-BEB1-65C5B0FE9745}"/>
-              </a:ext>
-            </a:extLst>
-          </p:cNvPr>
-          <p:cNvGrpSpPr/>
-          <p:nvPr/>
-        </p:nvGrpSpPr>
-        <p:grpSpPr>
-          <a:xfrm>
-            <a:off x="2651519" y="1639935"/>
-            <a:ext cx="9052690" cy="4267026"/>
-            <a:chOff x="2723342" y="1754356"/>
-            <a:chExt cx="9052690" cy="4267026"/>
-          </a:xfrm>
-        </p:grpSpPr>
-        <p:pic>
-          <p:nvPicPr>
-            <p:cNvPr id="22" name="Picture 21">
-              <a:extLst>
-                <a:ext uri="{FF2B5EF4-FFF2-40B4-BE49-F238E27FC236}">
-                  <a16:creationId xmlns:a16="http://schemas.microsoft.com/office/drawing/2014/main" id="{CBDAAF35-04F0-4732-A814-9AED01901A37}"/>
-                </a:ext>
-              </a:extLst>
-            </p:cNvPr>
-            <p:cNvPicPr>
-              <a:picLocks noChangeAspect="1"/>
-            </p:cNvPicPr>
-            <p:nvPr/>
-          </p:nvPicPr>
-          <p:blipFill>
-            <a:blip r:embed="rId7"/>
-            <a:stretch>
-              <a:fillRect/>
-            </a:stretch>
-          </p:blipFill>
-          <p:spPr>
-            <a:xfrm>
-              <a:off x="2723342" y="4157610"/>
-              <a:ext cx="3552825" cy="1857375"/>
-            </a:xfrm>
-            <a:prstGeom prst="rect">
-              <a:avLst/>
-            </a:prstGeom>
-          </p:spPr>
-        </p:pic>
-        <p:pic>
-          <p:nvPicPr>
-            <p:cNvPr id="23" name="Picture 22">
-              <a:extLst>
-                <a:ext uri="{FF2B5EF4-FFF2-40B4-BE49-F238E27FC236}">
-                  <a16:creationId xmlns:a16="http://schemas.microsoft.com/office/drawing/2014/main" id="{4A062AFC-33B4-4012-A9DC-78C1607236D2}"/>
-                </a:ext>
-              </a:extLst>
-            </p:cNvPr>
-            <p:cNvPicPr>
-              <a:picLocks noChangeAspect="1"/>
-            </p:cNvPicPr>
-            <p:nvPr/>
-          </p:nvPicPr>
-          <p:blipFill>
-            <a:blip r:embed="rId8"/>
-            <a:stretch>
-              <a:fillRect/>
-            </a:stretch>
-          </p:blipFill>
-          <p:spPr>
-            <a:xfrm>
-              <a:off x="6288680" y="1754356"/>
-              <a:ext cx="4371975" cy="1057275"/>
-            </a:xfrm>
-            <a:prstGeom prst="rect">
-              <a:avLst/>
-            </a:prstGeom>
-          </p:spPr>
-        </p:pic>
-        <p:pic>
-          <p:nvPicPr>
-            <p:cNvPr id="24" name="Picture 23">
-              <a:extLst>
-                <a:ext uri="{FF2B5EF4-FFF2-40B4-BE49-F238E27FC236}">
-                  <a16:creationId xmlns:a16="http://schemas.microsoft.com/office/drawing/2014/main" id="{24B709E0-8F9E-4A0D-89FF-D27CF7F3FE16}"/>
-                </a:ext>
-              </a:extLst>
-            </p:cNvPr>
-            <p:cNvPicPr>
-              <a:picLocks noChangeAspect="1"/>
-            </p:cNvPicPr>
-            <p:nvPr/>
-          </p:nvPicPr>
-          <p:blipFill>
-            <a:blip r:embed="rId9"/>
-            <a:stretch>
-              <a:fillRect/>
-            </a:stretch>
-          </p:blipFill>
-          <p:spPr>
-            <a:xfrm>
-              <a:off x="6288680" y="2783761"/>
-              <a:ext cx="5487352" cy="3237621"/>
-            </a:xfrm>
-            <a:prstGeom prst="rect">
-              <a:avLst/>
-            </a:prstGeom>
-          </p:spPr>
-        </p:pic>
-      </p:grpSp>
     </p:spTree>
     <p:extLst>
       <p:ext uri="{BB962C8B-B14F-4D97-AF65-F5344CB8AC3E}">
-        <p14:creationId xmlns:p14="http://schemas.microsoft.com/office/powerpoint/2010/main" val="816926098"/>
+        <p14:creationId xmlns:p14="http://schemas.microsoft.com/office/powerpoint/2010/main" val="2599873572"/>
       </p:ext>
     </p:extLst>
   </p:cSld>
   <p:clrMapOvr>
     <a:masterClrMapping/>
   </p:clrMapOvr>
-  <p:timing>
-    <p:tnLst>
-      <p:par>
-        <p:cTn id="1" dur="indefinite" restart="never" nodeType="tmRoot">
-          <p:childTnLst>
-            <p:seq concurrent="1" nextAc="seek">
-              <p:cTn id="2" dur="indefinite" nodeType="mainSeq">
-                <p:childTnLst>
-                  <p:par>
-                    <p:cTn id="3" fill="hold">
-                      <p:stCondLst>
-                        <p:cond delay="indefinite"/>
-                      </p:stCondLst>
-                      <p:childTnLst>
-                        <p:par>
-                          <p:cTn id="4" fill="hold">
-                            <p:stCondLst>
-                              <p:cond delay="0"/>
-                            </p:stCondLst>
-                            <p:childTnLst>
-                              <p:par>
-                                <p:cTn id="5" presetID="10" presetClass="entr" presetSubtype="0" fill="hold" nodeType="clickEffect">
-                                  <p:stCondLst>
-                                    <p:cond delay="0"/>
-                                  </p:stCondLst>
-                                  <p:childTnLst>
-                                    <p:set>
-                                      <p:cBhvr>
-                                        <p:cTn id="6" dur="1" fill="hold">
-                                          <p:stCondLst>
-                                            <p:cond delay="0"/>
-                                          </p:stCondLst>
-                                        </p:cTn>
-                                        <p:tgtEl>
-                                          <p:spTgt spid="25"/>
-                                        </p:tgtEl>
-                                        <p:attrNameLst>
-                                          <p:attrName>style.visibility</p:attrName>
-                                        </p:attrNameLst>
-                                      </p:cBhvr>
-                                      <p:to>
-                                        <p:strVal val="visible"/>
-                                      </p:to>
-                                    </p:set>
-                                    <p:animEffect transition="in" filter="fade">
-                                      <p:cBhvr>
-                                        <p:cTn id="7" dur="500"/>
-                                        <p:tgtEl>
-                                          <p:spTgt spid="25"/>
-                                        </p:tgtEl>
-                                      </p:cBhvr>
-                                    </p:animEffect>
-                                  </p:childTnLst>
-                                </p:cTn>
-                              </p:par>
-                            </p:childTnLst>
-                          </p:cTn>
-                        </p:par>
-                      </p:childTnLst>
-                    </p:cTn>
-                  </p:par>
-                </p:childTnLst>
-              </p:cTn>
-              <p:prevCondLst>
-                <p:cond evt="onPrev" delay="0">
-                  <p:tgtEl>
-                    <p:sldTgt/>
-                  </p:tgtEl>
-                </p:cond>
-              </p:prevCondLst>
-              <p:nextCondLst>
-                <p:cond evt="onNext" delay="0">
-                  <p:tgtEl>
-                    <p:sldTgt/>
-                  </p:tgtEl>
-                </p:cond>
-              </p:nextCondLst>
-            </p:seq>
-          </p:childTnLst>
-        </p:cTn>
-      </p:par>
-    </p:tnLst>
-  </p:timing>
+  <p:transition>
+    <p:fade/>
+  </p:transition>
 </p:sld>
 </file>
 
